--- a/Securing Your API Endpoints - CodeMash 2016.pptx
+++ b/Securing Your API Endpoints - CodeMash 2016.pptx
@@ -5492,20 +5492,10 @@
                 <a:ea typeface="+mn-ea"/>
                 <a:cs typeface="+mn-cs"/>
               </a:rPr>
-              <a:t>The other way to use API Keys </a:t>
-            </a:r>
-            <a:r>
-              <a:rPr lang="en-US" sz="1200" kern="1200" dirty="0" smtClean="0">
-                <a:solidFill>
-                  <a:schemeClr val="tx1"/>
-                </a:solidFill>
-                <a:effectLst/>
-                <a:latin typeface="+mn-lt"/>
-                <a:ea typeface="+mn-ea"/>
-                <a:cs typeface="+mn-cs"/>
-              </a:rPr>
-              <a:t>is in conjunction with signed requests.</a:t>
-            </a:r>
+              <a:t>The other way to use API Keys is in conjunction with signed requests.</a:t>
+            </a:r>
+          </a:p>
+          <a:p>
             <a:endParaRPr lang="en-US" sz="1200" kern="1200" dirty="0" smtClean="0">
               <a:solidFill>
                 <a:schemeClr val="tx1"/>
@@ -5517,17 +5507,6 @@
             </a:endParaRPr>
           </a:p>
           <a:p>
-            <a:endParaRPr lang="en-US" sz="1200" kern="1200" dirty="0" smtClean="0">
-              <a:solidFill>
-                <a:schemeClr val="tx1"/>
-              </a:solidFill>
-              <a:effectLst/>
-              <a:latin typeface="+mn-lt"/>
-              <a:ea typeface="+mn-ea"/>
-              <a:cs typeface="+mn-cs"/>
-            </a:endParaRPr>
-          </a:p>
-          <a:p>
             <a:r>
               <a:rPr lang="en-US" sz="1200" kern="1200" dirty="0" smtClean="0">
                 <a:solidFill>
@@ -5562,19 +5541,7 @@
                 <a:ea typeface="+mn-ea"/>
                 <a:cs typeface="+mn-cs"/>
               </a:rPr>
-              <a:t>, the idea behind “signing” a request </a:t>
-            </a:r>
-            <a:r>
-              <a:rPr lang="en-US" sz="1200" kern="1200" dirty="0" smtClean="0">
-                <a:solidFill>
-                  <a:schemeClr val="tx1"/>
-                </a:solidFill>
-                <a:effectLst/>
-                <a:latin typeface="+mn-lt"/>
-                <a:ea typeface="+mn-ea"/>
-                <a:cs typeface="+mn-cs"/>
-              </a:rPr>
-              <a:t>is</a:t>
+              <a:t>, the idea behind “signing” a request is</a:t>
             </a:r>
           </a:p>
           <a:p>
@@ -5592,31 +5559,7 @@
                 <a:ea typeface="+mn-ea"/>
                 <a:cs typeface="+mn-cs"/>
               </a:rPr>
-              <a:t>Server and client </a:t>
-            </a:r>
-            <a:r>
-              <a:rPr lang="en-US" sz="1200" kern="1200" dirty="0" smtClean="0">
-                <a:solidFill>
-                  <a:schemeClr val="tx1"/>
-                </a:solidFill>
-                <a:effectLst/>
-                <a:latin typeface="+mn-lt"/>
-                <a:ea typeface="+mn-ea"/>
-                <a:cs typeface="+mn-cs"/>
-              </a:rPr>
-              <a:t>both know some secret </a:t>
-            </a:r>
-            <a:r>
-              <a:rPr lang="en-US" sz="1200" kern="1200" dirty="0" smtClean="0">
-                <a:solidFill>
-                  <a:schemeClr val="tx1"/>
-                </a:solidFill>
-                <a:effectLst/>
-                <a:latin typeface="+mn-lt"/>
-                <a:ea typeface="+mn-ea"/>
-                <a:cs typeface="+mn-cs"/>
-              </a:rPr>
-              <a:t>value</a:t>
+              <a:t>Server and client both know some secret value</a:t>
             </a:r>
           </a:p>
           <a:p>
@@ -5634,55 +5577,7 @@
                 <a:ea typeface="+mn-ea"/>
                 <a:cs typeface="+mn-cs"/>
               </a:rPr>
-              <a:t>Can </a:t>
-            </a:r>
-            <a:r>
-              <a:rPr lang="en-US" sz="1200" kern="1200" dirty="0" smtClean="0">
-                <a:solidFill>
-                  <a:schemeClr val="tx1"/>
-                </a:solidFill>
-                <a:effectLst/>
-                <a:latin typeface="+mn-lt"/>
-                <a:ea typeface="+mn-ea"/>
-                <a:cs typeface="+mn-cs"/>
-              </a:rPr>
-              <a:t>use it to communicate securely without ever transmitting that secret </a:t>
-            </a:r>
-            <a:r>
-              <a:rPr lang="en-US" sz="1200" kern="1200" dirty="0" smtClean="0">
-                <a:solidFill>
-                  <a:schemeClr val="tx1"/>
-                </a:solidFill>
-                <a:effectLst/>
-                <a:latin typeface="+mn-lt"/>
-                <a:ea typeface="+mn-ea"/>
-                <a:cs typeface="+mn-cs"/>
-              </a:rPr>
-              <a:t>over </a:t>
-            </a:r>
-            <a:r>
-              <a:rPr lang="en-US" sz="1200" kern="1200" dirty="0" smtClean="0">
-                <a:solidFill>
-                  <a:schemeClr val="tx1"/>
-                </a:solidFill>
-                <a:effectLst/>
-                <a:latin typeface="+mn-lt"/>
-                <a:ea typeface="+mn-ea"/>
-                <a:cs typeface="+mn-cs"/>
-              </a:rPr>
-              <a:t>the </a:t>
-            </a:r>
-            <a:r>
-              <a:rPr lang="en-US" sz="1200" kern="1200" dirty="0" smtClean="0">
-                <a:solidFill>
-                  <a:schemeClr val="tx1"/>
-                </a:solidFill>
-                <a:effectLst/>
-                <a:latin typeface="+mn-lt"/>
-                <a:ea typeface="+mn-ea"/>
-                <a:cs typeface="+mn-cs"/>
-              </a:rPr>
-              <a:t>wire </a:t>
+              <a:t>Can use it to communicate securely without ever transmitting that secret over the wire </a:t>
             </a:r>
           </a:p>
           <a:p>
@@ -6665,31 +6560,7 @@
                 <a:ea typeface="+mn-ea"/>
                 <a:cs typeface="+mn-cs"/>
               </a:rPr>
-              <a:t>drawback </a:t>
-            </a:r>
-            <a:r>
-              <a:rPr lang="en-US" sz="1200" kern="1200" dirty="0" smtClean="0">
-                <a:solidFill>
-                  <a:schemeClr val="tx1"/>
-                </a:solidFill>
-                <a:effectLst/>
-                <a:latin typeface="+mn-lt"/>
-                <a:ea typeface="+mn-ea"/>
-                <a:cs typeface="+mn-cs"/>
-              </a:rPr>
-              <a:t>to </a:t>
-            </a:r>
-            <a:r>
-              <a:rPr lang="en-US" sz="1200" kern="1200" dirty="0" smtClean="0">
-                <a:solidFill>
-                  <a:schemeClr val="tx1"/>
-                </a:solidFill>
-                <a:effectLst/>
-                <a:latin typeface="+mn-lt"/>
-                <a:ea typeface="+mn-ea"/>
-                <a:cs typeface="+mn-cs"/>
-              </a:rPr>
-              <a:t>HMAC is complexity.</a:t>
+              <a:t>drawback to HMAC is complexity.</a:t>
             </a:r>
           </a:p>
           <a:p>
@@ -6714,78 +6585,21 @@
                 <a:ea typeface="+mn-ea"/>
                 <a:cs typeface="+mn-cs"/>
               </a:rPr>
-              <a:t>* Client </a:t>
-            </a:r>
-            <a:r>
-              <a:rPr lang="en-US" sz="1200" kern="1200" dirty="0" smtClean="0">
-                <a:solidFill>
-                  <a:schemeClr val="tx1"/>
-                </a:solidFill>
-                <a:effectLst/>
-                <a:latin typeface="+mn-lt"/>
-                <a:ea typeface="+mn-ea"/>
-                <a:cs typeface="+mn-cs"/>
-              </a:rPr>
-              <a:t>and server must compute the hash EXACTLY the same way. </a:t>
-            </a:r>
-            <a:endParaRPr lang="en-US" sz="1200" kern="1200" dirty="0" smtClean="0">
-              <a:solidFill>
-                <a:schemeClr val="tx1"/>
-              </a:solidFill>
-              <a:effectLst/>
-              <a:latin typeface="+mn-lt"/>
-              <a:ea typeface="+mn-ea"/>
-              <a:cs typeface="+mn-cs"/>
-            </a:endParaRPr>
-          </a:p>
-          <a:p>
-            <a:r>
-              <a:rPr lang="en-US" sz="1200" kern="1200" dirty="0" smtClean="0">
-                <a:solidFill>
-                  <a:schemeClr val="tx1"/>
-                </a:solidFill>
-                <a:effectLst/>
-                <a:latin typeface="+mn-lt"/>
-                <a:ea typeface="+mn-ea"/>
-                <a:cs typeface="+mn-cs"/>
-              </a:rPr>
-              <a:t>* Usually </a:t>
-            </a:r>
-            <a:r>
-              <a:rPr lang="en-US" sz="1200" kern="1200" dirty="0" smtClean="0">
-                <a:solidFill>
-                  <a:schemeClr val="tx1"/>
-                </a:solidFill>
-                <a:effectLst/>
-                <a:latin typeface="+mn-lt"/>
-                <a:ea typeface="+mn-ea"/>
-                <a:cs typeface="+mn-cs"/>
-              </a:rPr>
-              <a:t>requires publishing </a:t>
-            </a:r>
-            <a:r>
-              <a:rPr lang="en-US" sz="1200" kern="1200" dirty="0" smtClean="0">
-                <a:solidFill>
-                  <a:schemeClr val="tx1"/>
-                </a:solidFill>
-                <a:effectLst/>
-                <a:latin typeface="+mn-lt"/>
-                <a:ea typeface="+mn-ea"/>
-                <a:cs typeface="+mn-cs"/>
-              </a:rPr>
-              <a:t>detailed instructions </a:t>
-            </a:r>
-            <a:r>
-              <a:rPr lang="en-US" sz="1200" kern="1200" dirty="0" smtClean="0">
-                <a:solidFill>
-                  <a:schemeClr val="tx1"/>
-                </a:solidFill>
-                <a:effectLst/>
-                <a:latin typeface="+mn-lt"/>
-                <a:ea typeface="+mn-ea"/>
-                <a:cs typeface="+mn-cs"/>
-              </a:rPr>
-              <a:t>that describe how to “</a:t>
+              <a:t>* Client and server must compute the hash EXACTLY the same way. </a:t>
+            </a:r>
+          </a:p>
+          <a:p>
+            <a:r>
+              <a:rPr lang="en-US" sz="1200" kern="1200" dirty="0" smtClean="0">
+                <a:solidFill>
+                  <a:schemeClr val="tx1"/>
+                </a:solidFill>
+                <a:effectLst/>
+                <a:latin typeface="+mn-lt"/>
+                <a:ea typeface="+mn-ea"/>
+                <a:cs typeface="+mn-cs"/>
+              </a:rPr>
+              <a:t>* Usually requires publishing detailed instructions that describe how to “</a:t>
             </a:r>
             <a:r>
               <a:rPr lang="en-US" sz="1200" kern="1200" dirty="0" err="1" smtClean="0">
@@ -6809,90 +6623,21 @@
                 <a:ea typeface="+mn-ea"/>
                 <a:cs typeface="+mn-cs"/>
               </a:rPr>
-              <a:t>” the request </a:t>
-            </a:r>
-            <a:r>
-              <a:rPr lang="en-US" sz="1200" kern="1200" dirty="0" smtClean="0">
-                <a:solidFill>
-                  <a:schemeClr val="tx1"/>
-                </a:solidFill>
-                <a:effectLst/>
-                <a:latin typeface="+mn-lt"/>
-                <a:ea typeface="+mn-ea"/>
-                <a:cs typeface="+mn-cs"/>
-              </a:rPr>
-              <a:t>data</a:t>
-            </a:r>
-            <a:endParaRPr lang="en-US" sz="1200" kern="1200" dirty="0" smtClean="0">
-              <a:solidFill>
-                <a:schemeClr val="tx1"/>
-              </a:solidFill>
-              <a:effectLst/>
-              <a:latin typeface="+mn-lt"/>
-              <a:ea typeface="+mn-ea"/>
-              <a:cs typeface="+mn-cs"/>
-            </a:endParaRPr>
-          </a:p>
-          <a:p>
-            <a:r>
-              <a:rPr lang="en-US" sz="1200" kern="1200" dirty="0" smtClean="0">
-                <a:solidFill>
-                  <a:schemeClr val="tx1"/>
-                </a:solidFill>
-                <a:effectLst/>
-                <a:latin typeface="+mn-lt"/>
-                <a:ea typeface="+mn-ea"/>
-                <a:cs typeface="+mn-cs"/>
-              </a:rPr>
-              <a:t>* Client </a:t>
-            </a:r>
-            <a:r>
-              <a:rPr lang="en-US" sz="1200" kern="1200" dirty="0" smtClean="0">
-                <a:solidFill>
-                  <a:schemeClr val="tx1"/>
-                </a:solidFill>
-                <a:effectLst/>
-                <a:latin typeface="+mn-lt"/>
-                <a:ea typeface="+mn-ea"/>
-                <a:cs typeface="+mn-cs"/>
-              </a:rPr>
-              <a:t>and server </a:t>
-            </a:r>
-            <a:r>
-              <a:rPr lang="en-US" sz="1200" kern="1200" dirty="0" smtClean="0">
-                <a:solidFill>
-                  <a:schemeClr val="tx1"/>
-                </a:solidFill>
-                <a:effectLst/>
-                <a:latin typeface="+mn-lt"/>
-                <a:ea typeface="+mn-ea"/>
-                <a:cs typeface="+mn-cs"/>
-              </a:rPr>
-              <a:t>must agree on which headers to include. If middleware </a:t>
-            </a:r>
-            <a:r>
-              <a:rPr lang="en-US" sz="1200" kern="1200" dirty="0" smtClean="0">
-                <a:solidFill>
-                  <a:schemeClr val="tx1"/>
-                </a:solidFill>
-                <a:effectLst/>
-                <a:latin typeface="+mn-lt"/>
-                <a:ea typeface="+mn-ea"/>
-                <a:cs typeface="+mn-cs"/>
-              </a:rPr>
-              <a:t>network component adds a header to the request, </a:t>
-            </a:r>
-            <a:r>
-              <a:rPr lang="en-US" sz="1200" kern="1200" dirty="0" smtClean="0">
-                <a:solidFill>
-                  <a:schemeClr val="tx1"/>
-                </a:solidFill>
-                <a:effectLst/>
-                <a:latin typeface="+mn-lt"/>
-                <a:ea typeface="+mn-ea"/>
-                <a:cs typeface="+mn-cs"/>
-              </a:rPr>
-              <a:t>server will calculate different signature.</a:t>
+              <a:t>” the request data</a:t>
+            </a:r>
+          </a:p>
+          <a:p>
+            <a:r>
+              <a:rPr lang="en-US" sz="1200" kern="1200" dirty="0" smtClean="0">
+                <a:solidFill>
+                  <a:schemeClr val="tx1"/>
+                </a:solidFill>
+                <a:effectLst/>
+                <a:latin typeface="+mn-lt"/>
+                <a:ea typeface="+mn-ea"/>
+                <a:cs typeface="+mn-cs"/>
+              </a:rPr>
+              <a:t>* Client and server must agree on which headers to include. If middleware network component adds a header to the request, server will calculate different signature.</a:t>
             </a:r>
           </a:p>
           <a:p>
@@ -7019,75 +6764,21 @@
             </a:r>
           </a:p>
           <a:p>
-            <a:pPr lvl="0"/>
-            <a:r>
-              <a:rPr lang="en-US" sz="1200" kern="1200" dirty="0" smtClean="0">
-                <a:solidFill>
-                  <a:schemeClr val="tx1"/>
-                </a:solidFill>
-                <a:effectLst/>
-                <a:latin typeface="+mn-lt"/>
-                <a:ea typeface="+mn-ea"/>
-                <a:cs typeface="+mn-cs"/>
-              </a:rPr>
-              <a:t>The signature created with the user’s secret value</a:t>
-            </a:r>
-          </a:p>
-          <a:p>
-            <a:pPr lvl="0"/>
-            <a:r>
-              <a:rPr lang="en-US" sz="1200" kern="1200" dirty="0" smtClean="0">
-                <a:solidFill>
-                  <a:schemeClr val="tx1"/>
-                </a:solidFill>
-                <a:effectLst/>
-                <a:latin typeface="+mn-lt"/>
-                <a:ea typeface="+mn-ea"/>
-                <a:cs typeface="+mn-cs"/>
-              </a:rPr>
-              <a:t>An indicator of the requestor’s identity</a:t>
-            </a:r>
-          </a:p>
-          <a:p>
-            <a:r>
-              <a:rPr lang="en-US" sz="1200" kern="1200" dirty="0" smtClean="0">
-                <a:solidFill>
-                  <a:schemeClr val="tx1"/>
-                </a:solidFill>
-                <a:effectLst/>
-                <a:latin typeface="+mn-lt"/>
-                <a:ea typeface="+mn-ea"/>
-                <a:cs typeface="+mn-cs"/>
-              </a:rPr>
-              <a:t>The identity indicator is required so that the server knows which user’s secret value to use when verifying the signature. The signature by itself isn’t verifiable; we need to know which key it was created with.</a:t>
-            </a:r>
-          </a:p>
-          <a:p>
-            <a:r>
-              <a:rPr lang="en-US" sz="1200" kern="1200" dirty="0" smtClean="0">
-                <a:solidFill>
-                  <a:schemeClr val="tx1"/>
-                </a:solidFill>
-                <a:effectLst/>
-                <a:latin typeface="+mn-lt"/>
-                <a:ea typeface="+mn-ea"/>
-                <a:cs typeface="+mn-cs"/>
-              </a:rPr>
-              <a:t>This means that if you build an HMAC system you’ll have to choose what to use as the identifier and what to use as the secret value.</a:t>
-            </a:r>
-          </a:p>
-          <a:p>
-            <a:r>
-              <a:rPr lang="en-US" sz="1200" kern="1200" dirty="0" smtClean="0">
-                <a:solidFill>
-                  <a:schemeClr val="tx1"/>
-                </a:solidFill>
-                <a:effectLst/>
-                <a:latin typeface="+mn-lt"/>
-                <a:ea typeface="+mn-ea"/>
-                <a:cs typeface="+mn-cs"/>
-              </a:rPr>
-              <a:t>If you’re building an internal API, or if you’re building both the client and the server, then you might be able to use a username or a user ID value as the identifier. If you’re building something for public use, you’ll probably want to use API Keys as the public identifier, just like we saw in the last section. In any case, the identifier is </a:t>
+            <a:pPr marL="171450" lvl="0" indent="-171450">
+              <a:buFont typeface="Arial" panose="020B0604020202020204" pitchFamily="34" charset="0"/>
+              <a:buChar char="•"/>
+            </a:pPr>
+            <a:r>
+              <a:rPr lang="en-US" sz="1200" kern="1200" dirty="0" smtClean="0">
+                <a:solidFill>
+                  <a:schemeClr val="tx1"/>
+                </a:solidFill>
+                <a:effectLst/>
+                <a:latin typeface="+mn-lt"/>
+                <a:ea typeface="+mn-ea"/>
+                <a:cs typeface="+mn-cs"/>
+              </a:rPr>
+              <a:t>The </a:t>
             </a:r>
             <a:r>
               <a:rPr lang="en-US" sz="1200" b="1" kern="1200" dirty="0" smtClean="0">
@@ -7099,51 +6790,368 @@
                 <a:ea typeface="+mn-ea"/>
                 <a:cs typeface="+mn-cs"/>
               </a:rPr>
-              <a:t>public</a:t>
-            </a:r>
-            <a:r>
-              <a:rPr lang="en-US" sz="1200" kern="1200" dirty="0" smtClean="0">
-                <a:solidFill>
-                  <a:schemeClr val="tx1"/>
-                </a:solidFill>
-                <a:effectLst/>
-                <a:latin typeface="+mn-lt"/>
-                <a:ea typeface="+mn-ea"/>
-                <a:cs typeface="+mn-cs"/>
-              </a:rPr>
-              <a:t>; it needs to be something you’re OK transmitting, in clear text, over an unsecure connection.</a:t>
-            </a:r>
-          </a:p>
-          <a:p>
-            <a:r>
-              <a:rPr lang="en-US" sz="1200" kern="1200" dirty="0" smtClean="0">
-                <a:solidFill>
-                  <a:schemeClr val="tx1"/>
-                </a:solidFill>
-                <a:effectLst/>
-                <a:latin typeface="+mn-lt"/>
-                <a:ea typeface="+mn-ea"/>
-                <a:cs typeface="+mn-cs"/>
-              </a:rPr>
-              <a:t>But if we use an API Key as the public identifier, what should we use as the secret value? You might be wondering if we could use the user’s password to sign the request, since it’s something that both the client and server already know, right? Not really, and it’s for the same reason that we don’t recommend Digest Auth.</a:t>
-            </a:r>
-          </a:p>
-          <a:p>
-            <a:r>
-              <a:rPr lang="en-US" sz="1200" kern="1200" dirty="0" smtClean="0">
-                <a:solidFill>
-                  <a:schemeClr val="tx1"/>
-                </a:solidFill>
-                <a:effectLst/>
-                <a:latin typeface="+mn-lt"/>
-                <a:ea typeface="+mn-ea"/>
-                <a:cs typeface="+mn-cs"/>
-              </a:rPr>
-              <a:t>If your server is correctly storing passwords, then you’re not really storing the password at all. You’re storing the result of pushing a password, plus a salt, through some sort of one-way crypto algorithm. Your application doesn’t actually know, and can’t obtain, the real password. It just knows the encrypted version of it. The client or user knows the actual password but not the salted, encrypted version. In order to sign and verify requests, the client and server have to know the same exact value.</a:t>
-            </a:r>
-          </a:p>
-          <a:p>
-            <a:endParaRPr lang="en-US" dirty="0"/>
+              <a:t>signature</a:t>
+            </a:r>
+            <a:r>
+              <a:rPr lang="en-US" sz="1200" kern="1200" dirty="0" smtClean="0">
+                <a:solidFill>
+                  <a:schemeClr val="tx1"/>
+                </a:solidFill>
+                <a:effectLst/>
+                <a:latin typeface="+mn-lt"/>
+                <a:ea typeface="+mn-ea"/>
+                <a:cs typeface="+mn-cs"/>
+              </a:rPr>
+              <a:t> created with the </a:t>
+            </a:r>
+            <a:r>
+              <a:rPr lang="en-US" sz="1200" kern="1200" dirty="0" smtClean="0">
+                <a:solidFill>
+                  <a:schemeClr val="tx1"/>
+                </a:solidFill>
+                <a:effectLst/>
+                <a:latin typeface="+mn-lt"/>
+                <a:ea typeface="+mn-ea"/>
+                <a:cs typeface="+mn-cs"/>
+              </a:rPr>
+              <a:t>secret value</a:t>
+            </a:r>
+          </a:p>
+          <a:p>
+            <a:pPr marL="171450" lvl="0" indent="-171450">
+              <a:buFont typeface="Arial" panose="020B0604020202020204" pitchFamily="34" charset="0"/>
+              <a:buChar char="•"/>
+            </a:pPr>
+            <a:r>
+              <a:rPr lang="en-US" sz="1200" kern="1200" dirty="0" smtClean="0">
+                <a:solidFill>
+                  <a:schemeClr val="tx1"/>
+                </a:solidFill>
+                <a:effectLst/>
+                <a:latin typeface="+mn-lt"/>
+                <a:ea typeface="+mn-ea"/>
+                <a:cs typeface="+mn-cs"/>
+              </a:rPr>
+              <a:t>An pointer to </a:t>
+            </a:r>
+            <a:r>
+              <a:rPr lang="en-US" sz="1200" kern="1200" dirty="0" smtClean="0">
+                <a:solidFill>
+                  <a:schemeClr val="tx1"/>
+                </a:solidFill>
+                <a:effectLst/>
+                <a:latin typeface="+mn-lt"/>
+                <a:ea typeface="+mn-ea"/>
+                <a:cs typeface="+mn-cs"/>
+              </a:rPr>
+              <a:t>the </a:t>
+            </a:r>
+            <a:r>
+              <a:rPr lang="en-US" sz="1200" b="1" kern="1200" dirty="0" smtClean="0">
+                <a:solidFill>
+                  <a:schemeClr val="tx1"/>
+                </a:solidFill>
+                <a:effectLst/>
+                <a:latin typeface="+mn-lt"/>
+                <a:ea typeface="+mn-ea"/>
+                <a:cs typeface="+mn-cs"/>
+              </a:rPr>
+              <a:t>identity </a:t>
+            </a:r>
+            <a:r>
+              <a:rPr lang="en-US" sz="1200" b="0" kern="1200" dirty="0" smtClean="0">
+                <a:solidFill>
+                  <a:schemeClr val="tx1"/>
+                </a:solidFill>
+                <a:effectLst/>
+                <a:latin typeface="+mn-lt"/>
+                <a:ea typeface="+mn-ea"/>
+                <a:cs typeface="+mn-cs"/>
+              </a:rPr>
+              <a:t>that</a:t>
+            </a:r>
+            <a:r>
+              <a:rPr lang="en-US" sz="1200" b="0" kern="1200" baseline="0" dirty="0" smtClean="0">
+                <a:solidFill>
+                  <a:schemeClr val="tx1"/>
+                </a:solidFill>
+                <a:effectLst/>
+                <a:latin typeface="+mn-lt"/>
+                <a:ea typeface="+mn-ea"/>
+                <a:cs typeface="+mn-cs"/>
+              </a:rPr>
+              <a:t> created the signature</a:t>
+            </a:r>
+          </a:p>
+          <a:p>
+            <a:pPr marL="171450" lvl="0" indent="-171450">
+              <a:buFont typeface="Arial" panose="020B0604020202020204" pitchFamily="34" charset="0"/>
+              <a:buChar char="•"/>
+            </a:pPr>
+            <a:endParaRPr lang="en-US" sz="1200" b="0" kern="1200" baseline="0" dirty="0" smtClean="0">
+              <a:solidFill>
+                <a:schemeClr val="tx1"/>
+              </a:solidFill>
+              <a:effectLst/>
+              <a:latin typeface="+mn-lt"/>
+              <a:ea typeface="+mn-ea"/>
+              <a:cs typeface="+mn-cs"/>
+            </a:endParaRPr>
+          </a:p>
+          <a:p>
+            <a:pPr marL="0" lvl="0" indent="0">
+              <a:buFont typeface="Arial" panose="020B0604020202020204" pitchFamily="34" charset="0"/>
+              <a:buNone/>
+            </a:pPr>
+            <a:r>
+              <a:rPr lang="en-US" sz="1200" b="0" kern="1200" baseline="0" dirty="0" smtClean="0">
+                <a:solidFill>
+                  <a:schemeClr val="tx1"/>
+                </a:solidFill>
+                <a:effectLst/>
+                <a:latin typeface="+mn-lt"/>
+                <a:ea typeface="+mn-ea"/>
+                <a:cs typeface="+mn-cs"/>
+              </a:rPr>
+              <a:t>Identity indicator is required so server knows which secret value to verify with</a:t>
+            </a:r>
+          </a:p>
+          <a:p>
+            <a:pPr marL="0" lvl="0" indent="0">
+              <a:buFont typeface="Arial" panose="020B0604020202020204" pitchFamily="34" charset="0"/>
+              <a:buNone/>
+            </a:pPr>
+            <a:endParaRPr lang="en-US" sz="1200" b="0" kern="1200" baseline="0" dirty="0" smtClean="0">
+              <a:solidFill>
+                <a:schemeClr val="tx1"/>
+              </a:solidFill>
+              <a:effectLst/>
+              <a:latin typeface="+mn-lt"/>
+              <a:ea typeface="+mn-ea"/>
+              <a:cs typeface="+mn-cs"/>
+            </a:endParaRPr>
+          </a:p>
+          <a:p>
+            <a:pPr marL="0" lvl="0" indent="0">
+              <a:buFont typeface="Arial" panose="020B0604020202020204" pitchFamily="34" charset="0"/>
+              <a:buNone/>
+            </a:pPr>
+            <a:r>
+              <a:rPr lang="en-US" sz="1200" kern="1200" dirty="0" smtClean="0">
+                <a:solidFill>
+                  <a:schemeClr val="tx1"/>
+                </a:solidFill>
+                <a:effectLst/>
+                <a:latin typeface="+mn-lt"/>
+                <a:ea typeface="+mn-ea"/>
+                <a:cs typeface="+mn-cs"/>
+              </a:rPr>
+              <a:t>If </a:t>
+            </a:r>
+            <a:r>
+              <a:rPr lang="en-US" sz="1200" kern="1200" dirty="0" smtClean="0">
+                <a:solidFill>
+                  <a:schemeClr val="tx1"/>
+                </a:solidFill>
+                <a:effectLst/>
+                <a:latin typeface="+mn-lt"/>
+                <a:ea typeface="+mn-ea"/>
+                <a:cs typeface="+mn-cs"/>
+              </a:rPr>
+              <a:t>you build an HMAC system you’ll </a:t>
+            </a:r>
+            <a:r>
+              <a:rPr lang="en-US" sz="1200" b="1" kern="1200" dirty="0" smtClean="0">
+                <a:solidFill>
+                  <a:schemeClr val="tx1"/>
+                </a:solidFill>
+                <a:effectLst/>
+                <a:latin typeface="+mn-lt"/>
+                <a:ea typeface="+mn-ea"/>
+                <a:cs typeface="+mn-cs"/>
+              </a:rPr>
+              <a:t>have to choose</a:t>
+            </a:r>
+            <a:r>
+              <a:rPr lang="en-US" sz="1200" kern="1200" dirty="0" smtClean="0">
+                <a:solidFill>
+                  <a:schemeClr val="tx1"/>
+                </a:solidFill>
+                <a:effectLst/>
+                <a:latin typeface="+mn-lt"/>
+                <a:ea typeface="+mn-ea"/>
+                <a:cs typeface="+mn-cs"/>
+              </a:rPr>
+              <a:t> what to use as the identifier and what to use as the secret value</a:t>
+            </a:r>
+            <a:r>
+              <a:rPr lang="en-US" sz="1200" kern="1200" dirty="0" smtClean="0">
+                <a:solidFill>
+                  <a:schemeClr val="tx1"/>
+                </a:solidFill>
+                <a:effectLst/>
+                <a:latin typeface="+mn-lt"/>
+                <a:ea typeface="+mn-ea"/>
+                <a:cs typeface="+mn-cs"/>
+              </a:rPr>
+              <a:t>.</a:t>
+            </a:r>
+          </a:p>
+          <a:p>
+            <a:pPr marL="171450" lvl="0" indent="-171450">
+              <a:buFont typeface="Arial" panose="020B0604020202020204" pitchFamily="34" charset="0"/>
+              <a:buChar char="•"/>
+            </a:pPr>
+            <a:r>
+              <a:rPr lang="en-US" sz="1200" kern="1200" dirty="0" smtClean="0">
+                <a:solidFill>
+                  <a:schemeClr val="tx1"/>
+                </a:solidFill>
+                <a:effectLst/>
+                <a:latin typeface="+mn-lt"/>
+                <a:ea typeface="+mn-ea"/>
+                <a:cs typeface="+mn-cs"/>
+              </a:rPr>
+              <a:t>Internal APIs can use </a:t>
+            </a:r>
+            <a:r>
+              <a:rPr lang="en-US" sz="1200" b="1" kern="1200" dirty="0" smtClean="0">
+                <a:solidFill>
+                  <a:schemeClr val="tx1"/>
+                </a:solidFill>
+                <a:effectLst/>
+                <a:latin typeface="+mn-lt"/>
+                <a:ea typeface="+mn-ea"/>
+                <a:cs typeface="+mn-cs"/>
+              </a:rPr>
+              <a:t>member ID or PK</a:t>
+            </a:r>
+            <a:endParaRPr lang="en-US" sz="1200" b="0" kern="1200" dirty="0" smtClean="0">
+              <a:solidFill>
+                <a:schemeClr val="tx1"/>
+              </a:solidFill>
+              <a:effectLst/>
+              <a:latin typeface="+mn-lt"/>
+              <a:ea typeface="+mn-ea"/>
+              <a:cs typeface="+mn-cs"/>
+            </a:endParaRPr>
+          </a:p>
+          <a:p>
+            <a:pPr marL="171450" lvl="0" indent="-171450">
+              <a:buFont typeface="Arial" panose="020B0604020202020204" pitchFamily="34" charset="0"/>
+              <a:buChar char="•"/>
+            </a:pPr>
+            <a:r>
+              <a:rPr lang="en-US" sz="1200" b="0" kern="1200" dirty="0" smtClean="0">
+                <a:solidFill>
+                  <a:schemeClr val="tx1"/>
+                </a:solidFill>
+                <a:effectLst/>
+                <a:latin typeface="+mn-lt"/>
+                <a:ea typeface="+mn-ea"/>
+                <a:cs typeface="+mn-cs"/>
+              </a:rPr>
+              <a:t>Public APIs</a:t>
+            </a:r>
+            <a:r>
+              <a:rPr lang="en-US" sz="1200" b="0" kern="1200" baseline="0" dirty="0" smtClean="0">
+                <a:solidFill>
+                  <a:schemeClr val="tx1"/>
+                </a:solidFill>
+                <a:effectLst/>
+                <a:latin typeface="+mn-lt"/>
+                <a:ea typeface="+mn-ea"/>
+                <a:cs typeface="+mn-cs"/>
+              </a:rPr>
+              <a:t> will probably want to use an </a:t>
+            </a:r>
+            <a:r>
+              <a:rPr lang="en-US" sz="1200" b="1" kern="1200" baseline="0" dirty="0" smtClean="0">
+                <a:solidFill>
+                  <a:schemeClr val="tx1"/>
+                </a:solidFill>
+                <a:effectLst/>
+                <a:latin typeface="+mn-lt"/>
+                <a:ea typeface="+mn-ea"/>
+                <a:cs typeface="+mn-cs"/>
+              </a:rPr>
+              <a:t>API Key</a:t>
+            </a:r>
+            <a:endParaRPr lang="en-US" sz="1200" b="0" kern="1200" baseline="0" dirty="0" smtClean="0">
+              <a:solidFill>
+                <a:schemeClr val="tx1"/>
+              </a:solidFill>
+              <a:effectLst/>
+              <a:latin typeface="+mn-lt"/>
+              <a:ea typeface="+mn-ea"/>
+              <a:cs typeface="+mn-cs"/>
+            </a:endParaRPr>
+          </a:p>
+          <a:p>
+            <a:pPr marL="171450" lvl="0" indent="-171450">
+              <a:buFont typeface="Arial" panose="020B0604020202020204" pitchFamily="34" charset="0"/>
+              <a:buChar char="•"/>
+            </a:pPr>
+            <a:endParaRPr lang="en-US" sz="1200" b="0" kern="1200" baseline="0" dirty="0" smtClean="0">
+              <a:solidFill>
+                <a:schemeClr val="tx1"/>
+              </a:solidFill>
+              <a:effectLst/>
+              <a:latin typeface="+mn-lt"/>
+              <a:ea typeface="+mn-ea"/>
+              <a:cs typeface="+mn-cs"/>
+            </a:endParaRPr>
+          </a:p>
+          <a:p>
+            <a:pPr marL="0" lvl="0" indent="0">
+              <a:buFont typeface="Arial" panose="020B0604020202020204" pitchFamily="34" charset="0"/>
+              <a:buNone/>
+            </a:pPr>
+            <a:r>
+              <a:rPr lang="en-US" sz="1200" b="0" kern="1200" baseline="0" dirty="0" smtClean="0">
+                <a:solidFill>
+                  <a:schemeClr val="tx1"/>
+                </a:solidFill>
+                <a:effectLst/>
+                <a:latin typeface="+mn-lt"/>
+                <a:ea typeface="+mn-ea"/>
+                <a:cs typeface="+mn-cs"/>
+              </a:rPr>
+              <a:t>If you use the API Key as the public identifier, what do we use as </a:t>
+            </a:r>
+            <a:r>
+              <a:rPr lang="en-US" sz="1200" b="1" kern="1200" baseline="0" dirty="0" smtClean="0">
+                <a:solidFill>
+                  <a:schemeClr val="tx1"/>
+                </a:solidFill>
+                <a:effectLst/>
+                <a:latin typeface="+mn-lt"/>
+                <a:ea typeface="+mn-ea"/>
+                <a:cs typeface="+mn-cs"/>
+              </a:rPr>
+              <a:t>secret value</a:t>
+            </a:r>
+            <a:r>
+              <a:rPr lang="en-US" sz="1200" b="0" kern="1200" baseline="0" dirty="0" smtClean="0">
+                <a:solidFill>
+                  <a:schemeClr val="tx1"/>
+                </a:solidFill>
+                <a:effectLst/>
+                <a:latin typeface="+mn-lt"/>
+                <a:ea typeface="+mn-ea"/>
+                <a:cs typeface="+mn-cs"/>
+              </a:rPr>
+              <a:t>?</a:t>
+            </a:r>
+            <a:endParaRPr lang="en-US" sz="1200" kern="1200" dirty="0" smtClean="0">
+              <a:solidFill>
+                <a:schemeClr val="tx1"/>
+              </a:solidFill>
+              <a:effectLst/>
+              <a:latin typeface="+mn-lt"/>
+              <a:ea typeface="+mn-ea"/>
+              <a:cs typeface="+mn-cs"/>
+            </a:endParaRPr>
           </a:p>
         </p:txBody>
       </p:sp>
@@ -7237,21 +7245,19 @@
                 <a:ea typeface="+mn-ea"/>
                 <a:cs typeface="+mn-cs"/>
               </a:rPr>
-              <a:t>This means that whatever value you choose to use as the secret, it must be stored in plain text or using reversible encryption. The whole point of secure password storage is to make it impossible to reverse engineer the plain text password from the encrypted value, so passwords are obviously a poor choice for the private key.</a:t>
-            </a:r>
-          </a:p>
-          <a:p>
-            <a:r>
-              <a:rPr lang="en-US" sz="1200" kern="1200" dirty="0" smtClean="0">
-                <a:solidFill>
-                  <a:schemeClr val="tx1"/>
-                </a:solidFill>
-                <a:effectLst/>
-                <a:latin typeface="+mn-lt"/>
-                <a:ea typeface="+mn-ea"/>
-                <a:cs typeface="+mn-cs"/>
-              </a:rPr>
-              <a:t>A popular approach is to issue API Keys as a </a:t>
+              <a:t>Whatever </a:t>
+            </a:r>
+            <a:r>
+              <a:rPr lang="en-US" sz="1200" kern="1200" dirty="0" smtClean="0">
+                <a:solidFill>
+                  <a:schemeClr val="tx1"/>
+                </a:solidFill>
+                <a:effectLst/>
+                <a:latin typeface="+mn-lt"/>
+                <a:ea typeface="+mn-ea"/>
+                <a:cs typeface="+mn-cs"/>
+              </a:rPr>
+              <a:t>value you choose to use as the secret, it must be stored in </a:t>
             </a:r>
             <a:r>
               <a:rPr lang="en-US" sz="1200" b="1" kern="1200" dirty="0" smtClean="0">
@@ -7263,6 +7269,210 @@
                 <a:ea typeface="+mn-ea"/>
                 <a:cs typeface="+mn-cs"/>
               </a:rPr>
+              <a:t>plain text or using reversible encryption</a:t>
+            </a:r>
+            <a:r>
+              <a:rPr lang="en-US" sz="1200" kern="1200" dirty="0" smtClean="0">
+                <a:solidFill>
+                  <a:schemeClr val="tx1"/>
+                </a:solidFill>
+                <a:effectLst/>
+                <a:latin typeface="+mn-lt"/>
+                <a:ea typeface="+mn-ea"/>
+                <a:cs typeface="+mn-cs"/>
+              </a:rPr>
+              <a:t>. </a:t>
+            </a:r>
+            <a:r>
+              <a:rPr lang="en-US" sz="1200" kern="1200" dirty="0" smtClean="0">
+                <a:solidFill>
+                  <a:schemeClr val="tx1"/>
+                </a:solidFill>
+                <a:effectLst/>
+                <a:latin typeface="+mn-lt"/>
+                <a:ea typeface="+mn-ea"/>
+                <a:cs typeface="+mn-cs"/>
+              </a:rPr>
+              <a:t>App needs it</a:t>
+            </a:r>
+            <a:r>
+              <a:rPr lang="en-US" sz="1200" kern="1200" baseline="0" dirty="0" smtClean="0">
+                <a:solidFill>
+                  <a:schemeClr val="tx1"/>
+                </a:solidFill>
+                <a:effectLst/>
+                <a:latin typeface="+mn-lt"/>
+                <a:ea typeface="+mn-ea"/>
+                <a:cs typeface="+mn-cs"/>
+              </a:rPr>
+              <a:t> to verify sig.</a:t>
+            </a:r>
+          </a:p>
+          <a:p>
+            <a:endParaRPr lang="en-US" sz="1200" kern="1200" baseline="0" dirty="0" smtClean="0">
+              <a:solidFill>
+                <a:schemeClr val="tx1"/>
+              </a:solidFill>
+              <a:effectLst/>
+              <a:latin typeface="+mn-lt"/>
+              <a:ea typeface="+mn-ea"/>
+              <a:cs typeface="+mn-cs"/>
+            </a:endParaRPr>
+          </a:p>
+          <a:p>
+            <a:r>
+              <a:rPr lang="en-US" sz="1200" kern="1200" baseline="0" dirty="0" smtClean="0">
+                <a:solidFill>
+                  <a:schemeClr val="tx1"/>
+                </a:solidFill>
+                <a:effectLst/>
+                <a:latin typeface="+mn-lt"/>
+                <a:ea typeface="+mn-ea"/>
+                <a:cs typeface="+mn-cs"/>
+              </a:rPr>
+              <a:t>Can’t use the user’s password. Whole point of secure password storage is to </a:t>
+            </a:r>
+            <a:r>
+              <a:rPr lang="en-US" sz="1200" b="1" kern="1200" baseline="0" dirty="0" smtClean="0">
+                <a:solidFill>
+                  <a:schemeClr val="tx1"/>
+                </a:solidFill>
+                <a:effectLst/>
+                <a:latin typeface="+mn-lt"/>
+                <a:ea typeface="+mn-ea"/>
+                <a:cs typeface="+mn-cs"/>
+              </a:rPr>
+              <a:t>prevent app from knowing actual password</a:t>
+            </a:r>
+            <a:r>
+              <a:rPr lang="en-US" sz="1200" b="0" kern="1200" baseline="0" dirty="0" smtClean="0">
+                <a:solidFill>
+                  <a:schemeClr val="tx1"/>
+                </a:solidFill>
+                <a:effectLst/>
+                <a:latin typeface="+mn-lt"/>
+                <a:ea typeface="+mn-ea"/>
+                <a:cs typeface="+mn-cs"/>
+              </a:rPr>
+              <a:t>. </a:t>
+            </a:r>
+          </a:p>
+          <a:p>
+            <a:pPr marL="171450" indent="-171450">
+              <a:buFont typeface="Arial" panose="020B0604020202020204" pitchFamily="34" charset="0"/>
+              <a:buChar char="•"/>
+            </a:pPr>
+            <a:r>
+              <a:rPr lang="en-US" sz="1200" b="0" kern="1200" baseline="0" dirty="0" smtClean="0">
+                <a:solidFill>
+                  <a:schemeClr val="tx1"/>
+                </a:solidFill>
+                <a:effectLst/>
+                <a:latin typeface="+mn-lt"/>
+                <a:ea typeface="+mn-ea"/>
+                <a:cs typeface="+mn-cs"/>
+              </a:rPr>
+              <a:t>If hashing and salting password, server only knows the </a:t>
+            </a:r>
+            <a:r>
+              <a:rPr lang="en-US" sz="1200" b="1" kern="1200" baseline="0" dirty="0" smtClean="0">
+                <a:solidFill>
+                  <a:schemeClr val="tx1"/>
+                </a:solidFill>
+                <a:effectLst/>
+                <a:latin typeface="+mn-lt"/>
+                <a:ea typeface="+mn-ea"/>
+                <a:cs typeface="+mn-cs"/>
+              </a:rPr>
+              <a:t>encrypted password</a:t>
+            </a:r>
+            <a:r>
+              <a:rPr lang="en-US" sz="1200" b="0" kern="1200" baseline="0" dirty="0" smtClean="0">
+                <a:solidFill>
+                  <a:schemeClr val="tx1"/>
+                </a:solidFill>
+                <a:effectLst/>
+                <a:latin typeface="+mn-lt"/>
+                <a:ea typeface="+mn-ea"/>
+                <a:cs typeface="+mn-cs"/>
+              </a:rPr>
+              <a:t>, not the text password</a:t>
+            </a:r>
+          </a:p>
+          <a:p>
+            <a:pPr marL="171450" indent="-171450">
+              <a:buFont typeface="Arial" panose="020B0604020202020204" pitchFamily="34" charset="0"/>
+              <a:buChar char="•"/>
+            </a:pPr>
+            <a:endParaRPr lang="en-US" sz="1200" kern="1200" dirty="0" smtClean="0">
+              <a:solidFill>
+                <a:schemeClr val="tx1"/>
+              </a:solidFill>
+              <a:effectLst/>
+              <a:latin typeface="+mn-lt"/>
+              <a:ea typeface="+mn-ea"/>
+              <a:cs typeface="+mn-cs"/>
+            </a:endParaRPr>
+          </a:p>
+          <a:p>
+            <a:r>
+              <a:rPr lang="en-US" sz="1200" kern="1200" dirty="0" smtClean="0">
+                <a:solidFill>
+                  <a:schemeClr val="tx1"/>
+                </a:solidFill>
+                <a:effectLst/>
+                <a:latin typeface="+mn-lt"/>
+                <a:ea typeface="+mn-ea"/>
+                <a:cs typeface="+mn-cs"/>
+              </a:rPr>
+              <a:t>A</a:t>
+            </a:r>
+            <a:r>
+              <a:rPr lang="en-US" sz="1200" kern="1200" baseline="0" dirty="0" smtClean="0">
+                <a:solidFill>
+                  <a:schemeClr val="tx1"/>
+                </a:solidFill>
+                <a:effectLst/>
+                <a:latin typeface="+mn-lt"/>
+                <a:ea typeface="+mn-ea"/>
+                <a:cs typeface="+mn-cs"/>
+              </a:rPr>
+              <a:t> popular </a:t>
+            </a:r>
+            <a:r>
+              <a:rPr lang="en-US" sz="1200" kern="1200" dirty="0" smtClean="0">
+                <a:solidFill>
+                  <a:schemeClr val="tx1"/>
+                </a:solidFill>
+                <a:effectLst/>
+                <a:latin typeface="+mn-lt"/>
+                <a:ea typeface="+mn-ea"/>
+                <a:cs typeface="+mn-cs"/>
+              </a:rPr>
+              <a:t>approach </a:t>
+            </a:r>
+            <a:r>
+              <a:rPr lang="en-US" sz="1200" kern="1200" dirty="0" smtClean="0">
+                <a:solidFill>
+                  <a:schemeClr val="tx1"/>
+                </a:solidFill>
+                <a:effectLst/>
+                <a:latin typeface="+mn-lt"/>
+                <a:ea typeface="+mn-ea"/>
+                <a:cs typeface="+mn-cs"/>
+              </a:rPr>
+              <a:t>is to issue API Keys as a </a:t>
+            </a:r>
+            <a:r>
+              <a:rPr lang="en-US" sz="1200" b="1" kern="1200" dirty="0" smtClean="0">
+                <a:solidFill>
+                  <a:schemeClr val="tx1"/>
+                </a:solidFill>
+                <a:effectLst/>
+                <a:latin typeface="+mn-lt"/>
+                <a:ea typeface="+mn-ea"/>
+                <a:cs typeface="+mn-cs"/>
+              </a:rPr>
               <a:t>pair</a:t>
             </a:r>
             <a:r>
@@ -7275,7 +7485,88 @@
                 <a:ea typeface="+mn-ea"/>
                 <a:cs typeface="+mn-cs"/>
               </a:rPr>
-              <a:t> of values: a public API key, that is transmitted over the wire with each request, and a private key that is only known by the client and server. </a:t>
+              <a:t> of </a:t>
+            </a:r>
+            <a:r>
+              <a:rPr lang="en-US" sz="1200" kern="1200" dirty="0" smtClean="0">
+                <a:solidFill>
+                  <a:schemeClr val="tx1"/>
+                </a:solidFill>
+                <a:effectLst/>
+                <a:latin typeface="+mn-lt"/>
+                <a:ea typeface="+mn-ea"/>
+                <a:cs typeface="+mn-cs"/>
+              </a:rPr>
+              <a:t>values</a:t>
+            </a:r>
+          </a:p>
+          <a:p>
+            <a:pPr marL="171450" indent="-171450">
+              <a:buFont typeface="Arial" panose="020B0604020202020204" pitchFamily="34" charset="0"/>
+              <a:buChar char="•"/>
+            </a:pPr>
+            <a:r>
+              <a:rPr lang="en-US" sz="1200" kern="1200" dirty="0" smtClean="0">
+                <a:solidFill>
+                  <a:schemeClr val="tx1"/>
+                </a:solidFill>
+                <a:effectLst/>
+                <a:latin typeface="+mn-lt"/>
+                <a:ea typeface="+mn-ea"/>
+                <a:cs typeface="+mn-cs"/>
+              </a:rPr>
+              <a:t>Public </a:t>
+            </a:r>
+            <a:r>
+              <a:rPr lang="en-US" sz="1200" kern="1200" dirty="0" smtClean="0">
+                <a:solidFill>
+                  <a:schemeClr val="tx1"/>
+                </a:solidFill>
+                <a:effectLst/>
+                <a:latin typeface="+mn-lt"/>
+                <a:ea typeface="+mn-ea"/>
+                <a:cs typeface="+mn-cs"/>
+              </a:rPr>
+              <a:t>API key, that is transmitted over the wire </a:t>
+            </a:r>
+            <a:endParaRPr lang="en-US" sz="1200" kern="1200" dirty="0" smtClean="0">
+              <a:solidFill>
+                <a:schemeClr val="tx1"/>
+              </a:solidFill>
+              <a:effectLst/>
+              <a:latin typeface="+mn-lt"/>
+              <a:ea typeface="+mn-ea"/>
+              <a:cs typeface="+mn-cs"/>
+            </a:endParaRPr>
+          </a:p>
+          <a:p>
+            <a:pPr marL="171450" indent="-171450">
+              <a:buFont typeface="Arial" panose="020B0604020202020204" pitchFamily="34" charset="0"/>
+              <a:buChar char="•"/>
+            </a:pPr>
+            <a:r>
+              <a:rPr lang="en-US" sz="1200" kern="1200" dirty="0" smtClean="0">
+                <a:solidFill>
+                  <a:schemeClr val="tx1"/>
+                </a:solidFill>
+                <a:effectLst/>
+                <a:latin typeface="+mn-lt"/>
+                <a:ea typeface="+mn-ea"/>
+                <a:cs typeface="+mn-cs"/>
+              </a:rPr>
+              <a:t>Private </a:t>
+            </a:r>
+            <a:r>
+              <a:rPr lang="en-US" sz="1200" kern="1200" dirty="0" smtClean="0">
+                <a:solidFill>
+                  <a:schemeClr val="tx1"/>
+                </a:solidFill>
+                <a:effectLst/>
+                <a:latin typeface="+mn-lt"/>
+                <a:ea typeface="+mn-ea"/>
+                <a:cs typeface="+mn-cs"/>
+              </a:rPr>
+              <a:t>key that is only known by the client and server. </a:t>
             </a:r>
           </a:p>
           <a:p>
@@ -7292,24 +7583,46 @@
                 <a:ea typeface="+mn-ea"/>
                 <a:cs typeface="+mn-cs"/>
               </a:rPr>
-              <a:t>This isn’t without drawbacks, of course. Storing the secret keys in plain text or in a reversible manner means that any attacker that compromises the database can begin to impersonate users.</a:t>
-            </a:r>
-          </a:p>
-          <a:p>
-            <a:r>
-              <a:rPr lang="en-US" sz="1200" kern="1200" dirty="0" smtClean="0">
-                <a:solidFill>
-                  <a:schemeClr val="tx1"/>
-                </a:solidFill>
-                <a:effectLst/>
-                <a:latin typeface="+mn-lt"/>
-                <a:ea typeface="+mn-ea"/>
-                <a:cs typeface="+mn-cs"/>
-              </a:rPr>
-              <a:t>If your API isn’t that sensitive, then this might be a risk you’re willing to take. After all, accessing the plain text secret keys is not the same as accessing plain text passwords. If you’re concerned about this, however, then you will probably want to implement an expiration policy for the secret keys. That way, even if the database is compromised and you’re unaware, there would be a limited window of time during which the compromised keys would be usable.</a:t>
-            </a:r>
-          </a:p>
-          <a:p>
+              <a:t> </a:t>
+            </a:r>
+          </a:p>
+          <a:p>
+            <a:r>
+              <a:rPr lang="en-US" sz="1200" kern="1200" dirty="0" smtClean="0">
+                <a:solidFill>
+                  <a:schemeClr val="tx1"/>
+                </a:solidFill>
+                <a:effectLst/>
+                <a:latin typeface="+mn-lt"/>
+                <a:ea typeface="+mn-ea"/>
+                <a:cs typeface="+mn-cs"/>
+              </a:rPr>
+              <a:t>Storing in text </a:t>
+            </a:r>
+            <a:r>
+              <a:rPr lang="en-US" sz="1200" b="1" kern="1200" dirty="0" smtClean="0">
+                <a:solidFill>
+                  <a:schemeClr val="tx1"/>
+                </a:solidFill>
+                <a:effectLst/>
+                <a:latin typeface="+mn-lt"/>
+                <a:ea typeface="+mn-ea"/>
+                <a:cs typeface="+mn-cs"/>
+              </a:rPr>
+              <a:t>means it can be compromised</a:t>
+            </a:r>
+            <a:r>
+              <a:rPr lang="en-US" sz="1200" b="0" kern="1200" baseline="0" dirty="0" smtClean="0">
+                <a:solidFill>
+                  <a:schemeClr val="tx1"/>
+                </a:solidFill>
+                <a:effectLst/>
+                <a:latin typeface="+mn-lt"/>
+                <a:ea typeface="+mn-ea"/>
+                <a:cs typeface="+mn-cs"/>
+              </a:rPr>
+              <a:t> if an attacker gains access to your database. To combat this, implement an expiration policy for your API Keys</a:t>
+            </a:r>
             <a:endParaRPr lang="en-US" dirty="0"/>
           </a:p>
         </p:txBody>
@@ -7404,21 +7717,116 @@
                 <a:ea typeface="+mn-ea"/>
                 <a:cs typeface="+mn-cs"/>
               </a:rPr>
-              <a:t>There’s one other detail of an HMAC implementation that you need to think about, and that’s how the client and server come to both know the secret value in the first place. </a:t>
-            </a:r>
-          </a:p>
-          <a:p>
-            <a:r>
-              <a:rPr lang="en-US" sz="1200" kern="1200" dirty="0" smtClean="0">
-                <a:solidFill>
-                  <a:schemeClr val="tx1"/>
-                </a:solidFill>
-                <a:effectLst/>
-                <a:latin typeface="+mn-lt"/>
-                <a:ea typeface="+mn-ea"/>
-                <a:cs typeface="+mn-cs"/>
-              </a:rPr>
-              <a:t>If you’re writing a server-based clients it’s easy. Some person, likely a programmer, obtains the API key and secret value using some secure mechanism, such as logging into a secure website over SSL, and then puts it into the source code or </a:t>
+              <a:t>There’s one other detail of an HMAC implementation that you need to think </a:t>
+            </a:r>
+            <a:r>
+              <a:rPr lang="en-US" sz="1200" kern="1200" dirty="0" smtClean="0">
+                <a:solidFill>
+                  <a:schemeClr val="tx1"/>
+                </a:solidFill>
+                <a:effectLst/>
+                <a:latin typeface="+mn-lt"/>
+                <a:ea typeface="+mn-ea"/>
+                <a:cs typeface="+mn-cs"/>
+              </a:rPr>
+              <a:t>about: </a:t>
+            </a:r>
+            <a:r>
+              <a:rPr lang="en-US" sz="1200" b="1" kern="1200" dirty="0" smtClean="0">
+                <a:solidFill>
+                  <a:schemeClr val="tx1"/>
+                </a:solidFill>
+                <a:effectLst/>
+                <a:latin typeface="+mn-lt"/>
+                <a:ea typeface="+mn-ea"/>
+                <a:cs typeface="+mn-cs"/>
+              </a:rPr>
+              <a:t>how do</a:t>
+            </a:r>
+            <a:r>
+              <a:rPr lang="en-US" sz="1200" b="1" kern="1200" baseline="0" dirty="0" smtClean="0">
+                <a:solidFill>
+                  <a:schemeClr val="tx1"/>
+                </a:solidFill>
+                <a:effectLst/>
+                <a:latin typeface="+mn-lt"/>
+                <a:ea typeface="+mn-ea"/>
+                <a:cs typeface="+mn-cs"/>
+              </a:rPr>
+              <a:t> client and server agree</a:t>
+            </a:r>
+            <a:r>
+              <a:rPr lang="en-US" sz="1200" b="0" kern="1200" baseline="0" dirty="0" smtClean="0">
+                <a:solidFill>
+                  <a:schemeClr val="tx1"/>
+                </a:solidFill>
+                <a:effectLst/>
+                <a:latin typeface="+mn-lt"/>
+                <a:ea typeface="+mn-ea"/>
+                <a:cs typeface="+mn-cs"/>
+              </a:rPr>
+              <a:t> on the secret key in the first place?</a:t>
+            </a:r>
+          </a:p>
+          <a:p>
+            <a:endParaRPr lang="en-US" sz="1200" kern="1200" dirty="0" smtClean="0">
+              <a:solidFill>
+                <a:schemeClr val="tx1"/>
+              </a:solidFill>
+              <a:effectLst/>
+              <a:latin typeface="+mn-lt"/>
+              <a:ea typeface="+mn-ea"/>
+              <a:cs typeface="+mn-cs"/>
+            </a:endParaRPr>
+          </a:p>
+          <a:p>
+            <a:r>
+              <a:rPr lang="en-US" sz="1200" kern="1200" dirty="0" smtClean="0">
+                <a:solidFill>
+                  <a:schemeClr val="tx1"/>
+                </a:solidFill>
+                <a:effectLst/>
+                <a:latin typeface="+mn-lt"/>
+                <a:ea typeface="+mn-ea"/>
+                <a:cs typeface="+mn-cs"/>
+              </a:rPr>
+              <a:t>If </a:t>
+            </a:r>
+            <a:r>
+              <a:rPr lang="en-US" sz="1200" kern="1200" dirty="0" smtClean="0">
+                <a:solidFill>
+                  <a:schemeClr val="tx1"/>
+                </a:solidFill>
+                <a:effectLst/>
+                <a:latin typeface="+mn-lt"/>
+                <a:ea typeface="+mn-ea"/>
+                <a:cs typeface="+mn-cs"/>
+              </a:rPr>
+              <a:t>you’re writing a </a:t>
+            </a:r>
+            <a:r>
+              <a:rPr lang="en-US" sz="1200" b="1" kern="1200" dirty="0" smtClean="0">
+                <a:solidFill>
+                  <a:schemeClr val="tx1"/>
+                </a:solidFill>
+                <a:effectLst/>
+                <a:latin typeface="+mn-lt"/>
+                <a:ea typeface="+mn-ea"/>
+                <a:cs typeface="+mn-cs"/>
+              </a:rPr>
+              <a:t>server-based clients</a:t>
+            </a:r>
+            <a:r>
+              <a:rPr lang="en-US" sz="1200" kern="1200" dirty="0" smtClean="0">
+                <a:solidFill>
+                  <a:schemeClr val="tx1"/>
+                </a:solidFill>
+                <a:effectLst/>
+                <a:latin typeface="+mn-lt"/>
+                <a:ea typeface="+mn-ea"/>
+                <a:cs typeface="+mn-cs"/>
+              </a:rPr>
+              <a:t> it’s easy. Some person, likely a programmer, obtains the API key and secret value using some secure mechanism, such as logging into a secure website over SSL, and then puts it into the source code or </a:t>
             </a:r>
             <a:r>
               <a:rPr lang="en-US" sz="1200" kern="1200" dirty="0" err="1" smtClean="0">
@@ -7540,46 +7948,117 @@
                 <a:ea typeface="+mn-ea"/>
                 <a:cs typeface="+mn-cs"/>
               </a:rPr>
-              <a:t>If you’re writing a native mobile app or a JavaScript client then it’s a little more complicated. In those cases, there’s no reliable way to ensure that the client will have the key up front. Consider a PC in a computer lab; any number of users might sit down and log into that PC, so there needs to be a way to securely transmit the secret key to the PC </a:t>
-            </a:r>
-            <a:r>
-              <a:rPr lang="en-US" sz="1200" i="1" kern="1200" dirty="0" smtClean="0">
-                <a:solidFill>
-                  <a:schemeClr val="tx1"/>
-                </a:solidFill>
-                <a:effectLst/>
-                <a:latin typeface="+mn-lt"/>
-                <a:ea typeface="+mn-ea"/>
-                <a:cs typeface="+mn-cs"/>
-              </a:rPr>
-              <a:t>before </a:t>
-            </a:r>
-            <a:r>
-              <a:rPr lang="en-US" sz="1200" kern="1200" dirty="0" smtClean="0">
-                <a:solidFill>
-                  <a:schemeClr val="tx1"/>
-                </a:solidFill>
-                <a:effectLst/>
-                <a:latin typeface="+mn-lt"/>
-                <a:ea typeface="+mn-ea"/>
-                <a:cs typeface="+mn-cs"/>
-              </a:rPr>
-              <a:t>it can start making signed requests. You also want to remove the key when the user logs off.</a:t>
-            </a:r>
-          </a:p>
-          <a:p>
-            <a:r>
-              <a:rPr lang="en-US" sz="1200" kern="1200" dirty="0" smtClean="0">
-                <a:solidFill>
-                  <a:schemeClr val="tx1"/>
-                </a:solidFill>
-                <a:effectLst/>
-                <a:latin typeface="+mn-lt"/>
-                <a:ea typeface="+mn-ea"/>
-                <a:cs typeface="+mn-cs"/>
-              </a:rPr>
-              <a:t>The best way to do that is to return the key in response to a successful login, as you can see here. The browser or app collects the actual user password from the user and submits it as a POST over SSL. If the login is successful, the server returns a response that includes the key. The client then saves the key in memory or local storage of some kind. Now that the client has the key, subsequent requests can be made without SSL.</a:t>
-            </a:r>
+              <a:t>More complicated</a:t>
+            </a:r>
+            <a:r>
+              <a:rPr lang="en-US" sz="1200" kern="1200" baseline="0" dirty="0" smtClean="0">
+                <a:solidFill>
+                  <a:schemeClr val="tx1"/>
+                </a:solidFill>
+                <a:effectLst/>
+                <a:latin typeface="+mn-lt"/>
+                <a:ea typeface="+mn-ea"/>
+                <a:cs typeface="+mn-cs"/>
+              </a:rPr>
+              <a:t> for a JS or mobile app.</a:t>
+            </a:r>
+          </a:p>
+          <a:p>
+            <a:endParaRPr lang="en-US" sz="1200" kern="1200" baseline="0" dirty="0" smtClean="0">
+              <a:solidFill>
+                <a:schemeClr val="tx1"/>
+              </a:solidFill>
+              <a:effectLst/>
+              <a:latin typeface="+mn-lt"/>
+              <a:ea typeface="+mn-ea"/>
+              <a:cs typeface="+mn-cs"/>
+            </a:endParaRPr>
+          </a:p>
+          <a:p>
+            <a:r>
+              <a:rPr lang="en-US" sz="1200" kern="1200" baseline="0" dirty="0" smtClean="0">
+                <a:solidFill>
+                  <a:schemeClr val="tx1"/>
+                </a:solidFill>
+                <a:effectLst/>
+                <a:latin typeface="+mn-lt"/>
+                <a:ea typeface="+mn-ea"/>
+                <a:cs typeface="+mn-cs"/>
+              </a:rPr>
+              <a:t>No way to pre-load the key up front; users can log in from any browser at any time.</a:t>
+            </a:r>
+          </a:p>
+          <a:p>
+            <a:endParaRPr lang="en-US" sz="1200" kern="1200" dirty="0" smtClean="0">
+              <a:solidFill>
+                <a:schemeClr val="tx1"/>
+              </a:solidFill>
+              <a:effectLst/>
+              <a:latin typeface="+mn-lt"/>
+              <a:ea typeface="+mn-ea"/>
+              <a:cs typeface="+mn-cs"/>
+            </a:endParaRPr>
+          </a:p>
+          <a:p>
+            <a:r>
+              <a:rPr lang="en-US" sz="1200" b="1" kern="1200" dirty="0" smtClean="0">
+                <a:solidFill>
+                  <a:schemeClr val="tx1"/>
+                </a:solidFill>
+                <a:effectLst/>
+                <a:latin typeface="+mn-lt"/>
+                <a:ea typeface="+mn-ea"/>
+                <a:cs typeface="+mn-cs"/>
+              </a:rPr>
+              <a:t>Return </a:t>
+            </a:r>
+            <a:r>
+              <a:rPr lang="en-US" sz="1200" b="1" kern="1200" dirty="0" smtClean="0">
+                <a:solidFill>
+                  <a:schemeClr val="tx1"/>
+                </a:solidFill>
+                <a:effectLst/>
+                <a:latin typeface="+mn-lt"/>
+                <a:ea typeface="+mn-ea"/>
+                <a:cs typeface="+mn-cs"/>
+              </a:rPr>
+              <a:t>the key in response to a successful login</a:t>
+            </a:r>
+            <a:r>
+              <a:rPr lang="en-US" sz="1200" kern="1200" dirty="0" smtClean="0">
+                <a:solidFill>
+                  <a:schemeClr val="tx1"/>
+                </a:solidFill>
+                <a:effectLst/>
+                <a:latin typeface="+mn-lt"/>
+                <a:ea typeface="+mn-ea"/>
+                <a:cs typeface="+mn-cs"/>
+              </a:rPr>
+              <a:t>, as you can see here. The browser or app collects the actual user password from the user and submits it as a POST over SSL. If the login is successful, the server returns a response that includes the key. The client then saves the key in memory or local storage of some kind. Now that the client has the key, subsequent requests can be made without SSL</a:t>
+            </a:r>
+            <a:r>
+              <a:rPr lang="en-US" sz="1200" kern="1200" dirty="0" smtClean="0">
+                <a:solidFill>
+                  <a:schemeClr val="tx1"/>
+                </a:solidFill>
+                <a:effectLst/>
+                <a:latin typeface="+mn-lt"/>
+                <a:ea typeface="+mn-ea"/>
+                <a:cs typeface="+mn-cs"/>
+              </a:rPr>
+              <a:t>.</a:t>
+            </a:r>
+          </a:p>
+          <a:p>
+            <a:endParaRPr lang="en-US" sz="1200" kern="1200" dirty="0" smtClean="0">
+              <a:solidFill>
+                <a:schemeClr val="tx1"/>
+              </a:solidFill>
+              <a:effectLst/>
+              <a:latin typeface="+mn-lt"/>
+              <a:ea typeface="+mn-ea"/>
+              <a:cs typeface="+mn-cs"/>
+            </a:endParaRPr>
           </a:p>
           <a:p>
             <a:r>
@@ -7690,7 +8169,140 @@
                 <a:ea typeface="+mn-ea"/>
                 <a:cs typeface="+mn-cs"/>
               </a:rPr>
-              <a:t>Because private keys are so important, you need to take care when exposing them to the user. The moment you store the key in a phone’s memory or in the </a:t>
+              <a:t>Since private </a:t>
+            </a:r>
+            <a:r>
+              <a:rPr lang="en-US" sz="1200" kern="1200" dirty="0" smtClean="0">
+                <a:solidFill>
+                  <a:schemeClr val="tx1"/>
+                </a:solidFill>
+                <a:effectLst/>
+                <a:latin typeface="+mn-lt"/>
+                <a:ea typeface="+mn-ea"/>
+                <a:cs typeface="+mn-cs"/>
+              </a:rPr>
+              <a:t>keys are </a:t>
+            </a:r>
+            <a:r>
+              <a:rPr lang="en-US" sz="1200" kern="1200" dirty="0" smtClean="0">
+                <a:solidFill>
+                  <a:schemeClr val="tx1"/>
+                </a:solidFill>
+                <a:effectLst/>
+                <a:latin typeface="+mn-lt"/>
+                <a:ea typeface="+mn-ea"/>
+                <a:cs typeface="+mn-cs"/>
+              </a:rPr>
+              <a:t>important</a:t>
+            </a:r>
+            <a:r>
+              <a:rPr lang="en-US" sz="1200" kern="1200" dirty="0" smtClean="0">
+                <a:solidFill>
+                  <a:schemeClr val="tx1"/>
+                </a:solidFill>
+                <a:effectLst/>
+                <a:latin typeface="+mn-lt"/>
+                <a:ea typeface="+mn-ea"/>
+                <a:cs typeface="+mn-cs"/>
+              </a:rPr>
+              <a:t>, you need to take care when exposing them </a:t>
+            </a:r>
+            <a:r>
+              <a:rPr lang="en-US" sz="1200" kern="1200" dirty="0" smtClean="0">
+                <a:solidFill>
+                  <a:schemeClr val="tx1"/>
+                </a:solidFill>
+                <a:effectLst/>
+                <a:latin typeface="+mn-lt"/>
+                <a:ea typeface="+mn-ea"/>
+                <a:cs typeface="+mn-cs"/>
+              </a:rPr>
+              <a:t>to theft or misuse. </a:t>
+            </a:r>
+          </a:p>
+          <a:p>
+            <a:endParaRPr lang="en-US" sz="1200" kern="1200" dirty="0" smtClean="0">
+              <a:solidFill>
+                <a:schemeClr val="tx1"/>
+              </a:solidFill>
+              <a:effectLst/>
+              <a:latin typeface="+mn-lt"/>
+              <a:ea typeface="+mn-ea"/>
+              <a:cs typeface="+mn-cs"/>
+            </a:endParaRPr>
+          </a:p>
+          <a:p>
+            <a:r>
+              <a:rPr lang="en-US" sz="1200" kern="1200" dirty="0" smtClean="0">
+                <a:solidFill>
+                  <a:schemeClr val="tx1"/>
+                </a:solidFill>
+                <a:effectLst/>
+                <a:latin typeface="+mn-lt"/>
+                <a:ea typeface="+mn-ea"/>
+                <a:cs typeface="+mn-cs"/>
+              </a:rPr>
+              <a:t>The </a:t>
+            </a:r>
+            <a:r>
+              <a:rPr lang="en-US" sz="1200" kern="1200" dirty="0" smtClean="0">
+                <a:solidFill>
+                  <a:schemeClr val="tx1"/>
+                </a:solidFill>
+                <a:effectLst/>
+                <a:latin typeface="+mn-lt"/>
+                <a:ea typeface="+mn-ea"/>
+                <a:cs typeface="+mn-cs"/>
+              </a:rPr>
+              <a:t>moment you store </a:t>
+            </a:r>
+            <a:r>
+              <a:rPr lang="en-US" sz="1200" kern="1200" dirty="0" smtClean="0">
+                <a:solidFill>
+                  <a:schemeClr val="tx1"/>
+                </a:solidFill>
+                <a:effectLst/>
+                <a:latin typeface="+mn-lt"/>
+                <a:ea typeface="+mn-ea"/>
+                <a:cs typeface="+mn-cs"/>
+              </a:rPr>
+              <a:t>key </a:t>
+            </a:r>
+            <a:r>
+              <a:rPr lang="en-US" sz="1200" kern="1200" dirty="0" smtClean="0">
+                <a:solidFill>
+                  <a:schemeClr val="tx1"/>
+                </a:solidFill>
+                <a:effectLst/>
+                <a:latin typeface="+mn-lt"/>
+                <a:ea typeface="+mn-ea"/>
+                <a:cs typeface="+mn-cs"/>
+              </a:rPr>
+              <a:t>in </a:t>
+            </a:r>
+            <a:r>
+              <a:rPr lang="en-US" sz="1200" kern="1200" dirty="0" smtClean="0">
+                <a:solidFill>
+                  <a:schemeClr val="tx1"/>
+                </a:solidFill>
+                <a:effectLst/>
+                <a:latin typeface="+mn-lt"/>
+                <a:ea typeface="+mn-ea"/>
+                <a:cs typeface="+mn-cs"/>
+              </a:rPr>
+              <a:t>phone’s </a:t>
+            </a:r>
+            <a:r>
+              <a:rPr lang="en-US" sz="1200" kern="1200" dirty="0" smtClean="0">
+                <a:solidFill>
+                  <a:schemeClr val="tx1"/>
+                </a:solidFill>
+                <a:effectLst/>
+                <a:latin typeface="+mn-lt"/>
+                <a:ea typeface="+mn-ea"/>
+                <a:cs typeface="+mn-cs"/>
+              </a:rPr>
+              <a:t>memory or in the </a:t>
             </a:r>
             <a:r>
               <a:rPr lang="en-US" sz="1200" kern="1200" dirty="0" err="1" smtClean="0">
@@ -7714,8 +8326,79 @@
                 <a:ea typeface="+mn-ea"/>
                 <a:cs typeface="+mn-cs"/>
               </a:rPr>
-              <a:t> of some browser you’re creating the possibility that it might get leaked or stolen.</a:t>
-            </a:r>
+              <a:t> of some </a:t>
+            </a:r>
+            <a:r>
+              <a:rPr lang="en-US" sz="1200" kern="1200" dirty="0" smtClean="0">
+                <a:solidFill>
+                  <a:schemeClr val="tx1"/>
+                </a:solidFill>
+                <a:effectLst/>
+                <a:latin typeface="+mn-lt"/>
+                <a:ea typeface="+mn-ea"/>
+                <a:cs typeface="+mn-cs"/>
+              </a:rPr>
+              <a:t>browser you </a:t>
+            </a:r>
+            <a:r>
+              <a:rPr lang="en-US" sz="1200" b="1" kern="1200" dirty="0" smtClean="0">
+                <a:solidFill>
+                  <a:schemeClr val="tx1"/>
+                </a:solidFill>
+                <a:effectLst/>
+                <a:latin typeface="+mn-lt"/>
+                <a:ea typeface="+mn-ea"/>
+                <a:cs typeface="+mn-cs"/>
+              </a:rPr>
+              <a:t>creating </a:t>
+            </a:r>
+            <a:r>
+              <a:rPr lang="en-US" sz="1200" b="1" kern="1200" dirty="0" smtClean="0">
+                <a:solidFill>
+                  <a:schemeClr val="tx1"/>
+                </a:solidFill>
+                <a:effectLst/>
+                <a:latin typeface="+mn-lt"/>
+                <a:ea typeface="+mn-ea"/>
+                <a:cs typeface="+mn-cs"/>
+              </a:rPr>
+              <a:t>the possibility</a:t>
+            </a:r>
+            <a:r>
+              <a:rPr lang="en-US" sz="1200" kern="1200" dirty="0" smtClean="0">
+                <a:solidFill>
+                  <a:schemeClr val="tx1"/>
+                </a:solidFill>
+                <a:effectLst/>
+                <a:latin typeface="+mn-lt"/>
+                <a:ea typeface="+mn-ea"/>
+                <a:cs typeface="+mn-cs"/>
+              </a:rPr>
+              <a:t> that it might get leaked or stolen</a:t>
+            </a:r>
+            <a:r>
+              <a:rPr lang="en-US" sz="1200" kern="1200" dirty="0" smtClean="0">
+                <a:solidFill>
+                  <a:schemeClr val="tx1"/>
+                </a:solidFill>
+                <a:effectLst/>
+                <a:latin typeface="+mn-lt"/>
+                <a:ea typeface="+mn-ea"/>
+                <a:cs typeface="+mn-cs"/>
+              </a:rPr>
+              <a:t>.</a:t>
+            </a:r>
+          </a:p>
+          <a:p>
+            <a:endParaRPr lang="en-US" sz="1200" kern="1200" dirty="0" smtClean="0">
+              <a:solidFill>
+                <a:schemeClr val="tx1"/>
+              </a:solidFill>
+              <a:effectLst/>
+              <a:latin typeface="+mn-lt"/>
+              <a:ea typeface="+mn-ea"/>
+              <a:cs typeface="+mn-cs"/>
+            </a:endParaRPr>
           </a:p>
           <a:p>
             <a:r>
@@ -7752,129 +8435,93 @@
                 <a:ea typeface="+mn-ea"/>
                 <a:cs typeface="+mn-cs"/>
               </a:rPr>
-              <a:t>keys for mobile app and JS clients that expire after a set period of time. This limits the window of opportunity for any attack made with compromised keys.</a:t>
-            </a:r>
-          </a:p>
-          <a:p>
-            <a:r>
-              <a:rPr lang="en-US" sz="1200" kern="1200" dirty="0" smtClean="0">
-                <a:solidFill>
-                  <a:schemeClr val="tx1"/>
-                </a:solidFill>
-                <a:effectLst/>
-                <a:latin typeface="+mn-lt"/>
-                <a:ea typeface="+mn-ea"/>
-                <a:cs typeface="+mn-cs"/>
-              </a:rPr>
-              <a:t>Here’s how it might work:</a:t>
-            </a:r>
-          </a:p>
-          <a:p>
-            <a:pPr lvl="0"/>
-            <a:r>
-              <a:rPr lang="en-US" sz="1200" kern="1200" dirty="0" smtClean="0">
-                <a:solidFill>
-                  <a:schemeClr val="tx1"/>
-                </a:solidFill>
-                <a:effectLst/>
-                <a:latin typeface="+mn-lt"/>
-                <a:ea typeface="+mn-ea"/>
-                <a:cs typeface="+mn-cs"/>
-              </a:rPr>
-              <a:t>Client displays a login page to the user, then makes a POST to the login API, passing the password</a:t>
-            </a:r>
-          </a:p>
-          <a:p>
-            <a:pPr lvl="0"/>
-            <a:r>
-              <a:rPr lang="en-US" sz="1200" kern="1200" dirty="0" smtClean="0">
-                <a:solidFill>
-                  <a:schemeClr val="tx1"/>
-                </a:solidFill>
-                <a:effectLst/>
-                <a:latin typeface="+mn-lt"/>
-                <a:ea typeface="+mn-ea"/>
-                <a:cs typeface="+mn-cs"/>
-              </a:rPr>
-              <a:t>Server salts and hashes the password and authenticates against the database.</a:t>
-            </a:r>
-          </a:p>
-          <a:p>
-            <a:pPr lvl="0"/>
-            <a:r>
-              <a:rPr lang="en-US" sz="1200" kern="1200" dirty="0" smtClean="0">
-                <a:solidFill>
-                  <a:schemeClr val="tx1"/>
-                </a:solidFill>
-                <a:effectLst/>
-                <a:latin typeface="+mn-lt"/>
-                <a:ea typeface="+mn-ea"/>
-                <a:cs typeface="+mn-cs"/>
-              </a:rPr>
-              <a:t>Server creates a new API key for the user and returns it to the client, along with an expiration date.</a:t>
-            </a:r>
-          </a:p>
-          <a:p>
-            <a:pPr lvl="0"/>
-            <a:r>
-              <a:rPr lang="en-US" sz="1200" kern="1200" dirty="0" smtClean="0">
-                <a:solidFill>
-                  <a:schemeClr val="tx1"/>
-                </a:solidFill>
-                <a:effectLst/>
-                <a:latin typeface="+mn-lt"/>
-                <a:ea typeface="+mn-ea"/>
-                <a:cs typeface="+mn-cs"/>
-              </a:rPr>
-              <a:t>Client uses the API key to securely sign requests.</a:t>
-            </a:r>
-          </a:p>
-          <a:p>
-            <a:pPr lvl="0"/>
-            <a:r>
-              <a:rPr lang="en-US" sz="1200" kern="1200" dirty="0" smtClean="0">
-                <a:solidFill>
-                  <a:schemeClr val="tx1"/>
-                </a:solidFill>
-                <a:effectLst/>
-                <a:latin typeface="+mn-lt"/>
-                <a:ea typeface="+mn-ea"/>
-                <a:cs typeface="+mn-cs"/>
-              </a:rPr>
-              <a:t>Client also keeps track of the expiration date. </a:t>
-            </a:r>
-          </a:p>
-          <a:p>
-            <a:pPr lvl="0"/>
-            <a:r>
-              <a:rPr lang="en-US" sz="1200" kern="1200" dirty="0" smtClean="0">
-                <a:solidFill>
-                  <a:schemeClr val="tx1"/>
-                </a:solidFill>
-                <a:effectLst/>
-                <a:latin typeface="+mn-lt"/>
-                <a:ea typeface="+mn-ea"/>
-                <a:cs typeface="+mn-cs"/>
-              </a:rPr>
-              <a:t>Before the key expires, client makes a request to a “refresh” API, passing the current API key. Server responds with a new API key and new expiration window.</a:t>
-            </a:r>
-          </a:p>
-          <a:p>
-            <a:pPr lvl="0"/>
-            <a:r>
-              <a:rPr lang="en-US" sz="1200" kern="1200" dirty="0" smtClean="0">
-                <a:solidFill>
-                  <a:schemeClr val="tx1"/>
-                </a:solidFill>
-                <a:effectLst/>
-                <a:latin typeface="+mn-lt"/>
-                <a:ea typeface="+mn-ea"/>
-                <a:cs typeface="+mn-cs"/>
-              </a:rPr>
-              <a:t>Server rejects any request that is properly signed, but with an expired key.</a:t>
-            </a:r>
-          </a:p>
-          <a:p>
+              <a:t>keys for mobile app and JS clients that expire after a set period of time. This limits the window of opportunity for any attack made with compromised keys</a:t>
+            </a:r>
+            <a:r>
+              <a:rPr lang="en-US" sz="1200" kern="1200" dirty="0" smtClean="0">
+                <a:solidFill>
+                  <a:schemeClr val="tx1"/>
+                </a:solidFill>
+                <a:effectLst/>
+                <a:latin typeface="+mn-lt"/>
+                <a:ea typeface="+mn-ea"/>
+                <a:cs typeface="+mn-cs"/>
+              </a:rPr>
+              <a:t>.</a:t>
+            </a:r>
+          </a:p>
+          <a:p>
+            <a:endParaRPr lang="en-US" sz="1200" kern="1200" dirty="0" smtClean="0">
+              <a:solidFill>
+                <a:schemeClr val="tx1"/>
+              </a:solidFill>
+              <a:effectLst/>
+              <a:latin typeface="+mn-lt"/>
+              <a:ea typeface="+mn-ea"/>
+              <a:cs typeface="+mn-cs"/>
+            </a:endParaRPr>
+          </a:p>
+          <a:p>
+            <a:r>
+              <a:rPr lang="en-US" sz="1200" kern="1200" dirty="0" smtClean="0">
+                <a:solidFill>
+                  <a:schemeClr val="tx1"/>
+                </a:solidFill>
+                <a:effectLst/>
+                <a:latin typeface="+mn-lt"/>
+                <a:ea typeface="+mn-ea"/>
+                <a:cs typeface="+mn-cs"/>
+              </a:rPr>
+              <a:t>You also want to make sure to </a:t>
+            </a:r>
+            <a:r>
+              <a:rPr lang="en-US" sz="1200" b="1" kern="1200" dirty="0" smtClean="0">
+                <a:solidFill>
+                  <a:schemeClr val="tx1"/>
+                </a:solidFill>
+                <a:effectLst/>
+                <a:latin typeface="+mn-lt"/>
+                <a:ea typeface="+mn-ea"/>
+                <a:cs typeface="+mn-cs"/>
+              </a:rPr>
+              <a:t>deactivate keys</a:t>
+            </a:r>
+            <a:r>
+              <a:rPr lang="en-US" sz="1200" kern="1200" dirty="0" smtClean="0">
+                <a:solidFill>
+                  <a:schemeClr val="tx1"/>
+                </a:solidFill>
+                <a:effectLst/>
+                <a:latin typeface="+mn-lt"/>
+                <a:ea typeface="+mn-ea"/>
+                <a:cs typeface="+mn-cs"/>
+              </a:rPr>
+              <a:t> when the user logs out. This was one of the things I got wrong initially;</a:t>
+            </a:r>
+            <a:r>
+              <a:rPr lang="en-US" sz="1200" kern="1200" baseline="0" dirty="0" smtClean="0">
+                <a:solidFill>
+                  <a:schemeClr val="tx1"/>
+                </a:solidFill>
+                <a:effectLst/>
+                <a:latin typeface="+mn-lt"/>
+                <a:ea typeface="+mn-ea"/>
+                <a:cs typeface="+mn-cs"/>
+              </a:rPr>
+              <a:t> we used a persistent, long-lived key that was still usable after the user’s session expired. If you create a temporary key when the user logs in, make damn sure it stops </a:t>
+            </a:r>
+            <a:r>
+              <a:rPr lang="en-US" sz="1200" kern="1200" baseline="0" smtClean="0">
+                <a:solidFill>
+                  <a:schemeClr val="tx1"/>
+                </a:solidFill>
+                <a:effectLst/>
+                <a:latin typeface="+mn-lt"/>
+                <a:ea typeface="+mn-ea"/>
+                <a:cs typeface="+mn-cs"/>
+              </a:rPr>
+              <a:t>working when they log out.</a:t>
+            </a:r>
             <a:endParaRPr lang="en-US" dirty="0"/>
           </a:p>
         </p:txBody>
@@ -8629,29 +9276,8 @@
                 <a:ea typeface="+mn-ea"/>
                 <a:cs typeface="+mn-cs"/>
               </a:rPr>
-              <a:t>Also doable on mobile or JS, but </a:t>
-            </a:r>
-            <a:r>
-              <a:rPr lang="en-US" sz="1200" kern="1200" dirty="0" smtClean="0">
-                <a:solidFill>
-                  <a:schemeClr val="tx1"/>
-                </a:solidFill>
-                <a:effectLst/>
-                <a:latin typeface="+mn-lt"/>
-                <a:ea typeface="+mn-ea"/>
-                <a:cs typeface="+mn-cs"/>
-              </a:rPr>
-              <a:t>at some point you’ll end up storing the private key on the client. </a:t>
-            </a:r>
-            <a:endParaRPr lang="en-US" sz="1200" kern="1200" dirty="0" smtClean="0">
-              <a:solidFill>
-                <a:schemeClr val="tx1"/>
-              </a:solidFill>
-              <a:effectLst/>
-              <a:latin typeface="+mn-lt"/>
-              <a:ea typeface="+mn-ea"/>
-              <a:cs typeface="+mn-cs"/>
-            </a:endParaRPr>
+              <a:t>Also doable on mobile or JS, but at some point you’ll end up storing the private key on the client. </a:t>
+            </a:r>
           </a:p>
           <a:p>
             <a:pPr marL="171450" lvl="0" indent="-171450">
@@ -8668,19 +9294,7 @@
                 <a:ea typeface="+mn-ea"/>
                 <a:cs typeface="+mn-cs"/>
               </a:rPr>
-              <a:t>Consider </a:t>
-            </a:r>
-            <a:r>
-              <a:rPr lang="en-US" sz="1200" kern="1200" dirty="0" smtClean="0">
-                <a:solidFill>
-                  <a:schemeClr val="tx1"/>
-                </a:solidFill>
-                <a:effectLst/>
-                <a:latin typeface="+mn-lt"/>
-                <a:ea typeface="+mn-ea"/>
-                <a:cs typeface="+mn-cs"/>
-              </a:rPr>
-              <a:t>assigning a temporary API Key upon login or just use SSL and avoid the complexity of signing requests</a:t>
+              <a:t>Consider assigning a temporary API Key upon login or just use SSL and avoid the complexity of signing requests</a:t>
             </a:r>
           </a:p>
           <a:p>
@@ -10235,15 +10849,7 @@
           <a:p>
             <a:r>
               <a:rPr lang="en-US" dirty="0" smtClean="0"/>
-              <a:t>User </a:t>
-            </a:r>
-            <a:r>
-              <a:rPr lang="en-US" dirty="0" smtClean="0"/>
-              <a:t>authorizes the </a:t>
-            </a:r>
-            <a:r>
-              <a:rPr lang="en-US" dirty="0" smtClean="0"/>
-              <a:t>access </a:t>
+              <a:t>User authorizes the access </a:t>
             </a:r>
             <a:r>
               <a:rPr lang="en-US" dirty="0" smtClean="0">
@@ -10253,32 +10859,16 @@
             </a:r>
             <a:r>
               <a:rPr lang="en-US" baseline="0" dirty="0" smtClean="0"/>
-              <a:t>back </a:t>
-            </a:r>
+              <a:t>back to the client with an “authorization grant”. </a:t>
+            </a:r>
+          </a:p>
+          <a:p>
+            <a:endParaRPr lang="en-US" baseline="0" dirty="0" smtClean="0"/>
+          </a:p>
+          <a:p>
             <a:r>
               <a:rPr lang="en-US" baseline="0" dirty="0" smtClean="0"/>
-              <a:t>to the client with an “authorization grant”. </a:t>
-            </a:r>
-          </a:p>
-          <a:p>
-            <a:endParaRPr lang="en-US" baseline="0" dirty="0" smtClean="0"/>
-          </a:p>
-          <a:p>
-            <a:r>
-              <a:rPr lang="en-US" baseline="0" dirty="0" smtClean="0"/>
-              <a:t>Client makes </a:t>
-            </a:r>
-            <a:r>
-              <a:rPr lang="en-US" baseline="0" dirty="0" smtClean="0"/>
-              <a:t>another call to </a:t>
-            </a:r>
-            <a:r>
-              <a:rPr lang="en-US" baseline="0" dirty="0" smtClean="0"/>
-              <a:t>service </a:t>
-            </a:r>
-            <a:r>
-              <a:rPr lang="en-US" baseline="0" dirty="0" smtClean="0"/>
-              <a:t>and trades </a:t>
+              <a:t>Client makes another call to service and trades </a:t>
             </a:r>
             <a:r>
               <a:rPr lang="en-US" baseline="0" dirty="0" err="1" smtClean="0"/>
@@ -10286,17 +10876,8 @@
             </a:r>
             <a:r>
               <a:rPr lang="en-US" baseline="0" dirty="0" smtClean="0"/>
-              <a:t> grant </a:t>
-            </a:r>
-            <a:r>
-              <a:rPr lang="en-US" baseline="0" dirty="0" smtClean="0"/>
-              <a:t>for an access </a:t>
-            </a:r>
-            <a:r>
-              <a:rPr lang="en-US" baseline="0" dirty="0" smtClean="0"/>
-              <a:t>token</a:t>
-            </a:r>
-            <a:endParaRPr lang="en-US" baseline="0" dirty="0" smtClean="0"/>
+              <a:t> grant for an access token</a:t>
+            </a:r>
           </a:p>
           <a:p>
             <a:endParaRPr lang="en-US" baseline="0" dirty="0" smtClean="0"/>
@@ -10321,15 +10902,7 @@
             </a:r>
             <a:r>
               <a:rPr lang="en-US" baseline="0" dirty="0" smtClean="0"/>
-              <a:t>of </a:t>
-            </a:r>
-            <a:r>
-              <a:rPr lang="en-US" baseline="0" dirty="0" smtClean="0"/>
-              <a:t>OAuth and they solve this problem in very different </a:t>
-            </a:r>
-            <a:r>
-              <a:rPr lang="en-US" baseline="0" dirty="0" smtClean="0"/>
-              <a:t>ways</a:t>
+              <a:t>of OAuth and they solve this problem in very different ways</a:t>
             </a:r>
           </a:p>
           <a:p>
@@ -10339,21 +10912,12 @@
             </a:r>
             <a:r>
               <a:rPr lang="en-US" b="1" baseline="0" dirty="0" smtClean="0"/>
-              <a:t>Not </a:t>
-            </a:r>
-            <a:r>
-              <a:rPr lang="en-US" b="1" baseline="0" dirty="0" smtClean="0"/>
-              <a:t>universally accepted</a:t>
+              <a:t>Not universally accepted</a:t>
             </a:r>
             <a:r>
               <a:rPr lang="en-US" baseline="0" dirty="0" smtClean="0"/>
-              <a:t> that the newer version is </a:t>
-            </a:r>
-            <a:r>
-              <a:rPr lang="en-US" baseline="0" dirty="0" smtClean="0"/>
-              <a:t>best</a:t>
-            </a:r>
-            <a:endParaRPr lang="en-US" baseline="0" dirty="0" smtClean="0"/>
+              <a:t> that the newer version is best</a:t>
+            </a:r>
           </a:p>
           <a:p>
             <a:endParaRPr lang="en-US" baseline="0" dirty="0" smtClean="0"/>
@@ -10442,11 +11006,7 @@
           <a:p>
             <a:r>
               <a:rPr lang="en-US" baseline="0" dirty="0" smtClean="0"/>
-              <a:t>Published April 2010, 1,0a came out shortly after. When </a:t>
-            </a:r>
-            <a:r>
-              <a:rPr lang="en-US" baseline="0" dirty="0" smtClean="0"/>
-              <a:t>I say “OAuth 1.0” I really mean “1.0a”.</a:t>
+              <a:t>Published April 2010, 1,0a came out shortly after. When I say “OAuth 1.0” I really mean “1.0a”.</a:t>
             </a:r>
           </a:p>
           <a:p>
@@ -10471,31 +11031,7 @@
                 <a:ea typeface="+mn-ea"/>
                 <a:cs typeface="+mn-cs"/>
               </a:rPr>
-              <a:t>In technical terms, </a:t>
-            </a:r>
-            <a:r>
-              <a:rPr lang="en-US" sz="1200" kern="1200" dirty="0" smtClean="0">
-                <a:solidFill>
-                  <a:schemeClr val="tx1"/>
-                </a:solidFill>
-                <a:effectLst/>
-                <a:latin typeface="+mn-lt"/>
-                <a:ea typeface="+mn-ea"/>
-                <a:cs typeface="+mn-cs"/>
-              </a:rPr>
-              <a:t>implemented </a:t>
-            </a:r>
-            <a:r>
-              <a:rPr lang="en-US" sz="1200" kern="1200" dirty="0" smtClean="0">
-                <a:solidFill>
-                  <a:schemeClr val="tx1"/>
-                </a:solidFill>
-                <a:effectLst/>
-                <a:latin typeface="+mn-lt"/>
-                <a:ea typeface="+mn-ea"/>
-                <a:cs typeface="+mn-cs"/>
-              </a:rPr>
-              <a:t>using </a:t>
+              <a:t>In technical terms, implemented using </a:t>
             </a:r>
             <a:r>
               <a:rPr lang="en-US" sz="1200" b="1" kern="1200" dirty="0" smtClean="0">
@@ -10600,7 +11136,19 @@
                 <a:ea typeface="+mn-ea"/>
                 <a:cs typeface="+mn-cs"/>
               </a:rPr>
-              <a:t> best </a:t>
+              <a:t> best w/ </a:t>
+            </a:r>
+            <a:r>
+              <a:rPr lang="en-US" sz="1200" b="1" kern="1200" baseline="0" dirty="0" smtClean="0">
+                <a:solidFill>
+                  <a:schemeClr val="tx1"/>
+                </a:solidFill>
+                <a:effectLst/>
+                <a:latin typeface="+mn-lt"/>
+                <a:ea typeface="+mn-ea"/>
+                <a:cs typeface="+mn-cs"/>
+              </a:rPr>
+              <a:t>web-based clients</a:t>
             </a:r>
             <a:r>
               <a:rPr lang="en-US" sz="1200" kern="1200" baseline="0" dirty="0" smtClean="0">
@@ -10612,67 +11160,7 @@
                 <a:ea typeface="+mn-ea"/>
                 <a:cs typeface="+mn-cs"/>
               </a:rPr>
-              <a:t>w/ </a:t>
-            </a:r>
-            <a:r>
-              <a:rPr lang="en-US" sz="1200" b="1" kern="1200" baseline="0" dirty="0" smtClean="0">
-                <a:solidFill>
-                  <a:schemeClr val="tx1"/>
-                </a:solidFill>
-                <a:effectLst/>
-                <a:latin typeface="+mn-lt"/>
-                <a:ea typeface="+mn-ea"/>
-                <a:cs typeface="+mn-cs"/>
-              </a:rPr>
-              <a:t>web-based </a:t>
-            </a:r>
-            <a:r>
-              <a:rPr lang="en-US" sz="1200" b="1" kern="1200" baseline="0" dirty="0" smtClean="0">
-                <a:solidFill>
-                  <a:schemeClr val="tx1"/>
-                </a:solidFill>
-                <a:effectLst/>
-                <a:latin typeface="+mn-lt"/>
-                <a:ea typeface="+mn-ea"/>
-                <a:cs typeface="+mn-cs"/>
-              </a:rPr>
-              <a:t>clients</a:t>
-            </a:r>
-            <a:r>
-              <a:rPr lang="en-US" sz="1200" kern="1200" baseline="0" dirty="0" smtClean="0">
-                <a:solidFill>
-                  <a:schemeClr val="tx1"/>
-                </a:solidFill>
-                <a:effectLst/>
-                <a:latin typeface="+mn-lt"/>
-                <a:ea typeface="+mn-ea"/>
-                <a:cs typeface="+mn-cs"/>
-              </a:rPr>
-              <a:t> </a:t>
-            </a:r>
-            <a:r>
-              <a:rPr lang="en-US" sz="1200" kern="1200" baseline="0" dirty="0" smtClean="0">
-                <a:solidFill>
-                  <a:schemeClr val="tx1"/>
-                </a:solidFill>
-                <a:effectLst/>
-                <a:latin typeface="+mn-lt"/>
-                <a:ea typeface="+mn-ea"/>
-                <a:cs typeface="+mn-cs"/>
-              </a:rPr>
-              <a:t>b/c user </a:t>
-            </a:r>
-            <a:r>
-              <a:rPr lang="en-US" sz="1200" kern="1200" baseline="0" dirty="0" smtClean="0">
-                <a:solidFill>
-                  <a:schemeClr val="tx1"/>
-                </a:solidFill>
-                <a:effectLst/>
-                <a:latin typeface="+mn-lt"/>
-                <a:ea typeface="+mn-ea"/>
-                <a:cs typeface="+mn-cs"/>
-              </a:rPr>
-              <a:t>must be sent to a website to do the </a:t>
+              <a:t> b/c user must be sent to a website to do the </a:t>
             </a:r>
             <a:r>
               <a:rPr lang="en-US" sz="1200" kern="1200" baseline="0" dirty="0" err="1" smtClean="0">
@@ -10906,7 +11394,31 @@
                 <a:ea typeface="+mn-ea"/>
                 <a:cs typeface="+mn-cs"/>
               </a:rPr>
-              <a:t>My team develops a fairly standard web app with session state and server rendered HTML. We eventually want to build a mobile app…</a:t>
+              <a:t>My team develops a </a:t>
+            </a:r>
+            <a:r>
+              <a:rPr lang="en-US" sz="1200" b="1" kern="1200" dirty="0" smtClean="0">
+                <a:solidFill>
+                  <a:schemeClr val="tx1"/>
+                </a:solidFill>
+                <a:effectLst/>
+                <a:latin typeface="+mn-lt"/>
+                <a:ea typeface="+mn-ea"/>
+                <a:cs typeface="+mn-cs"/>
+              </a:rPr>
+              <a:t>fairly standard web app</a:t>
+            </a:r>
+            <a:r>
+              <a:rPr lang="en-US" sz="1200" kern="1200" dirty="0" smtClean="0">
+                <a:solidFill>
+                  <a:schemeClr val="tx1"/>
+                </a:solidFill>
+                <a:effectLst/>
+                <a:latin typeface="+mn-lt"/>
+                <a:ea typeface="+mn-ea"/>
+                <a:cs typeface="+mn-cs"/>
+              </a:rPr>
+              <a:t> with session state and server rendered HTML. We eventually want to build a mobile app…</a:t>
             </a:r>
           </a:p>
           <a:p>
@@ -10931,10 +11443,32 @@
                 <a:ea typeface="+mn-ea"/>
                 <a:cs typeface="+mn-cs"/>
               </a:rPr>
-              <a:t>RESTful APIs are normally stateless, so we couldn’t rely on the server automatically knowing which user was making a given request. We had to introduce some sort of API authentication scheme to do that.</a:t>
-            </a:r>
-          </a:p>
-          <a:p>
+              <a:t>RESTful APIs are normally </a:t>
+            </a:r>
+            <a:r>
+              <a:rPr lang="en-US" sz="1200" b="1" kern="1200" dirty="0" smtClean="0">
+                <a:solidFill>
+                  <a:schemeClr val="tx1"/>
+                </a:solidFill>
+                <a:effectLst/>
+                <a:latin typeface="+mn-lt"/>
+                <a:ea typeface="+mn-ea"/>
+                <a:cs typeface="+mn-cs"/>
+              </a:rPr>
+              <a:t>stateless</a:t>
+            </a:r>
+            <a:r>
+              <a:rPr lang="en-US" sz="1200" kern="1200" dirty="0" smtClean="0">
+                <a:solidFill>
+                  <a:schemeClr val="tx1"/>
+                </a:solidFill>
+                <a:effectLst/>
+                <a:latin typeface="+mn-lt"/>
+                <a:ea typeface="+mn-ea"/>
+                <a:cs typeface="+mn-cs"/>
+              </a:rPr>
+              <a:t>…. Need authentication.</a:t>
+            </a:r>
             <a:endParaRPr lang="en-US" sz="1200" kern="1200" dirty="0" smtClean="0">
               <a:solidFill>
                 <a:schemeClr val="tx1"/>
@@ -10946,68 +11480,6 @@
             </a:endParaRPr>
           </a:p>
           <a:p>
-            <a:r>
-              <a:rPr lang="en-US" sz="1200" kern="1200" dirty="0" smtClean="0">
-                <a:solidFill>
-                  <a:schemeClr val="tx1"/>
-                </a:solidFill>
-                <a:effectLst/>
-                <a:latin typeface="+mn-lt"/>
-                <a:ea typeface="+mn-ea"/>
-                <a:cs typeface="+mn-cs"/>
-              </a:rPr>
-              <a:t>I did a little research and found a pretty confusing mess. There were websites talking about bearer tokens and </a:t>
-            </a:r>
-            <a:r>
-              <a:rPr lang="en-US" sz="1200" kern="1200" dirty="0" err="1" smtClean="0">
-                <a:solidFill>
-                  <a:schemeClr val="tx1"/>
-                </a:solidFill>
-                <a:effectLst/>
-                <a:latin typeface="+mn-lt"/>
-                <a:ea typeface="+mn-ea"/>
-                <a:cs typeface="+mn-cs"/>
-              </a:rPr>
-              <a:t>nonces</a:t>
-            </a:r>
-            <a:r>
-              <a:rPr lang="en-US" sz="1200" kern="1200" dirty="0" smtClean="0">
-                <a:solidFill>
-                  <a:schemeClr val="tx1"/>
-                </a:solidFill>
-                <a:effectLst/>
-                <a:latin typeface="+mn-lt"/>
-                <a:ea typeface="+mn-ea"/>
-                <a:cs typeface="+mn-cs"/>
-              </a:rPr>
-              <a:t> and “federated identity” systems. There were arguments about the correct </a:t>
-            </a:r>
-            <a:r>
-              <a:rPr lang="en-US" sz="1200" kern="1200" dirty="0" err="1" smtClean="0">
-                <a:solidFill>
-                  <a:schemeClr val="tx1"/>
-                </a:solidFill>
-                <a:effectLst/>
-                <a:latin typeface="+mn-lt"/>
-                <a:ea typeface="+mn-ea"/>
-                <a:cs typeface="+mn-cs"/>
-              </a:rPr>
-              <a:t>cryographic</a:t>
-            </a:r>
-            <a:r>
-              <a:rPr lang="en-US" sz="1200" kern="1200" dirty="0" smtClean="0">
-                <a:solidFill>
-                  <a:schemeClr val="tx1"/>
-                </a:solidFill>
-                <a:effectLst/>
-                <a:latin typeface="+mn-lt"/>
-                <a:ea typeface="+mn-ea"/>
-                <a:cs typeface="+mn-cs"/>
-              </a:rPr>
-              <a:t> hash functions to use when signing requests. There were two different versions of OAuth that work in entirely different ways. Everything seemed complex and I couldn’t find an approachable, easy to use guide to help me understand how everything fit together and how to choose a solution for my needs.</a:t>
-            </a:r>
-          </a:p>
-          <a:p>
             <a:endParaRPr lang="en-US" sz="1200" kern="1200" dirty="0" smtClean="0">
               <a:solidFill>
                 <a:schemeClr val="tx1"/>
@@ -11029,31 +11501,230 @@
                 <a:ea typeface="+mn-ea"/>
                 <a:cs typeface="+mn-cs"/>
               </a:rPr>
-              <a:t>So… I did a bad thing. I was in a hurry and I didn’t want to invest the time to really understand the options, so I decided to roll my own authentication. And, surprise </a:t>
-            </a:r>
-            <a:r>
-              <a:rPr lang="en-US" sz="1200" kern="1200" dirty="0" err="1" smtClean="0">
-                <a:solidFill>
-                  <a:schemeClr val="tx1"/>
-                </a:solidFill>
-                <a:effectLst/>
-                <a:latin typeface="+mn-lt"/>
-                <a:ea typeface="+mn-ea"/>
-                <a:cs typeface="+mn-cs"/>
-              </a:rPr>
-              <a:t>surprise</a:t>
-            </a:r>
-            <a:r>
-              <a:rPr lang="en-US" sz="1200" kern="1200" dirty="0" smtClean="0">
-                <a:solidFill>
-                  <a:schemeClr val="tx1"/>
-                </a:solidFill>
-                <a:effectLst/>
-                <a:latin typeface="+mn-lt"/>
-                <a:ea typeface="+mn-ea"/>
-                <a:cs typeface="+mn-cs"/>
-              </a:rPr>
-              <a:t>, I got it wrong and made some mistakes. We</a:t>
+              <a:t>I did a little research and found a </a:t>
+            </a:r>
+            <a:r>
+              <a:rPr lang="en-US" sz="1200" b="1" kern="1200" dirty="0" smtClean="0">
+                <a:solidFill>
+                  <a:schemeClr val="tx1"/>
+                </a:solidFill>
+                <a:effectLst/>
+                <a:latin typeface="+mn-lt"/>
+                <a:ea typeface="+mn-ea"/>
+                <a:cs typeface="+mn-cs"/>
+              </a:rPr>
+              <a:t>pretty confusing </a:t>
+            </a:r>
+            <a:r>
+              <a:rPr lang="en-US" sz="1200" b="1" kern="1200" dirty="0" smtClean="0">
+                <a:solidFill>
+                  <a:schemeClr val="tx1"/>
+                </a:solidFill>
+                <a:effectLst/>
+                <a:latin typeface="+mn-lt"/>
+                <a:ea typeface="+mn-ea"/>
+                <a:cs typeface="+mn-cs"/>
+              </a:rPr>
+              <a:t>mess:</a:t>
+            </a:r>
+          </a:p>
+          <a:p>
+            <a:pPr marL="171450" indent="-171450">
+              <a:buFont typeface="Arial" panose="020B0604020202020204" pitchFamily="34" charset="0"/>
+              <a:buChar char="•"/>
+            </a:pPr>
+            <a:r>
+              <a:rPr lang="en-US" sz="1200" b="0" kern="1200" dirty="0" smtClean="0">
+                <a:solidFill>
+                  <a:schemeClr val="tx1"/>
+                </a:solidFill>
+                <a:effectLst/>
+                <a:latin typeface="+mn-lt"/>
+                <a:ea typeface="+mn-ea"/>
+                <a:cs typeface="+mn-cs"/>
+              </a:rPr>
+              <a:t>Bearer</a:t>
+            </a:r>
+            <a:r>
+              <a:rPr lang="en-US" sz="1200" b="0" kern="1200" baseline="0" dirty="0" smtClean="0">
+                <a:solidFill>
+                  <a:schemeClr val="tx1"/>
+                </a:solidFill>
+                <a:effectLst/>
+                <a:latin typeface="+mn-lt"/>
+                <a:ea typeface="+mn-ea"/>
+                <a:cs typeface="+mn-cs"/>
+              </a:rPr>
+              <a:t> tokens, </a:t>
+            </a:r>
+            <a:r>
+              <a:rPr lang="en-US" sz="1200" b="0" kern="1200" baseline="0" dirty="0" err="1" smtClean="0">
+                <a:solidFill>
+                  <a:schemeClr val="tx1"/>
+                </a:solidFill>
+                <a:effectLst/>
+                <a:latin typeface="+mn-lt"/>
+                <a:ea typeface="+mn-ea"/>
+                <a:cs typeface="+mn-cs"/>
+              </a:rPr>
+              <a:t>nonces</a:t>
+            </a:r>
+            <a:r>
+              <a:rPr lang="en-US" sz="1200" b="0" kern="1200" baseline="0" dirty="0" smtClean="0">
+                <a:solidFill>
+                  <a:schemeClr val="tx1"/>
+                </a:solidFill>
+                <a:effectLst/>
+                <a:latin typeface="+mn-lt"/>
+                <a:ea typeface="+mn-ea"/>
+                <a:cs typeface="+mn-cs"/>
+              </a:rPr>
+              <a:t>, federated identity</a:t>
+            </a:r>
+          </a:p>
+          <a:p>
+            <a:pPr marL="171450" indent="-171450">
+              <a:buFont typeface="Arial" panose="020B0604020202020204" pitchFamily="34" charset="0"/>
+              <a:buChar char="•"/>
+            </a:pPr>
+            <a:r>
+              <a:rPr lang="en-US" sz="1200" b="0" kern="1200" baseline="0" dirty="0" smtClean="0">
+                <a:solidFill>
+                  <a:schemeClr val="tx1"/>
+                </a:solidFill>
+                <a:effectLst/>
+                <a:latin typeface="+mn-lt"/>
+                <a:ea typeface="+mn-ea"/>
+                <a:cs typeface="+mn-cs"/>
+              </a:rPr>
+              <a:t>Correct cryptographic hash function when signing requests</a:t>
+            </a:r>
+          </a:p>
+          <a:p>
+            <a:pPr marL="171450" indent="-171450">
+              <a:buFont typeface="Arial" panose="020B0604020202020204" pitchFamily="34" charset="0"/>
+              <a:buChar char="•"/>
+            </a:pPr>
+            <a:r>
+              <a:rPr lang="en-US" sz="1200" b="0" kern="1200" baseline="0" dirty="0" smtClean="0">
+                <a:solidFill>
+                  <a:schemeClr val="tx1"/>
+                </a:solidFill>
+                <a:effectLst/>
+                <a:latin typeface="+mn-lt"/>
+                <a:ea typeface="+mn-ea"/>
+                <a:cs typeface="+mn-cs"/>
+              </a:rPr>
+              <a:t>Two different versions of this thing called </a:t>
+            </a:r>
+            <a:r>
+              <a:rPr lang="en-US" sz="1200" b="0" kern="1200" baseline="0" dirty="0" err="1" smtClean="0">
+                <a:solidFill>
+                  <a:schemeClr val="tx1"/>
+                </a:solidFill>
+                <a:effectLst/>
+                <a:latin typeface="+mn-lt"/>
+                <a:ea typeface="+mn-ea"/>
+                <a:cs typeface="+mn-cs"/>
+              </a:rPr>
+              <a:t>Oauth</a:t>
+            </a:r>
+            <a:endParaRPr lang="en-US" sz="1200" b="0" kern="1200" baseline="0" dirty="0" smtClean="0">
+              <a:solidFill>
+                <a:schemeClr val="tx1"/>
+              </a:solidFill>
+              <a:effectLst/>
+              <a:latin typeface="+mn-lt"/>
+              <a:ea typeface="+mn-ea"/>
+              <a:cs typeface="+mn-cs"/>
+            </a:endParaRPr>
+          </a:p>
+          <a:p>
+            <a:pPr marL="171450" indent="-171450">
+              <a:buFont typeface="Arial" panose="020B0604020202020204" pitchFamily="34" charset="0"/>
+              <a:buChar char="•"/>
+            </a:pPr>
+            <a:r>
+              <a:rPr lang="en-US" sz="1200" b="0" kern="1200" baseline="0" dirty="0" smtClean="0">
+                <a:solidFill>
+                  <a:schemeClr val="tx1"/>
+                </a:solidFill>
+                <a:effectLst/>
+                <a:latin typeface="+mn-lt"/>
+                <a:ea typeface="+mn-ea"/>
+                <a:cs typeface="+mn-cs"/>
+              </a:rPr>
+              <a:t>There was </a:t>
+            </a:r>
+            <a:r>
+              <a:rPr lang="en-US" sz="1200" b="1" kern="1200" baseline="0" dirty="0" smtClean="0">
+                <a:solidFill>
+                  <a:schemeClr val="tx1"/>
+                </a:solidFill>
+                <a:effectLst/>
+                <a:latin typeface="+mn-lt"/>
+                <a:ea typeface="+mn-ea"/>
+                <a:cs typeface="+mn-cs"/>
+              </a:rPr>
+              <a:t>no “guide to choosing the right authentication for you</a:t>
+            </a:r>
+            <a:r>
+              <a:rPr lang="en-US" sz="1200" b="0" kern="1200" baseline="0" dirty="0" smtClean="0">
+                <a:solidFill>
+                  <a:schemeClr val="tx1"/>
+                </a:solidFill>
+                <a:effectLst/>
+                <a:latin typeface="+mn-lt"/>
+                <a:ea typeface="+mn-ea"/>
+                <a:cs typeface="+mn-cs"/>
+              </a:rPr>
+              <a:t>”</a:t>
+            </a:r>
+            <a:endParaRPr lang="en-US" sz="1200" kern="1200" dirty="0" smtClean="0">
+              <a:solidFill>
+                <a:schemeClr val="tx1"/>
+              </a:solidFill>
+              <a:effectLst/>
+              <a:latin typeface="+mn-lt"/>
+              <a:ea typeface="+mn-ea"/>
+              <a:cs typeface="+mn-cs"/>
+            </a:endParaRPr>
+          </a:p>
+          <a:p>
+            <a:endParaRPr lang="en-US" sz="1200" kern="1200" dirty="0" smtClean="0">
+              <a:solidFill>
+                <a:schemeClr val="tx1"/>
+              </a:solidFill>
+              <a:effectLst/>
+              <a:latin typeface="+mn-lt"/>
+              <a:ea typeface="+mn-ea"/>
+              <a:cs typeface="+mn-cs"/>
+            </a:endParaRPr>
+          </a:p>
+          <a:p>
+            <a:r>
+              <a:rPr lang="en-US" sz="1200" kern="1200" dirty="0" smtClean="0">
+                <a:solidFill>
+                  <a:schemeClr val="tx1"/>
+                </a:solidFill>
+                <a:effectLst/>
+                <a:latin typeface="+mn-lt"/>
+                <a:ea typeface="+mn-ea"/>
+                <a:cs typeface="+mn-cs"/>
+              </a:rPr>
+              <a:t>So… I did a bad thing. </a:t>
+            </a:r>
+            <a:r>
+              <a:rPr lang="en-US" sz="1200" kern="1200" dirty="0" smtClean="0">
+                <a:solidFill>
+                  <a:schemeClr val="tx1"/>
+                </a:solidFill>
+                <a:effectLst/>
+                <a:latin typeface="+mn-lt"/>
+                <a:ea typeface="+mn-ea"/>
+                <a:cs typeface="+mn-cs"/>
+              </a:rPr>
+              <a:t>In a hurry, rolled my own,</a:t>
             </a:r>
             <a:r>
               <a:rPr lang="en-US" sz="1200" kern="1200" baseline="0" dirty="0" smtClean="0">
@@ -11065,32 +11736,29 @@
                 <a:ea typeface="+mn-ea"/>
                 <a:cs typeface="+mn-cs"/>
               </a:rPr>
-              <a:t> basically exposed a long-lived access token, through </a:t>
-            </a:r>
-            <a:r>
-              <a:rPr lang="en-US" sz="1200" kern="1200" baseline="0" dirty="0" err="1" smtClean="0">
-                <a:solidFill>
-                  <a:schemeClr val="tx1"/>
-                </a:solidFill>
-                <a:effectLst/>
-                <a:latin typeface="+mn-lt"/>
-                <a:ea typeface="+mn-ea"/>
-                <a:cs typeface="+mn-cs"/>
-              </a:rPr>
-              <a:t>Javascript</a:t>
-            </a:r>
-            <a:r>
-              <a:rPr lang="en-US" sz="1200" kern="1200" baseline="0" dirty="0" smtClean="0">
-                <a:solidFill>
-                  <a:schemeClr val="tx1"/>
-                </a:solidFill>
-                <a:effectLst/>
-                <a:latin typeface="+mn-lt"/>
-                <a:ea typeface="+mn-ea"/>
-                <a:cs typeface="+mn-cs"/>
-              </a:rPr>
-              <a:t>, that could continue to impersonate a user long after their web session had ended. That’s the sort of thing that would have been really embarrassing if we’d been compromised, or if a client had ever bothered to do a security audit on our system.</a:t>
-            </a:r>
+              <a:t> got it wrong</a:t>
+            </a:r>
+            <a:r>
+              <a:rPr lang="en-US" sz="1200" kern="1200" dirty="0" smtClean="0">
+                <a:solidFill>
+                  <a:schemeClr val="tx1"/>
+                </a:solidFill>
+                <a:effectLst/>
+                <a:latin typeface="+mn-lt"/>
+                <a:ea typeface="+mn-ea"/>
+                <a:cs typeface="+mn-cs"/>
+              </a:rPr>
+              <a:t>.</a:t>
+            </a:r>
+            <a:endParaRPr lang="en-US" sz="1200" kern="1200" baseline="0" dirty="0" smtClean="0">
+              <a:solidFill>
+                <a:schemeClr val="tx1"/>
+              </a:solidFill>
+              <a:effectLst/>
+              <a:latin typeface="+mn-lt"/>
+              <a:ea typeface="+mn-ea"/>
+              <a:cs typeface="+mn-cs"/>
+            </a:endParaRPr>
           </a:p>
           <a:p>
             <a:endParaRPr lang="en-US" sz="1200" kern="1200" baseline="0" dirty="0" smtClean="0">
@@ -11206,31 +11874,7 @@
                 <a:ea typeface="+mn-ea"/>
                 <a:cs typeface="+mn-cs"/>
               </a:rPr>
-              <a:t>OAuth 2.0 was designed to address those </a:t>
-            </a:r>
-            <a:r>
-              <a:rPr lang="en-US" sz="1200" kern="1200" dirty="0" smtClean="0">
-                <a:solidFill>
-                  <a:schemeClr val="tx1"/>
-                </a:solidFill>
-                <a:effectLst/>
-                <a:latin typeface="+mn-lt"/>
-                <a:ea typeface="+mn-ea"/>
-                <a:cs typeface="+mn-cs"/>
-              </a:rPr>
-              <a:t>drawbacks. </a:t>
-            </a:r>
-            <a:r>
-              <a:rPr lang="en-US" sz="1200" kern="1200" dirty="0" smtClean="0">
-                <a:solidFill>
-                  <a:schemeClr val="tx1"/>
-                </a:solidFill>
-                <a:effectLst/>
-                <a:latin typeface="+mn-lt"/>
-                <a:ea typeface="+mn-ea"/>
-                <a:cs typeface="+mn-cs"/>
-              </a:rPr>
-              <a:t>It is an </a:t>
+              <a:t>OAuth 2.0 was designed to address those drawbacks. It is an </a:t>
             </a:r>
             <a:r>
               <a:rPr lang="en-US" sz="1200" b="1" kern="1200" dirty="0" smtClean="0">
@@ -11254,53 +11898,8 @@
                 <a:ea typeface="+mn-ea"/>
                 <a:cs typeface="+mn-cs"/>
               </a:rPr>
-              <a:t> implementation </a:t>
-            </a:r>
-            <a:r>
-              <a:rPr lang="en-US" sz="1200" kern="1200" dirty="0" smtClean="0">
-                <a:solidFill>
-                  <a:schemeClr val="tx1"/>
-                </a:solidFill>
-                <a:effectLst/>
-                <a:latin typeface="+mn-lt"/>
-                <a:ea typeface="+mn-ea"/>
-                <a:cs typeface="+mn-cs"/>
-              </a:rPr>
-              <a:t>and </a:t>
-            </a:r>
-            <a:r>
-              <a:rPr lang="en-US" sz="1200" kern="1200" dirty="0" smtClean="0">
-                <a:solidFill>
-                  <a:schemeClr val="tx1"/>
-                </a:solidFill>
-                <a:effectLst/>
-                <a:latin typeface="+mn-lt"/>
-                <a:ea typeface="+mn-ea"/>
-                <a:cs typeface="+mn-cs"/>
-              </a:rPr>
-              <a:t>the two are not </a:t>
-            </a:r>
-            <a:r>
-              <a:rPr lang="en-US" sz="1200" kern="1200" dirty="0" smtClean="0">
-                <a:solidFill>
-                  <a:schemeClr val="tx1"/>
-                </a:solidFill>
-                <a:effectLst/>
-                <a:latin typeface="+mn-lt"/>
-                <a:ea typeface="+mn-ea"/>
-                <a:cs typeface="+mn-cs"/>
-              </a:rPr>
-              <a:t>compatible. </a:t>
-            </a:r>
-            <a:endParaRPr lang="en-US" sz="1200" kern="1200" dirty="0" smtClean="0">
-              <a:solidFill>
-                <a:schemeClr val="tx1"/>
-              </a:solidFill>
-              <a:effectLst/>
-              <a:latin typeface="+mn-lt"/>
-              <a:ea typeface="+mn-ea"/>
-              <a:cs typeface="+mn-cs"/>
-            </a:endParaRPr>
+              <a:t> implementation and the two are not compatible. </a:t>
+            </a:r>
           </a:p>
           <a:p>
             <a:endParaRPr lang="en-US" sz="1200" kern="1200" dirty="0" smtClean="0">
@@ -11421,19 +12020,7 @@
                 <a:ea typeface="+mn-ea"/>
                 <a:cs typeface="+mn-cs"/>
               </a:rPr>
-              <a:t>OAuth </a:t>
-            </a:r>
-            <a:r>
-              <a:rPr lang="en-US" sz="1200" kern="1200" dirty="0" smtClean="0">
-                <a:solidFill>
-                  <a:schemeClr val="tx1"/>
-                </a:solidFill>
-                <a:effectLst/>
-                <a:latin typeface="+mn-lt"/>
-                <a:ea typeface="+mn-ea"/>
-                <a:cs typeface="+mn-cs"/>
-              </a:rPr>
-              <a:t>2.0 also has </a:t>
+              <a:t>OAuth 2.0 also has </a:t>
             </a:r>
             <a:r>
               <a:rPr lang="en-US" sz="1200" b="1" kern="1200" dirty="0" smtClean="0">
@@ -11457,43 +12044,7 @@
                 <a:ea typeface="+mn-ea"/>
                 <a:cs typeface="+mn-cs"/>
               </a:rPr>
-              <a:t> for </a:t>
-            </a:r>
-            <a:r>
-              <a:rPr lang="en-US" sz="1200" kern="1200" dirty="0" smtClean="0">
-                <a:solidFill>
-                  <a:schemeClr val="tx1"/>
-                </a:solidFill>
-                <a:effectLst/>
-                <a:latin typeface="+mn-lt"/>
-                <a:ea typeface="+mn-ea"/>
-                <a:cs typeface="+mn-cs"/>
-              </a:rPr>
-              <a:t>non-web </a:t>
-            </a:r>
-            <a:r>
-              <a:rPr lang="en-US" sz="1200" kern="1200" dirty="0" smtClean="0">
-                <a:solidFill>
-                  <a:schemeClr val="tx1"/>
-                </a:solidFill>
-                <a:effectLst/>
-                <a:latin typeface="+mn-lt"/>
-                <a:ea typeface="+mn-ea"/>
-                <a:cs typeface="+mn-cs"/>
-              </a:rPr>
-              <a:t>clients </a:t>
-            </a:r>
-            <a:r>
-              <a:rPr lang="en-US" sz="1200" kern="1200" dirty="0" smtClean="0">
-                <a:solidFill>
-                  <a:schemeClr val="tx1"/>
-                </a:solidFill>
-                <a:effectLst/>
-                <a:latin typeface="+mn-lt"/>
-                <a:ea typeface="+mn-ea"/>
-                <a:cs typeface="+mn-cs"/>
-              </a:rPr>
-              <a:t>and enterprise use cases. </a:t>
+              <a:t> for non-web clients and enterprise use cases. </a:t>
             </a:r>
           </a:p>
           <a:p>
@@ -11745,19 +12296,7 @@
                 <a:ea typeface="+mn-ea"/>
                 <a:cs typeface="+mn-cs"/>
               </a:rPr>
-              <a:t>decisions </a:t>
-            </a:r>
-            <a:r>
-              <a:rPr lang="en-US" sz="1200" kern="1200" dirty="0" smtClean="0">
-                <a:solidFill>
-                  <a:schemeClr val="tx1"/>
-                </a:solidFill>
-                <a:effectLst/>
-                <a:latin typeface="+mn-lt"/>
-                <a:ea typeface="+mn-ea"/>
-                <a:cs typeface="+mn-cs"/>
-              </a:rPr>
-              <a:t>are </a:t>
+              <a:t>decisions are </a:t>
             </a:r>
             <a:r>
               <a:rPr lang="en-US" sz="1200" b="1" kern="1200" dirty="0" smtClean="0">
@@ -11769,19 +12308,7 @@
                 <a:ea typeface="+mn-ea"/>
                 <a:cs typeface="+mn-cs"/>
               </a:rPr>
-              <a:t>left </a:t>
-            </a:r>
-            <a:r>
-              <a:rPr lang="en-US" sz="1200" b="1" kern="1200" dirty="0" smtClean="0">
-                <a:solidFill>
-                  <a:schemeClr val="tx1"/>
-                </a:solidFill>
-                <a:effectLst/>
-                <a:latin typeface="+mn-lt"/>
-                <a:ea typeface="+mn-ea"/>
-                <a:cs typeface="+mn-cs"/>
-              </a:rPr>
-              <a:t>to implementers</a:t>
+              <a:t>left to implementers</a:t>
             </a:r>
           </a:p>
           <a:p>
@@ -11976,6 +12503,8 @@
               </a:rPr>
               <a:t>. </a:t>
             </a:r>
+          </a:p>
+          <a:p>
             <a:endParaRPr lang="en-US" sz="1200" kern="1200" dirty="0" smtClean="0">
               <a:solidFill>
                 <a:schemeClr val="tx1"/>
@@ -11987,17 +12516,6 @@
             </a:endParaRPr>
           </a:p>
           <a:p>
-            <a:endParaRPr lang="en-US" sz="1200" kern="1200" dirty="0" smtClean="0">
-              <a:solidFill>
-                <a:schemeClr val="tx1"/>
-              </a:solidFill>
-              <a:effectLst/>
-              <a:latin typeface="+mn-lt"/>
-              <a:ea typeface="+mn-ea"/>
-              <a:cs typeface="+mn-cs"/>
-            </a:endParaRPr>
-          </a:p>
-          <a:p>
             <a:pPr marL="171450" indent="-171450">
               <a:buFont typeface="Arial" panose="020B0604020202020204" pitchFamily="34" charset="0"/>
               <a:buChar char="•"/>
@@ -12024,19 +12542,7 @@
                 <a:ea typeface="+mn-ea"/>
                 <a:cs typeface="+mn-cs"/>
               </a:rPr>
-              <a:t> Hammer was </a:t>
-            </a:r>
-            <a:r>
-              <a:rPr lang="en-US" sz="1200" kern="1200" dirty="0" smtClean="0">
-                <a:solidFill>
-                  <a:schemeClr val="tx1"/>
-                </a:solidFill>
-                <a:effectLst/>
-                <a:latin typeface="+mn-lt"/>
-                <a:ea typeface="+mn-ea"/>
-                <a:cs typeface="+mn-cs"/>
-              </a:rPr>
-              <a:t>the </a:t>
+              <a:t> Hammer was the </a:t>
             </a:r>
             <a:r>
               <a:rPr lang="en-US" sz="1200" b="1" kern="1200" dirty="0" smtClean="0">
@@ -12060,19 +12566,7 @@
                 <a:ea typeface="+mn-ea"/>
                 <a:cs typeface="+mn-cs"/>
               </a:rPr>
-              <a:t> for the OAuth working </a:t>
-            </a:r>
-            <a:r>
-              <a:rPr lang="en-US" sz="1200" kern="1200" dirty="0" smtClean="0">
-                <a:solidFill>
-                  <a:schemeClr val="tx1"/>
-                </a:solidFill>
-                <a:effectLst/>
-                <a:latin typeface="+mn-lt"/>
-                <a:ea typeface="+mn-ea"/>
-                <a:cs typeface="+mn-cs"/>
-              </a:rPr>
-              <a:t>group</a:t>
+              <a:t> for the OAuth working group</a:t>
             </a:r>
           </a:p>
           <a:p>
@@ -12090,31 +12584,7 @@
                 <a:ea typeface="+mn-ea"/>
                 <a:cs typeface="+mn-cs"/>
               </a:rPr>
-              <a:t>withdrew </a:t>
-            </a:r>
-            <a:r>
-              <a:rPr lang="en-US" sz="1200" kern="1200" dirty="0" smtClean="0">
-                <a:solidFill>
-                  <a:schemeClr val="tx1"/>
-                </a:solidFill>
-                <a:effectLst/>
-                <a:latin typeface="+mn-lt"/>
-                <a:ea typeface="+mn-ea"/>
-                <a:cs typeface="+mn-cs"/>
-              </a:rPr>
-              <a:t>his name from the 2.0 specification prior to </a:t>
-            </a:r>
-            <a:r>
-              <a:rPr lang="en-US" sz="1200" kern="1200" dirty="0" smtClean="0">
-                <a:solidFill>
-                  <a:schemeClr val="tx1"/>
-                </a:solidFill>
-                <a:effectLst/>
-                <a:latin typeface="+mn-lt"/>
-                <a:ea typeface="+mn-ea"/>
-                <a:cs typeface="+mn-cs"/>
-              </a:rPr>
-              <a:t>publishing</a:t>
+              <a:t>withdrew his name from the 2.0 specification prior to publishing</a:t>
             </a:r>
           </a:p>
           <a:p>
@@ -12147,31 +12617,7 @@
                 <a:ea typeface="+mn-ea"/>
                 <a:cs typeface="+mn-cs"/>
               </a:rPr>
-              <a:t>“</a:t>
-            </a:r>
-            <a:r>
-              <a:rPr lang="en-US" sz="1200" kern="1200" dirty="0" smtClean="0">
-                <a:solidFill>
-                  <a:schemeClr val="tx1"/>
-                </a:solidFill>
-                <a:effectLst/>
-                <a:latin typeface="+mn-lt"/>
-                <a:ea typeface="+mn-ea"/>
-                <a:cs typeface="+mn-cs"/>
-              </a:rPr>
-              <a:t>OAuth 2.0 and the Road to Hell</a:t>
-            </a:r>
-            <a:r>
-              <a:rPr lang="en-US" sz="1200" kern="1200" dirty="0" smtClean="0">
-                <a:solidFill>
-                  <a:schemeClr val="tx1"/>
-                </a:solidFill>
-                <a:effectLst/>
-                <a:latin typeface="+mn-lt"/>
-                <a:ea typeface="+mn-ea"/>
-                <a:cs typeface="+mn-cs"/>
-              </a:rPr>
-              <a:t>”</a:t>
+              <a:t>“OAuth 2.0 and the Road to Hell”</a:t>
             </a:r>
             <a:endParaRPr lang="en-US" dirty="0"/>
           </a:p>
@@ -12267,20 +12713,10 @@
                 <a:ea typeface="+mn-ea"/>
                 <a:cs typeface="+mn-cs"/>
               </a:rPr>
-              <a:t>He goes on to </a:t>
-            </a:r>
-            <a:r>
-              <a:rPr lang="en-US" sz="1200" kern="1200" dirty="0" smtClean="0">
-                <a:solidFill>
-                  <a:schemeClr val="tx1"/>
-                </a:solidFill>
-                <a:effectLst/>
-                <a:latin typeface="+mn-lt"/>
-                <a:ea typeface="+mn-ea"/>
-                <a:cs typeface="+mn-cs"/>
-              </a:rPr>
-              <a:t>say “If you consider yourself a security expert, use 2.0 after careful examination of its features. If you are not an expert, copy the implementation of a provider you trust to get it right or make sure you have some security experts on site to figure it out for you”.</a:t>
-            </a:r>
+              <a:t>He goes on to say “If you consider yourself a security expert, use 2.0 after careful examination of its features. If you are not an expert, copy the implementation of a provider you trust to get it right or make sure you have some security experts on site to figure it out for you”.</a:t>
+            </a:r>
+          </a:p>
+          <a:p>
             <a:endParaRPr lang="en-US" sz="1200" kern="1200" dirty="0" smtClean="0">
               <a:solidFill>
                 <a:schemeClr val="tx1"/>
@@ -12292,17 +12728,6 @@
             </a:endParaRPr>
           </a:p>
           <a:p>
-            <a:endParaRPr lang="en-US" sz="1200" kern="1200" dirty="0" smtClean="0">
-              <a:solidFill>
-                <a:schemeClr val="tx1"/>
-              </a:solidFill>
-              <a:effectLst/>
-              <a:latin typeface="+mn-lt"/>
-              <a:ea typeface="+mn-ea"/>
-              <a:cs typeface="+mn-cs"/>
-            </a:endParaRPr>
-          </a:p>
-          <a:p>
             <a:r>
               <a:rPr lang="en-US" sz="1200" kern="1200" dirty="0" smtClean="0">
                 <a:solidFill>
@@ -12315,15 +12740,6 @@
               </a:rPr>
               <a:t>This might just be sour grapes or a difference in vision for OAuth. </a:t>
             </a:r>
-            <a:endParaRPr lang="en-US" sz="1200" kern="1200" dirty="0" smtClean="0">
-              <a:solidFill>
-                <a:schemeClr val="tx1"/>
-              </a:solidFill>
-              <a:effectLst/>
-              <a:latin typeface="+mn-lt"/>
-              <a:ea typeface="+mn-ea"/>
-              <a:cs typeface="+mn-cs"/>
-            </a:endParaRPr>
           </a:p>
           <a:p>
             <a:endParaRPr lang="en-US" sz="1200" kern="1200" dirty="0" smtClean="0">
@@ -12526,6 +12942,8 @@
               </a:rPr>
               <a:t> to an API. </a:t>
             </a:r>
+          </a:p>
+          <a:p>
             <a:endParaRPr lang="en-US" sz="1200" kern="1200" dirty="0" smtClean="0">
               <a:solidFill>
                 <a:schemeClr val="tx1"/>
@@ -12537,40 +12955,17 @@
             </a:endParaRPr>
           </a:p>
           <a:p>
-            <a:endParaRPr lang="en-US" sz="1200" kern="1200" dirty="0" smtClean="0">
-              <a:solidFill>
-                <a:schemeClr val="tx1"/>
-              </a:solidFill>
-              <a:effectLst/>
-              <a:latin typeface="+mn-lt"/>
-              <a:ea typeface="+mn-ea"/>
-              <a:cs typeface="+mn-cs"/>
-            </a:endParaRPr>
-          </a:p>
-          <a:p>
-            <a:r>
-              <a:rPr lang="en-US" sz="1200" kern="1200" dirty="0" smtClean="0">
-                <a:solidFill>
-                  <a:schemeClr val="tx1"/>
-                </a:solidFill>
-                <a:effectLst/>
-                <a:latin typeface="+mn-lt"/>
-                <a:ea typeface="+mn-ea"/>
-                <a:cs typeface="+mn-cs"/>
-              </a:rPr>
-              <a:t>About </a:t>
-            </a:r>
-            <a:r>
-              <a:rPr lang="en-US" sz="1200" kern="1200" dirty="0" smtClean="0">
-                <a:solidFill>
-                  <a:schemeClr val="tx1"/>
-                </a:solidFill>
-                <a:effectLst/>
-                <a:latin typeface="+mn-lt"/>
-                <a:ea typeface="+mn-ea"/>
-                <a:cs typeface="+mn-cs"/>
-              </a:rPr>
-              <a:t>you, as a Resource Owner, </a:t>
+            <a:r>
+              <a:rPr lang="en-US" sz="1200" kern="1200" dirty="0" smtClean="0">
+                <a:solidFill>
+                  <a:schemeClr val="tx1"/>
+                </a:solidFill>
+                <a:effectLst/>
+                <a:latin typeface="+mn-lt"/>
+                <a:ea typeface="+mn-ea"/>
+                <a:cs typeface="+mn-cs"/>
+              </a:rPr>
+              <a:t>About you, as a Resource Owner, </a:t>
             </a:r>
             <a:r>
               <a:rPr lang="en-US" sz="1200" b="1" u="sng" kern="1200" dirty="0" smtClean="0">
@@ -12753,31 +13148,7 @@
                 <a:ea typeface="+mn-ea"/>
                 <a:cs typeface="+mn-cs"/>
               </a:rPr>
-              <a:t>First, </a:t>
-            </a:r>
-            <a:r>
-              <a:rPr lang="en-US" sz="1200" kern="1200" dirty="0" smtClean="0">
-                <a:solidFill>
-                  <a:schemeClr val="tx1"/>
-                </a:solidFill>
-                <a:effectLst/>
-                <a:latin typeface="+mn-lt"/>
-                <a:ea typeface="+mn-ea"/>
-                <a:cs typeface="+mn-cs"/>
-              </a:rPr>
-              <a:t>whole </a:t>
-            </a:r>
-            <a:r>
-              <a:rPr lang="en-US" sz="1200" kern="1200" dirty="0" smtClean="0">
-                <a:solidFill>
-                  <a:schemeClr val="tx1"/>
-                </a:solidFill>
-                <a:effectLst/>
-                <a:latin typeface="+mn-lt"/>
-                <a:ea typeface="+mn-ea"/>
-                <a:cs typeface="+mn-cs"/>
-              </a:rPr>
-              <a:t>point of </a:t>
+              <a:t>First, whole point of </a:t>
             </a:r>
             <a:r>
               <a:rPr lang="en-US" sz="1200" kern="1200" baseline="0" dirty="0" smtClean="0">
@@ -12801,43 +13172,7 @@
                 <a:ea typeface="+mn-ea"/>
                 <a:cs typeface="+mn-cs"/>
               </a:rPr>
-              <a:t>securely associate </a:t>
-            </a:r>
-            <a:r>
-              <a:rPr lang="en-US" sz="1200" b="1" kern="1200" baseline="0" dirty="0" smtClean="0">
-                <a:solidFill>
-                  <a:schemeClr val="tx1"/>
-                </a:solidFill>
-                <a:effectLst/>
-                <a:latin typeface="+mn-lt"/>
-                <a:ea typeface="+mn-ea"/>
-                <a:cs typeface="+mn-cs"/>
-              </a:rPr>
-              <a:t>identity </a:t>
-            </a:r>
-            <a:r>
-              <a:rPr lang="en-US" sz="1200" b="1" kern="1200" baseline="0" dirty="0" smtClean="0">
-                <a:solidFill>
-                  <a:schemeClr val="tx1"/>
-                </a:solidFill>
-                <a:effectLst/>
-                <a:latin typeface="+mn-lt"/>
-                <a:ea typeface="+mn-ea"/>
-                <a:cs typeface="+mn-cs"/>
-              </a:rPr>
-              <a:t>with </a:t>
-            </a:r>
-            <a:r>
-              <a:rPr lang="en-US" sz="1200" b="1" kern="1200" baseline="0" dirty="0" smtClean="0">
-                <a:solidFill>
-                  <a:schemeClr val="tx1"/>
-                </a:solidFill>
-                <a:effectLst/>
-                <a:latin typeface="+mn-lt"/>
-                <a:ea typeface="+mn-ea"/>
-                <a:cs typeface="+mn-cs"/>
-              </a:rPr>
-              <a:t>request</a:t>
+              <a:t>securely associate identity with request</a:t>
             </a:r>
             <a:r>
               <a:rPr lang="en-US" sz="1200" kern="1200" baseline="0" dirty="0" smtClean="0">
@@ -12851,6 +13186,8 @@
               </a:rPr>
               <a:t>. </a:t>
             </a:r>
+          </a:p>
+          <a:p>
             <a:endParaRPr lang="en-US" sz="1200" kern="1200" baseline="0" dirty="0" smtClean="0">
               <a:solidFill>
                 <a:schemeClr val="tx1"/>
@@ -12862,6 +13199,44 @@
             </a:endParaRPr>
           </a:p>
           <a:p>
+            <a:r>
+              <a:rPr lang="en-US" sz="1200" kern="1200" baseline="0" dirty="0" smtClean="0">
+                <a:solidFill>
+                  <a:schemeClr val="tx1"/>
+                </a:solidFill>
+                <a:effectLst/>
+                <a:latin typeface="+mn-lt"/>
+                <a:ea typeface="+mn-ea"/>
+                <a:cs typeface="+mn-cs"/>
+              </a:rPr>
+              <a:t>OAuth access tokens </a:t>
+            </a:r>
+            <a:r>
+              <a:rPr lang="en-US" sz="1200" b="1" kern="1200" baseline="0" dirty="0" smtClean="0">
+                <a:solidFill>
+                  <a:schemeClr val="tx1"/>
+                </a:solidFill>
+                <a:effectLst/>
+                <a:latin typeface="+mn-lt"/>
+                <a:ea typeface="+mn-ea"/>
+                <a:cs typeface="+mn-cs"/>
+              </a:rPr>
+              <a:t>don’t tell the client</a:t>
+            </a:r>
+            <a:r>
+              <a:rPr lang="en-US" sz="1200" kern="1200" baseline="0" dirty="0" smtClean="0">
+                <a:solidFill>
+                  <a:schemeClr val="tx1"/>
+                </a:solidFill>
+                <a:effectLst/>
+                <a:latin typeface="+mn-lt"/>
+                <a:ea typeface="+mn-ea"/>
+                <a:cs typeface="+mn-cs"/>
+              </a:rPr>
+              <a:t> anything about user identity. </a:t>
+            </a:r>
+          </a:p>
+          <a:p>
             <a:endParaRPr lang="en-US" sz="1200" kern="1200" baseline="0" dirty="0" smtClean="0">
               <a:solidFill>
                 <a:schemeClr val="tx1"/>
@@ -12883,7 +13258,19 @@
                 <a:ea typeface="+mn-ea"/>
                 <a:cs typeface="+mn-cs"/>
               </a:rPr>
-              <a:t>OAuth </a:t>
+              <a:t>By definition, access tokens are </a:t>
+            </a:r>
+            <a:r>
+              <a:rPr lang="en-US" sz="1200" b="1" kern="1200" baseline="0" dirty="0" smtClean="0">
+                <a:solidFill>
+                  <a:schemeClr val="tx1"/>
+                </a:solidFill>
+                <a:effectLst/>
+                <a:latin typeface="+mn-lt"/>
+                <a:ea typeface="+mn-ea"/>
+                <a:cs typeface="+mn-cs"/>
+              </a:rPr>
+              <a:t>opaque</a:t>
             </a:r>
             <a:r>
               <a:rPr lang="en-US" sz="1200" kern="1200" baseline="0" dirty="0" smtClean="0">
@@ -12895,114 +13282,8 @@
                 <a:ea typeface="+mn-ea"/>
                 <a:cs typeface="+mn-cs"/>
               </a:rPr>
-              <a:t>access tokens </a:t>
-            </a:r>
-            <a:r>
-              <a:rPr lang="en-US" sz="1200" b="1" kern="1200" baseline="0" dirty="0" smtClean="0">
-                <a:solidFill>
-                  <a:schemeClr val="tx1"/>
-                </a:solidFill>
-                <a:effectLst/>
-                <a:latin typeface="+mn-lt"/>
-                <a:ea typeface="+mn-ea"/>
-                <a:cs typeface="+mn-cs"/>
-              </a:rPr>
-              <a:t>don’t </a:t>
-            </a:r>
-            <a:r>
-              <a:rPr lang="en-US" sz="1200" b="1" kern="1200" baseline="0" dirty="0" smtClean="0">
-                <a:solidFill>
-                  <a:schemeClr val="tx1"/>
-                </a:solidFill>
-                <a:effectLst/>
-                <a:latin typeface="+mn-lt"/>
-                <a:ea typeface="+mn-ea"/>
-                <a:cs typeface="+mn-cs"/>
-              </a:rPr>
-              <a:t>tell </a:t>
-            </a:r>
-            <a:r>
-              <a:rPr lang="en-US" sz="1200" b="1" kern="1200" baseline="0" dirty="0" smtClean="0">
-                <a:solidFill>
-                  <a:schemeClr val="tx1"/>
-                </a:solidFill>
-                <a:effectLst/>
-                <a:latin typeface="+mn-lt"/>
-                <a:ea typeface="+mn-ea"/>
-                <a:cs typeface="+mn-cs"/>
-              </a:rPr>
-              <a:t>the client</a:t>
-            </a:r>
-            <a:r>
-              <a:rPr lang="en-US" sz="1200" kern="1200" baseline="0" dirty="0" smtClean="0">
-                <a:solidFill>
-                  <a:schemeClr val="tx1"/>
-                </a:solidFill>
-                <a:effectLst/>
-                <a:latin typeface="+mn-lt"/>
-                <a:ea typeface="+mn-ea"/>
-                <a:cs typeface="+mn-cs"/>
-              </a:rPr>
-              <a:t> anything about user identity. </a:t>
-            </a:r>
-          </a:p>
-          <a:p>
-            <a:endParaRPr lang="en-US" sz="1200" kern="1200" baseline="0" dirty="0" smtClean="0">
-              <a:solidFill>
-                <a:schemeClr val="tx1"/>
-              </a:solidFill>
-              <a:effectLst/>
-              <a:latin typeface="+mn-lt"/>
-              <a:ea typeface="+mn-ea"/>
-              <a:cs typeface="+mn-cs"/>
-            </a:endParaRPr>
-          </a:p>
-          <a:p>
-            <a:r>
-              <a:rPr lang="en-US" sz="1200" kern="1200" baseline="0" dirty="0" smtClean="0">
-                <a:solidFill>
-                  <a:schemeClr val="tx1"/>
-                </a:solidFill>
-                <a:effectLst/>
-                <a:latin typeface="+mn-lt"/>
-                <a:ea typeface="+mn-ea"/>
-                <a:cs typeface="+mn-cs"/>
-              </a:rPr>
-              <a:t>By definition, access tokens are </a:t>
-            </a:r>
-            <a:r>
-              <a:rPr lang="en-US" sz="1200" b="1" kern="1200" baseline="0" dirty="0" smtClean="0">
-                <a:solidFill>
-                  <a:schemeClr val="tx1"/>
-                </a:solidFill>
-                <a:effectLst/>
-                <a:latin typeface="+mn-lt"/>
-                <a:ea typeface="+mn-ea"/>
-                <a:cs typeface="+mn-cs"/>
-              </a:rPr>
-              <a:t>opaque</a:t>
-            </a:r>
-            <a:r>
-              <a:rPr lang="en-US" sz="1200" kern="1200" baseline="0" dirty="0" smtClean="0">
-                <a:solidFill>
-                  <a:schemeClr val="tx1"/>
-                </a:solidFill>
-                <a:effectLst/>
-                <a:latin typeface="+mn-lt"/>
-                <a:ea typeface="+mn-ea"/>
-                <a:cs typeface="+mn-cs"/>
-              </a:rPr>
               <a:t> to the client. </a:t>
             </a:r>
-            <a:endParaRPr lang="en-US" sz="1200" kern="1200" baseline="0" dirty="0" smtClean="0">
-              <a:solidFill>
-                <a:schemeClr val="tx1"/>
-              </a:solidFill>
-              <a:effectLst/>
-              <a:latin typeface="+mn-lt"/>
-              <a:ea typeface="+mn-ea"/>
-              <a:cs typeface="+mn-cs"/>
-            </a:endParaRPr>
           </a:p>
           <a:p>
             <a:pPr marL="171450" indent="-171450">
@@ -13079,41 +13360,8 @@
                 <a:ea typeface="+mn-ea"/>
                 <a:cs typeface="+mn-cs"/>
               </a:rPr>
-              <a:t>Token </a:t>
-            </a:r>
-            <a:r>
-              <a:rPr lang="en-US" sz="1200" kern="1200" baseline="0" dirty="0" smtClean="0">
-                <a:solidFill>
-                  <a:schemeClr val="tx1"/>
-                </a:solidFill>
-                <a:effectLst/>
-                <a:latin typeface="+mn-lt"/>
-                <a:ea typeface="+mn-ea"/>
-                <a:cs typeface="+mn-cs"/>
-              </a:rPr>
-              <a:t>itself is a black </a:t>
-            </a:r>
-            <a:r>
-              <a:rPr lang="en-US" sz="1200" kern="1200" baseline="0" dirty="0" smtClean="0">
-                <a:solidFill>
-                  <a:schemeClr val="tx1"/>
-                </a:solidFill>
-                <a:effectLst/>
-                <a:latin typeface="+mn-lt"/>
-                <a:ea typeface="+mn-ea"/>
-                <a:cs typeface="+mn-cs"/>
-              </a:rPr>
-              <a:t>box – client can’t parse it or extract data </a:t>
-            </a:r>
-            <a:endParaRPr lang="en-US" sz="1200" kern="1200" baseline="0" dirty="0" smtClean="0">
-              <a:solidFill>
-                <a:schemeClr val="tx1"/>
-              </a:solidFill>
-              <a:effectLst/>
-              <a:latin typeface="+mn-lt"/>
-              <a:ea typeface="+mn-ea"/>
-              <a:cs typeface="+mn-cs"/>
-            </a:endParaRPr>
+              <a:t>Token itself is a black box – client can’t parse it or extract data </a:t>
+            </a:r>
           </a:p>
           <a:p>
             <a:endParaRPr lang="en-US" sz="1200" kern="1200" baseline="0" dirty="0" smtClean="0">
@@ -13249,19 +13497,7 @@
                 <a:ea typeface="+mn-ea"/>
                 <a:cs typeface="+mn-cs"/>
               </a:rPr>
-              <a:t>call an </a:t>
-            </a:r>
-            <a:r>
-              <a:rPr lang="en-US" sz="1200" b="1" kern="1200" dirty="0" smtClean="0">
-                <a:solidFill>
-                  <a:schemeClr val="tx1"/>
-                </a:solidFill>
-                <a:effectLst/>
-                <a:latin typeface="+mn-lt"/>
-                <a:ea typeface="+mn-ea"/>
-                <a:cs typeface="+mn-cs"/>
-              </a:rPr>
-              <a:t>API</a:t>
+              <a:t>call an API</a:t>
             </a:r>
             <a:r>
               <a:rPr lang="en-US" sz="1200" kern="1200" dirty="0" smtClean="0">
@@ -13285,20 +13521,10 @@
                 <a:ea typeface="+mn-ea"/>
                 <a:cs typeface="+mn-cs"/>
               </a:rPr>
-              <a:t>information</a:t>
-            </a:r>
-            <a:r>
-              <a:rPr lang="en-US" sz="1200" kern="1200" baseline="0" dirty="0" smtClean="0">
-                <a:solidFill>
-                  <a:schemeClr val="tx1"/>
-                </a:solidFill>
-                <a:effectLst/>
-                <a:latin typeface="+mn-lt"/>
-                <a:ea typeface="+mn-ea"/>
-                <a:cs typeface="+mn-cs"/>
-              </a:rPr>
-              <a:t>? </a:t>
-            </a:r>
+              <a:t>information? </a:t>
+            </a:r>
+          </a:p>
+          <a:p>
             <a:endParaRPr lang="en-US" sz="1200" kern="1200" baseline="0" dirty="0" smtClean="0">
               <a:solidFill>
                 <a:schemeClr val="tx1"/>
@@ -13310,17 +13536,6 @@
             </a:endParaRPr>
           </a:p>
           <a:p>
-            <a:endParaRPr lang="en-US" sz="1200" kern="1200" baseline="0" dirty="0" smtClean="0">
-              <a:solidFill>
-                <a:schemeClr val="tx1"/>
-              </a:solidFill>
-              <a:effectLst/>
-              <a:latin typeface="+mn-lt"/>
-              <a:ea typeface="+mn-ea"/>
-              <a:cs typeface="+mn-cs"/>
-            </a:endParaRPr>
-          </a:p>
-          <a:p>
             <a:r>
               <a:rPr lang="en-US" sz="1200" kern="1200" baseline="0" dirty="0" smtClean="0">
                 <a:solidFill>
@@ -13331,43 +13546,7 @@
                 <a:ea typeface="+mn-ea"/>
                 <a:cs typeface="+mn-cs"/>
               </a:rPr>
-              <a:t>If </a:t>
-            </a:r>
-            <a:r>
-              <a:rPr lang="en-US" sz="1200" kern="1200" baseline="0" dirty="0" smtClean="0">
-                <a:solidFill>
-                  <a:schemeClr val="tx1"/>
-                </a:solidFill>
-                <a:effectLst/>
-                <a:latin typeface="+mn-lt"/>
-                <a:ea typeface="+mn-ea"/>
-                <a:cs typeface="+mn-cs"/>
-              </a:rPr>
-              <a:t>you have a token, </a:t>
-            </a:r>
-            <a:r>
-              <a:rPr lang="en-US" sz="1200" kern="1200" baseline="0" dirty="0" smtClean="0">
-                <a:solidFill>
-                  <a:schemeClr val="tx1"/>
-                </a:solidFill>
-                <a:effectLst/>
-                <a:latin typeface="+mn-lt"/>
-                <a:ea typeface="+mn-ea"/>
-                <a:cs typeface="+mn-cs"/>
-              </a:rPr>
-              <a:t>&amp; token authorized </a:t>
-            </a:r>
-            <a:r>
-              <a:rPr lang="en-US" sz="1200" kern="1200" baseline="0" dirty="0" smtClean="0">
-                <a:solidFill>
-                  <a:schemeClr val="tx1"/>
-                </a:solidFill>
-                <a:effectLst/>
-                <a:latin typeface="+mn-lt"/>
-                <a:ea typeface="+mn-ea"/>
-                <a:cs typeface="+mn-cs"/>
-              </a:rPr>
-              <a:t>to obtain identity information, is </a:t>
+              <a:t>If you have a token, &amp; token authorized to obtain identity information, is </a:t>
             </a:r>
             <a:r>
               <a:rPr lang="en-US" sz="1200" i="1" kern="1200" baseline="0" dirty="0" smtClean="0">
@@ -13428,7 +13607,19 @@
                 <a:ea typeface="+mn-ea"/>
                 <a:cs typeface="+mn-cs"/>
               </a:rPr>
-              <a:t>, because no </a:t>
+              <a:t>, because no guarantee that </a:t>
+            </a:r>
+            <a:r>
+              <a:rPr lang="en-US" sz="1200" b="1" i="0" kern="1200" baseline="0" dirty="0" smtClean="0">
+                <a:solidFill>
+                  <a:schemeClr val="tx1"/>
+                </a:solidFill>
+                <a:effectLst/>
+                <a:latin typeface="+mn-lt"/>
+                <a:ea typeface="+mn-ea"/>
+                <a:cs typeface="+mn-cs"/>
+              </a:rPr>
+              <a:t>only that user</a:t>
             </a:r>
             <a:r>
               <a:rPr lang="en-US" sz="1200" i="0" kern="1200" baseline="0" dirty="0" smtClean="0">
@@ -13440,91 +13631,7 @@
                 <a:ea typeface="+mn-ea"/>
                 <a:cs typeface="+mn-cs"/>
               </a:rPr>
-              <a:t>guarantee that </a:t>
-            </a:r>
-            <a:r>
-              <a:rPr lang="en-US" sz="1200" b="1" i="0" kern="1200" baseline="0" dirty="0" smtClean="0">
-                <a:solidFill>
-                  <a:schemeClr val="tx1"/>
-                </a:solidFill>
-                <a:effectLst/>
-                <a:latin typeface="+mn-lt"/>
-                <a:ea typeface="+mn-ea"/>
-                <a:cs typeface="+mn-cs"/>
-              </a:rPr>
-              <a:t>only </a:t>
-            </a:r>
-            <a:r>
-              <a:rPr lang="en-US" sz="1200" b="1" i="0" kern="1200" baseline="0" dirty="0" smtClean="0">
-                <a:solidFill>
-                  <a:schemeClr val="tx1"/>
-                </a:solidFill>
-                <a:effectLst/>
-                <a:latin typeface="+mn-lt"/>
-                <a:ea typeface="+mn-ea"/>
-                <a:cs typeface="+mn-cs"/>
-              </a:rPr>
-              <a:t>that user</a:t>
-            </a:r>
-            <a:r>
-              <a:rPr lang="en-US" sz="1200" i="0" kern="1200" baseline="0" dirty="0" smtClean="0">
-                <a:solidFill>
-                  <a:schemeClr val="tx1"/>
-                </a:solidFill>
-                <a:effectLst/>
-                <a:latin typeface="+mn-lt"/>
-                <a:ea typeface="+mn-ea"/>
-                <a:cs typeface="+mn-cs"/>
-              </a:rPr>
-              <a:t> was </a:t>
-            </a:r>
-            <a:r>
-              <a:rPr lang="en-US" sz="1200" i="0" kern="1200" baseline="0" dirty="0" smtClean="0">
-                <a:solidFill>
-                  <a:schemeClr val="tx1"/>
-                </a:solidFill>
-                <a:effectLst/>
-                <a:latin typeface="+mn-lt"/>
-                <a:ea typeface="+mn-ea"/>
-                <a:cs typeface="+mn-cs"/>
-              </a:rPr>
-              <a:t>able to authorize that access. If more than one entity </a:t>
-            </a:r>
-            <a:r>
-              <a:rPr lang="en-US" sz="1200" i="0" kern="1200" baseline="0" dirty="0" smtClean="0">
-                <a:solidFill>
-                  <a:schemeClr val="tx1"/>
-                </a:solidFill>
-                <a:effectLst/>
-                <a:latin typeface="+mn-lt"/>
-                <a:ea typeface="+mn-ea"/>
-                <a:cs typeface="+mn-cs"/>
-              </a:rPr>
-              <a:t>can delegate </a:t>
-            </a:r>
-            <a:r>
-              <a:rPr lang="en-US" sz="1200" i="0" kern="1200" baseline="0" dirty="0" smtClean="0">
-                <a:solidFill>
-                  <a:schemeClr val="tx1"/>
-                </a:solidFill>
-                <a:effectLst/>
-                <a:latin typeface="+mn-lt"/>
-                <a:ea typeface="+mn-ea"/>
-                <a:cs typeface="+mn-cs"/>
-              </a:rPr>
-              <a:t>access to that identity API, </a:t>
-            </a:r>
-            <a:r>
-              <a:rPr lang="en-US" sz="1200" i="0" kern="1200" baseline="0" dirty="0" smtClean="0">
-                <a:solidFill>
-                  <a:schemeClr val="tx1"/>
-                </a:solidFill>
-                <a:effectLst/>
-                <a:latin typeface="+mn-lt"/>
-                <a:ea typeface="+mn-ea"/>
-                <a:cs typeface="+mn-cs"/>
-              </a:rPr>
-              <a:t>then you can’t assume that your </a:t>
+              <a:t> was able to authorize that access. If more than one entity can delegate access to that identity API, then you can’t assume that your </a:t>
             </a:r>
             <a:r>
               <a:rPr lang="en-US" sz="1200" b="1" i="0" kern="1200" baseline="0" dirty="0" smtClean="0">
@@ -13742,55 +13849,7 @@
                 <a:ea typeface="+mn-ea"/>
                 <a:cs typeface="+mn-cs"/>
               </a:rPr>
-              <a:t>I go to Foo.com </a:t>
-            </a:r>
-            <a:r>
-              <a:rPr lang="en-US" sz="1200" kern="1200" dirty="0" smtClean="0">
-                <a:solidFill>
-                  <a:schemeClr val="tx1"/>
-                </a:solidFill>
-                <a:effectLst/>
-                <a:latin typeface="+mn-lt"/>
-                <a:ea typeface="+mn-ea"/>
-                <a:cs typeface="+mn-cs"/>
-              </a:rPr>
-              <a:t>and </a:t>
-            </a:r>
-            <a:r>
-              <a:rPr lang="en-US" sz="1200" kern="1200" dirty="0" smtClean="0">
-                <a:solidFill>
-                  <a:schemeClr val="tx1"/>
-                </a:solidFill>
-                <a:effectLst/>
-                <a:latin typeface="+mn-lt"/>
-                <a:ea typeface="+mn-ea"/>
-                <a:cs typeface="+mn-cs"/>
-              </a:rPr>
-              <a:t>follow normal </a:t>
-            </a:r>
-            <a:r>
-              <a:rPr lang="en-US" sz="1200" kern="1200" dirty="0" smtClean="0">
-                <a:solidFill>
-                  <a:schemeClr val="tx1"/>
-                </a:solidFill>
-                <a:effectLst/>
-                <a:latin typeface="+mn-lt"/>
-                <a:ea typeface="+mn-ea"/>
-                <a:cs typeface="+mn-cs"/>
-              </a:rPr>
-              <a:t>OAuth </a:t>
-            </a:r>
-            <a:r>
-              <a:rPr lang="en-US" sz="1200" kern="1200" dirty="0" smtClean="0">
-                <a:solidFill>
-                  <a:schemeClr val="tx1"/>
-                </a:solidFill>
-                <a:effectLst/>
-                <a:latin typeface="+mn-lt"/>
-                <a:ea typeface="+mn-ea"/>
-                <a:cs typeface="+mn-cs"/>
-              </a:rPr>
-              <a:t>flow and </a:t>
+              <a:t>I go to Foo.com and follow normal OAuth flow and </a:t>
             </a:r>
             <a:r>
               <a:rPr lang="en-US" sz="1200" b="1" kern="1200" dirty="0" smtClean="0">
@@ -13802,7 +13861,73 @@
                 <a:ea typeface="+mn-ea"/>
                 <a:cs typeface="+mn-cs"/>
               </a:rPr>
-              <a:t>authenticate </a:t>
+              <a:t>authenticate against Facebook</a:t>
+            </a:r>
+            <a:r>
+              <a:rPr lang="en-US" sz="1200" kern="1200" dirty="0" smtClean="0">
+                <a:solidFill>
+                  <a:schemeClr val="tx1"/>
+                </a:solidFill>
+                <a:effectLst/>
+                <a:latin typeface="+mn-lt"/>
+                <a:ea typeface="+mn-ea"/>
+                <a:cs typeface="+mn-cs"/>
+              </a:rPr>
+              <a:t>, </a:t>
+            </a:r>
+          </a:p>
+          <a:p>
+            <a:pPr marL="171450" indent="-171450">
+              <a:buFont typeface="Arial" panose="020B0604020202020204" pitchFamily="34" charset="0"/>
+              <a:buChar char="•"/>
+            </a:pPr>
+            <a:r>
+              <a:rPr lang="en-US" sz="1200" kern="1200" dirty="0" smtClean="0">
+                <a:solidFill>
+                  <a:schemeClr val="tx1"/>
+                </a:solidFill>
+                <a:effectLst/>
+                <a:latin typeface="+mn-lt"/>
+                <a:ea typeface="+mn-ea"/>
+                <a:cs typeface="+mn-cs"/>
+              </a:rPr>
+              <a:t>I authorize Foo.com to access my data and get redirected back to Foo.com with an access token. </a:t>
+            </a:r>
+          </a:p>
+          <a:p>
+            <a:pPr marL="171450" indent="-171450">
+              <a:buFont typeface="Arial" panose="020B0604020202020204" pitchFamily="34" charset="0"/>
+              <a:buChar char="•"/>
+            </a:pPr>
+            <a:r>
+              <a:rPr lang="en-US" sz="1200" kern="1200" dirty="0" smtClean="0">
+                <a:solidFill>
+                  <a:schemeClr val="tx1"/>
+                </a:solidFill>
+                <a:effectLst/>
+                <a:latin typeface="+mn-lt"/>
+                <a:ea typeface="+mn-ea"/>
+                <a:cs typeface="+mn-cs"/>
+              </a:rPr>
+              <a:t>Foo.com uses token to make an API call to Facebook’s API, gets my data, and logs me in.</a:t>
+            </a:r>
+          </a:p>
+          <a:p>
+            <a:pPr marL="171450" indent="-171450">
+              <a:buFont typeface="Arial" panose="020B0604020202020204" pitchFamily="34" charset="0"/>
+              <a:buChar char="•"/>
+            </a:pPr>
+            <a:r>
+              <a:rPr lang="en-US" sz="1200" kern="1200" dirty="0" smtClean="0">
+                <a:solidFill>
+                  <a:schemeClr val="tx1"/>
+                </a:solidFill>
+                <a:effectLst/>
+                <a:latin typeface="+mn-lt"/>
+                <a:ea typeface="+mn-ea"/>
+                <a:cs typeface="+mn-cs"/>
+              </a:rPr>
+              <a:t>I have </a:t>
             </a:r>
             <a:r>
               <a:rPr lang="en-US" sz="1200" b="1" kern="1200" dirty="0" smtClean="0">
@@ -13814,19 +13939,31 @@
                 <a:ea typeface="+mn-ea"/>
                 <a:cs typeface="+mn-cs"/>
               </a:rPr>
-              <a:t>against Facebook</a:t>
-            </a:r>
-            <a:r>
-              <a:rPr lang="en-US" sz="1200" kern="1200" dirty="0" smtClean="0">
-                <a:solidFill>
-                  <a:schemeClr val="tx1"/>
-                </a:solidFill>
-                <a:effectLst/>
-                <a:latin typeface="+mn-lt"/>
-                <a:ea typeface="+mn-ea"/>
-                <a:cs typeface="+mn-cs"/>
-              </a:rPr>
-              <a:t>, </a:t>
+              <a:t>given Foo</a:t>
+            </a:r>
+            <a:r>
+              <a:rPr lang="en-US" sz="1200" b="1" kern="1200" baseline="0" dirty="0" smtClean="0">
+                <a:solidFill>
+                  <a:schemeClr val="tx1"/>
+                </a:solidFill>
+                <a:effectLst/>
+                <a:latin typeface="+mn-lt"/>
+                <a:ea typeface="+mn-ea"/>
+                <a:cs typeface="+mn-cs"/>
+              </a:rPr>
+              <a:t> access to my profile</a:t>
+            </a:r>
+            <a:r>
+              <a:rPr lang="en-US" sz="1200" b="0" kern="1200" baseline="0" dirty="0" smtClean="0">
+                <a:solidFill>
+                  <a:schemeClr val="tx1"/>
+                </a:solidFill>
+                <a:effectLst/>
+                <a:latin typeface="+mn-lt"/>
+                <a:ea typeface="+mn-ea"/>
+                <a:cs typeface="+mn-cs"/>
+              </a:rPr>
+              <a:t> and in exchange, Foo gives me access to my account on their system</a:t>
             </a:r>
             <a:endParaRPr lang="en-US" sz="1200" kern="1200" dirty="0" smtClean="0">
               <a:solidFill>
@@ -13839,222 +13976,6 @@
             </a:endParaRPr>
           </a:p>
           <a:p>
-            <a:pPr marL="171450" indent="-171450">
-              <a:buFont typeface="Arial" panose="020B0604020202020204" pitchFamily="34" charset="0"/>
-              <a:buChar char="•"/>
-            </a:pPr>
-            <a:r>
-              <a:rPr lang="en-US" sz="1200" kern="1200" dirty="0" smtClean="0">
-                <a:solidFill>
-                  <a:schemeClr val="tx1"/>
-                </a:solidFill>
-                <a:effectLst/>
-                <a:latin typeface="+mn-lt"/>
-                <a:ea typeface="+mn-ea"/>
-                <a:cs typeface="+mn-cs"/>
-              </a:rPr>
-              <a:t>I authorize </a:t>
-            </a:r>
-            <a:r>
-              <a:rPr lang="en-US" sz="1200" kern="1200" dirty="0" smtClean="0">
-                <a:solidFill>
-                  <a:schemeClr val="tx1"/>
-                </a:solidFill>
-                <a:effectLst/>
-                <a:latin typeface="+mn-lt"/>
-                <a:ea typeface="+mn-ea"/>
-                <a:cs typeface="+mn-cs"/>
-              </a:rPr>
-              <a:t>Foo.com to access </a:t>
-            </a:r>
-            <a:r>
-              <a:rPr lang="en-US" sz="1200" kern="1200" dirty="0" smtClean="0">
-                <a:solidFill>
-                  <a:schemeClr val="tx1"/>
-                </a:solidFill>
-                <a:effectLst/>
-                <a:latin typeface="+mn-lt"/>
-                <a:ea typeface="+mn-ea"/>
-                <a:cs typeface="+mn-cs"/>
-              </a:rPr>
-              <a:t>my data </a:t>
-            </a:r>
-            <a:r>
-              <a:rPr lang="en-US" sz="1200" kern="1200" dirty="0" smtClean="0">
-                <a:solidFill>
-                  <a:schemeClr val="tx1"/>
-                </a:solidFill>
-                <a:effectLst/>
-                <a:latin typeface="+mn-lt"/>
-                <a:ea typeface="+mn-ea"/>
-                <a:cs typeface="+mn-cs"/>
-              </a:rPr>
-              <a:t>and get redirected back to Foo.com with an access token. </a:t>
-            </a:r>
-            <a:endParaRPr lang="en-US" sz="1200" kern="1200" dirty="0" smtClean="0">
-              <a:solidFill>
-                <a:schemeClr val="tx1"/>
-              </a:solidFill>
-              <a:effectLst/>
-              <a:latin typeface="+mn-lt"/>
-              <a:ea typeface="+mn-ea"/>
-              <a:cs typeface="+mn-cs"/>
-            </a:endParaRPr>
-          </a:p>
-          <a:p>
-            <a:pPr marL="171450" indent="-171450">
-              <a:buFont typeface="Arial" panose="020B0604020202020204" pitchFamily="34" charset="0"/>
-              <a:buChar char="•"/>
-            </a:pPr>
-            <a:r>
-              <a:rPr lang="en-US" sz="1200" kern="1200" dirty="0" smtClean="0">
-                <a:solidFill>
-                  <a:schemeClr val="tx1"/>
-                </a:solidFill>
-                <a:effectLst/>
-                <a:latin typeface="+mn-lt"/>
-                <a:ea typeface="+mn-ea"/>
-                <a:cs typeface="+mn-cs"/>
-              </a:rPr>
-              <a:t>Foo.com uses token </a:t>
-            </a:r>
-            <a:r>
-              <a:rPr lang="en-US" sz="1200" kern="1200" dirty="0" smtClean="0">
-                <a:solidFill>
-                  <a:schemeClr val="tx1"/>
-                </a:solidFill>
-                <a:effectLst/>
-                <a:latin typeface="+mn-lt"/>
-                <a:ea typeface="+mn-ea"/>
-                <a:cs typeface="+mn-cs"/>
-              </a:rPr>
-              <a:t>to make an API call to Facebook’s </a:t>
-            </a:r>
-            <a:r>
-              <a:rPr lang="en-US" sz="1200" kern="1200" dirty="0" smtClean="0">
-                <a:solidFill>
-                  <a:schemeClr val="tx1"/>
-                </a:solidFill>
-                <a:effectLst/>
-                <a:latin typeface="+mn-lt"/>
-                <a:ea typeface="+mn-ea"/>
-                <a:cs typeface="+mn-cs"/>
-              </a:rPr>
-              <a:t>API</a:t>
-            </a:r>
-            <a:r>
-              <a:rPr lang="en-US" sz="1200" kern="1200" dirty="0" smtClean="0">
-                <a:solidFill>
-                  <a:schemeClr val="tx1"/>
-                </a:solidFill>
-                <a:effectLst/>
-                <a:latin typeface="+mn-lt"/>
-                <a:ea typeface="+mn-ea"/>
-                <a:cs typeface="+mn-cs"/>
-              </a:rPr>
-              <a:t>, </a:t>
-            </a:r>
-            <a:r>
-              <a:rPr lang="en-US" sz="1200" kern="1200" dirty="0" smtClean="0">
-                <a:solidFill>
-                  <a:schemeClr val="tx1"/>
-                </a:solidFill>
-                <a:effectLst/>
-                <a:latin typeface="+mn-lt"/>
-                <a:ea typeface="+mn-ea"/>
-                <a:cs typeface="+mn-cs"/>
-              </a:rPr>
-              <a:t>gets my data, </a:t>
-            </a:r>
-            <a:r>
-              <a:rPr lang="en-US" sz="1200" kern="1200" dirty="0" smtClean="0">
-                <a:solidFill>
-                  <a:schemeClr val="tx1"/>
-                </a:solidFill>
-                <a:effectLst/>
-                <a:latin typeface="+mn-lt"/>
-                <a:ea typeface="+mn-ea"/>
-                <a:cs typeface="+mn-cs"/>
-              </a:rPr>
-              <a:t>and logs </a:t>
-            </a:r>
-            <a:r>
-              <a:rPr lang="en-US" sz="1200" kern="1200" dirty="0" smtClean="0">
-                <a:solidFill>
-                  <a:schemeClr val="tx1"/>
-                </a:solidFill>
-                <a:effectLst/>
-                <a:latin typeface="+mn-lt"/>
-                <a:ea typeface="+mn-ea"/>
-                <a:cs typeface="+mn-cs"/>
-              </a:rPr>
-              <a:t>me in.</a:t>
-            </a:r>
-          </a:p>
-          <a:p>
-            <a:pPr marL="171450" indent="-171450">
-              <a:buFont typeface="Arial" panose="020B0604020202020204" pitchFamily="34" charset="0"/>
-              <a:buChar char="•"/>
-            </a:pPr>
-            <a:r>
-              <a:rPr lang="en-US" sz="1200" kern="1200" dirty="0" smtClean="0">
-                <a:solidFill>
-                  <a:schemeClr val="tx1"/>
-                </a:solidFill>
-                <a:effectLst/>
-                <a:latin typeface="+mn-lt"/>
-                <a:ea typeface="+mn-ea"/>
-                <a:cs typeface="+mn-cs"/>
-              </a:rPr>
-              <a:t>I have </a:t>
-            </a:r>
-            <a:r>
-              <a:rPr lang="en-US" sz="1200" b="1" kern="1200" dirty="0" smtClean="0">
-                <a:solidFill>
-                  <a:schemeClr val="tx1"/>
-                </a:solidFill>
-                <a:effectLst/>
-                <a:latin typeface="+mn-lt"/>
-                <a:ea typeface="+mn-ea"/>
-                <a:cs typeface="+mn-cs"/>
-              </a:rPr>
-              <a:t>given Foo</a:t>
-            </a:r>
-            <a:r>
-              <a:rPr lang="en-US" sz="1200" b="1" kern="1200" baseline="0" dirty="0" smtClean="0">
-                <a:solidFill>
-                  <a:schemeClr val="tx1"/>
-                </a:solidFill>
-                <a:effectLst/>
-                <a:latin typeface="+mn-lt"/>
-                <a:ea typeface="+mn-ea"/>
-                <a:cs typeface="+mn-cs"/>
-              </a:rPr>
-              <a:t> access to my profile</a:t>
-            </a:r>
-            <a:r>
-              <a:rPr lang="en-US" sz="1200" b="0" kern="1200" baseline="0" dirty="0" smtClean="0">
-                <a:solidFill>
-                  <a:schemeClr val="tx1"/>
-                </a:solidFill>
-                <a:effectLst/>
-                <a:latin typeface="+mn-lt"/>
-                <a:ea typeface="+mn-ea"/>
-                <a:cs typeface="+mn-cs"/>
-              </a:rPr>
-              <a:t> and in exchange, Foo gives me access to my account on their system</a:t>
-            </a:r>
-            <a:endParaRPr lang="en-US" sz="1200" kern="1200" dirty="0" smtClean="0">
-              <a:solidFill>
-                <a:schemeClr val="tx1"/>
-              </a:solidFill>
-              <a:effectLst/>
-              <a:latin typeface="+mn-lt"/>
-              <a:ea typeface="+mn-ea"/>
-              <a:cs typeface="+mn-cs"/>
-            </a:endParaRPr>
-          </a:p>
-          <a:p>
             <a:pPr marL="0" indent="0">
               <a:buFont typeface="Arial" panose="020B0604020202020204" pitchFamily="34" charset="0"/>
               <a:buNone/>
@@ -14071,15 +13992,6 @@
               </a:rPr>
               <a:t> </a:t>
             </a:r>
-            <a:endParaRPr lang="en-US" sz="1200" kern="1200" dirty="0" smtClean="0">
-              <a:solidFill>
-                <a:schemeClr val="tx1"/>
-              </a:solidFill>
-              <a:effectLst/>
-              <a:latin typeface="+mn-lt"/>
-              <a:ea typeface="+mn-ea"/>
-              <a:cs typeface="+mn-cs"/>
-            </a:endParaRPr>
           </a:p>
           <a:p>
             <a:r>
@@ -14190,31 +14102,7 @@
                 <a:ea typeface="+mn-ea"/>
                 <a:cs typeface="+mn-cs"/>
               </a:rPr>
-              <a:t>Let’s say Foo.com isn’t trustworthy. It turns around and makes a </a:t>
-            </a:r>
-            <a:r>
-              <a:rPr lang="en-US" sz="1200" kern="1200" dirty="0" smtClean="0">
-                <a:solidFill>
-                  <a:schemeClr val="tx1"/>
-                </a:solidFill>
-                <a:effectLst/>
-                <a:latin typeface="+mn-lt"/>
-                <a:ea typeface="+mn-ea"/>
-                <a:cs typeface="+mn-cs"/>
-              </a:rPr>
-              <a:t>login request </a:t>
-            </a:r>
-            <a:r>
-              <a:rPr lang="en-US" sz="1200" kern="1200" dirty="0" smtClean="0">
-                <a:solidFill>
-                  <a:schemeClr val="tx1"/>
-                </a:solidFill>
-                <a:effectLst/>
-                <a:latin typeface="+mn-lt"/>
-                <a:ea typeface="+mn-ea"/>
-                <a:cs typeface="+mn-cs"/>
-              </a:rPr>
-              <a:t>against Bar.com, which also allows Facebook logins. </a:t>
+              <a:t>Let’s say Foo.com isn’t trustworthy. It turns around and makes a login request against Bar.com, which also allows Facebook logins. </a:t>
             </a:r>
           </a:p>
           <a:p>
@@ -14345,43 +14233,19 @@
                 <a:ea typeface="+mn-ea"/>
                 <a:cs typeface="+mn-cs"/>
               </a:rPr>
-              <a:t>uses </a:t>
-            </a:r>
-            <a:r>
-              <a:rPr lang="en-US" sz="1200" b="1" kern="1200" dirty="0" smtClean="0">
-                <a:solidFill>
-                  <a:schemeClr val="tx1"/>
-                </a:solidFill>
-                <a:effectLst/>
-                <a:latin typeface="+mn-lt"/>
-                <a:ea typeface="+mn-ea"/>
-                <a:cs typeface="+mn-cs"/>
-              </a:rPr>
-              <a:t>that access token</a:t>
-            </a:r>
-            <a:r>
-              <a:rPr lang="en-US" sz="1200" kern="1200" dirty="0" smtClean="0">
-                <a:solidFill>
-                  <a:schemeClr val="tx1"/>
-                </a:solidFill>
-                <a:effectLst/>
-                <a:latin typeface="+mn-lt"/>
-                <a:ea typeface="+mn-ea"/>
-                <a:cs typeface="+mn-cs"/>
-              </a:rPr>
-              <a:t> to call Facebook’s </a:t>
-            </a:r>
-            <a:r>
-              <a:rPr lang="en-US" sz="1200" kern="1200" dirty="0" smtClean="0">
-                <a:solidFill>
-                  <a:schemeClr val="tx1"/>
-                </a:solidFill>
-                <a:effectLst/>
-                <a:latin typeface="+mn-lt"/>
-                <a:ea typeface="+mn-ea"/>
-                <a:cs typeface="+mn-cs"/>
-              </a:rPr>
-              <a:t>API and is given </a:t>
+              <a:t>uses that access token</a:t>
+            </a:r>
+            <a:r>
+              <a:rPr lang="en-US" sz="1200" kern="1200" dirty="0" smtClean="0">
+                <a:solidFill>
+                  <a:schemeClr val="tx1"/>
+                </a:solidFill>
+                <a:effectLst/>
+                <a:latin typeface="+mn-lt"/>
+                <a:ea typeface="+mn-ea"/>
+                <a:cs typeface="+mn-cs"/>
+              </a:rPr>
+              <a:t> to call Facebook’s API and is given </a:t>
             </a:r>
             <a:r>
               <a:rPr lang="en-US" sz="1200" b="1" kern="1200" dirty="0" smtClean="0">
@@ -14647,7 +14511,19 @@
                 <a:ea typeface="+mn-ea"/>
                 <a:cs typeface="+mn-cs"/>
               </a:rPr>
-              <a:t>ossible </a:t>
+              <a:t>ossible because OAuth access tokens do not have </a:t>
+            </a:r>
+            <a:r>
+              <a:rPr lang="en-US" sz="1200" b="1" kern="1200" baseline="0" dirty="0" smtClean="0">
+                <a:solidFill>
+                  <a:schemeClr val="tx1"/>
+                </a:solidFill>
+                <a:effectLst/>
+                <a:latin typeface="+mn-lt"/>
+                <a:ea typeface="+mn-ea"/>
+                <a:cs typeface="+mn-cs"/>
+              </a:rPr>
+              <a:t>audience restriction</a:t>
             </a:r>
             <a:r>
               <a:rPr lang="en-US" sz="1200" kern="1200" baseline="0" dirty="0" smtClean="0">
@@ -14659,91 +14535,7 @@
                 <a:ea typeface="+mn-ea"/>
                 <a:cs typeface="+mn-cs"/>
               </a:rPr>
-              <a:t>because OAuth access tokens do not have </a:t>
-            </a:r>
-            <a:r>
-              <a:rPr lang="en-US" sz="1200" b="1" kern="1200" baseline="0" dirty="0" smtClean="0">
-                <a:solidFill>
-                  <a:schemeClr val="tx1"/>
-                </a:solidFill>
-                <a:effectLst/>
-                <a:latin typeface="+mn-lt"/>
-                <a:ea typeface="+mn-ea"/>
-                <a:cs typeface="+mn-cs"/>
-              </a:rPr>
-              <a:t>audience </a:t>
-            </a:r>
-            <a:r>
-              <a:rPr lang="en-US" sz="1200" b="1" kern="1200" baseline="0" dirty="0" smtClean="0">
-                <a:solidFill>
-                  <a:schemeClr val="tx1"/>
-                </a:solidFill>
-                <a:effectLst/>
-                <a:latin typeface="+mn-lt"/>
-                <a:ea typeface="+mn-ea"/>
-                <a:cs typeface="+mn-cs"/>
-              </a:rPr>
-              <a:t>restriction</a:t>
-            </a:r>
-            <a:r>
-              <a:rPr lang="en-US" sz="1200" kern="1200" baseline="0" dirty="0" smtClean="0">
-                <a:solidFill>
-                  <a:schemeClr val="tx1"/>
-                </a:solidFill>
-                <a:effectLst/>
-                <a:latin typeface="+mn-lt"/>
-                <a:ea typeface="+mn-ea"/>
-                <a:cs typeface="+mn-cs"/>
-              </a:rPr>
-              <a:t>. </a:t>
-            </a:r>
-            <a:r>
-              <a:rPr lang="en-US" sz="1200" kern="1200" baseline="0" dirty="0" smtClean="0">
-                <a:solidFill>
-                  <a:schemeClr val="tx1"/>
-                </a:solidFill>
-                <a:effectLst/>
-                <a:latin typeface="+mn-lt"/>
-                <a:ea typeface="+mn-ea"/>
-                <a:cs typeface="+mn-cs"/>
-              </a:rPr>
-              <a:t>This is a problem with bearer </a:t>
-            </a:r>
-            <a:r>
-              <a:rPr lang="en-US" sz="1200" kern="1200" baseline="0" dirty="0" smtClean="0">
-                <a:solidFill>
-                  <a:schemeClr val="tx1"/>
-                </a:solidFill>
-                <a:effectLst/>
-                <a:latin typeface="+mn-lt"/>
-                <a:ea typeface="+mn-ea"/>
-                <a:cs typeface="+mn-cs"/>
-              </a:rPr>
-              <a:t>tokens, </a:t>
-            </a:r>
-            <a:r>
-              <a:rPr lang="en-US" sz="1200" kern="1200" baseline="0" dirty="0" smtClean="0">
-                <a:solidFill>
-                  <a:schemeClr val="tx1"/>
-                </a:solidFill>
-                <a:effectLst/>
-                <a:latin typeface="+mn-lt"/>
-                <a:ea typeface="+mn-ea"/>
-                <a:cs typeface="+mn-cs"/>
-              </a:rPr>
-              <a:t>Bar doesn’t know that the access token is </a:t>
-            </a:r>
-            <a:r>
-              <a:rPr lang="en-US" sz="1200" kern="1200" baseline="0" dirty="0" smtClean="0">
-                <a:solidFill>
-                  <a:schemeClr val="tx1"/>
-                </a:solidFill>
-                <a:effectLst/>
-                <a:latin typeface="+mn-lt"/>
-                <a:ea typeface="+mn-ea"/>
-                <a:cs typeface="+mn-cs"/>
-              </a:rPr>
-              <a:t>being misused.</a:t>
+              <a:t>. This is a problem with bearer tokens, Bar doesn’t know that the access token is being misused.</a:t>
             </a:r>
           </a:p>
           <a:p>
@@ -14852,43 +14644,7 @@
                 <a:ea typeface="+mn-ea"/>
                 <a:cs typeface="+mn-cs"/>
               </a:rPr>
-              <a:t>To avoid that problem, </a:t>
-            </a:r>
-            <a:r>
-              <a:rPr lang="en-US" sz="1200" kern="1200" dirty="0" smtClean="0">
-                <a:solidFill>
-                  <a:schemeClr val="tx1"/>
-                </a:solidFill>
-                <a:effectLst/>
-                <a:latin typeface="+mn-lt"/>
-                <a:ea typeface="+mn-ea"/>
-                <a:cs typeface="+mn-cs"/>
-              </a:rPr>
-              <a:t>ONLY </a:t>
-            </a:r>
-            <a:r>
-              <a:rPr lang="en-US" sz="1200" kern="1200" dirty="0" smtClean="0">
-                <a:solidFill>
-                  <a:schemeClr val="tx1"/>
-                </a:solidFill>
-                <a:effectLst/>
-                <a:latin typeface="+mn-lt"/>
-                <a:ea typeface="+mn-ea"/>
-                <a:cs typeface="+mn-cs"/>
-              </a:rPr>
-              <a:t>use </a:t>
-            </a:r>
-            <a:r>
-              <a:rPr lang="en-US" sz="1200" kern="1200" dirty="0" smtClean="0">
-                <a:solidFill>
-                  <a:schemeClr val="tx1"/>
-                </a:solidFill>
-                <a:effectLst/>
-                <a:latin typeface="+mn-lt"/>
-                <a:ea typeface="+mn-ea"/>
-                <a:cs typeface="+mn-cs"/>
-              </a:rPr>
-              <a:t>access tokens</a:t>
+              <a:t>To avoid that problem, ONLY use access tokens</a:t>
             </a:r>
             <a:r>
               <a:rPr lang="en-US" sz="1200" kern="1200" baseline="0" dirty="0" smtClean="0">
@@ -14900,20 +14656,10 @@
                 <a:ea typeface="+mn-ea"/>
                 <a:cs typeface="+mn-cs"/>
               </a:rPr>
-              <a:t> </a:t>
-            </a:r>
-            <a:r>
-              <a:rPr lang="en-US" sz="1200" kern="1200" baseline="0" dirty="0" smtClean="0">
-                <a:solidFill>
-                  <a:schemeClr val="tx1"/>
-                </a:solidFill>
-                <a:effectLst/>
-                <a:latin typeface="+mn-lt"/>
-                <a:ea typeface="+mn-ea"/>
-                <a:cs typeface="+mn-cs"/>
-              </a:rPr>
-              <a:t>to access the authorized resource. </a:t>
-            </a:r>
+              <a:t> to access the authorized resource. </a:t>
+            </a:r>
+          </a:p>
+          <a:p>
             <a:endParaRPr lang="en-US" sz="1200" kern="1200" baseline="0" dirty="0" smtClean="0">
               <a:solidFill>
                 <a:schemeClr val="tx1"/>
@@ -14925,40 +14671,17 @@
             </a:endParaRPr>
           </a:p>
           <a:p>
-            <a:endParaRPr lang="en-US" sz="1200" kern="1200" baseline="0" dirty="0" smtClean="0">
-              <a:solidFill>
-                <a:schemeClr val="tx1"/>
-              </a:solidFill>
-              <a:effectLst/>
-              <a:latin typeface="+mn-lt"/>
-              <a:ea typeface="+mn-ea"/>
-              <a:cs typeface="+mn-cs"/>
-            </a:endParaRPr>
-          </a:p>
-          <a:p>
-            <a:r>
-              <a:rPr lang="en-US" sz="1200" kern="1200" dirty="0" smtClean="0">
-                <a:solidFill>
-                  <a:schemeClr val="tx1"/>
-                </a:solidFill>
-                <a:effectLst/>
-                <a:latin typeface="+mn-lt"/>
-                <a:ea typeface="+mn-ea"/>
-                <a:cs typeface="+mn-cs"/>
-              </a:rPr>
-              <a:t>If </a:t>
-            </a:r>
-            <a:r>
-              <a:rPr lang="en-US" sz="1200" kern="1200" dirty="0" smtClean="0">
-                <a:solidFill>
-                  <a:schemeClr val="tx1"/>
-                </a:solidFill>
-                <a:effectLst/>
-                <a:latin typeface="+mn-lt"/>
-                <a:ea typeface="+mn-ea"/>
-                <a:cs typeface="+mn-cs"/>
-              </a:rPr>
-              <a:t>you use possession of an access token as proof of authentication, you are vulnerable.</a:t>
+            <a:r>
+              <a:rPr lang="en-US" sz="1200" kern="1200" dirty="0" smtClean="0">
+                <a:solidFill>
+                  <a:schemeClr val="tx1"/>
+                </a:solidFill>
+                <a:effectLst/>
+                <a:latin typeface="+mn-lt"/>
+                <a:ea typeface="+mn-ea"/>
+                <a:cs typeface="+mn-cs"/>
+              </a:rPr>
+              <a:t>If you use possession of an access token as proof of authentication, you are vulnerable.</a:t>
             </a:r>
           </a:p>
           <a:p>
@@ -14997,15 +14720,6 @@
               </a:rPr>
               <a:t> need to </a:t>
             </a:r>
-            <a:endParaRPr lang="en-US" sz="1200" kern="1200" baseline="0" dirty="0" smtClean="0">
-              <a:solidFill>
-                <a:schemeClr val="tx1"/>
-              </a:solidFill>
-              <a:effectLst/>
-              <a:latin typeface="+mn-lt"/>
-              <a:ea typeface="+mn-ea"/>
-              <a:cs typeface="+mn-cs"/>
-            </a:endParaRPr>
           </a:p>
           <a:p>
             <a:pPr marL="171450" indent="-171450">
@@ -15048,15 +14762,6 @@
               </a:rPr>
               <a:t> it was granted to and </a:t>
             </a:r>
-            <a:endParaRPr lang="en-US" sz="1200" kern="1200" dirty="0" smtClean="0">
-              <a:solidFill>
-                <a:schemeClr val="tx1"/>
-              </a:solidFill>
-              <a:effectLst/>
-              <a:latin typeface="+mn-lt"/>
-              <a:ea typeface="+mn-ea"/>
-              <a:cs typeface="+mn-cs"/>
-            </a:endParaRPr>
           </a:p>
           <a:p>
             <a:pPr marL="171450" indent="-171450">
@@ -15073,7 +14778,19 @@
                 <a:ea typeface="+mn-ea"/>
                 <a:cs typeface="+mn-cs"/>
               </a:rPr>
-              <a:t>which </a:t>
+              <a:t>which authenticated</a:t>
+            </a:r>
+            <a:r>
+              <a:rPr lang="en-US" sz="1200" b="1" u="sng" kern="1200" baseline="0" dirty="0" smtClean="0">
+                <a:solidFill>
+                  <a:schemeClr val="tx1"/>
+                </a:solidFill>
+                <a:effectLst/>
+                <a:latin typeface="+mn-lt"/>
+                <a:ea typeface="+mn-ea"/>
+                <a:cs typeface="+mn-cs"/>
+              </a:rPr>
+              <a:t> </a:t>
             </a:r>
             <a:r>
               <a:rPr lang="en-US" sz="1200" b="1" u="sng" kern="1200" dirty="0" smtClean="0">
@@ -15085,30 +14802,6 @@
                 <a:ea typeface="+mn-ea"/>
                 <a:cs typeface="+mn-cs"/>
               </a:rPr>
-              <a:t>authenticated</a:t>
-            </a:r>
-            <a:r>
-              <a:rPr lang="en-US" sz="1200" b="1" u="sng" kern="1200" baseline="0" dirty="0" smtClean="0">
-                <a:solidFill>
-                  <a:schemeClr val="tx1"/>
-                </a:solidFill>
-                <a:effectLst/>
-                <a:latin typeface="+mn-lt"/>
-                <a:ea typeface="+mn-ea"/>
-                <a:cs typeface="+mn-cs"/>
-              </a:rPr>
-              <a:t> </a:t>
-            </a:r>
-            <a:r>
-              <a:rPr lang="en-US" sz="1200" b="1" u="sng" kern="1200" dirty="0" smtClean="0">
-                <a:solidFill>
-                  <a:schemeClr val="tx1"/>
-                </a:solidFill>
-                <a:effectLst/>
-                <a:latin typeface="+mn-lt"/>
-                <a:ea typeface="+mn-ea"/>
-                <a:cs typeface="+mn-cs"/>
-              </a:rPr>
               <a:t>identity</a:t>
             </a:r>
             <a:r>
@@ -15121,19 +14814,7 @@
                 <a:ea typeface="+mn-ea"/>
                 <a:cs typeface="+mn-cs"/>
               </a:rPr>
-              <a:t> authorized </a:t>
-            </a:r>
-            <a:r>
-              <a:rPr lang="en-US" sz="1200" kern="1200" dirty="0" smtClean="0">
-                <a:solidFill>
-                  <a:schemeClr val="tx1"/>
-                </a:solidFill>
-                <a:effectLst/>
-                <a:latin typeface="+mn-lt"/>
-                <a:ea typeface="+mn-ea"/>
-                <a:cs typeface="+mn-cs"/>
-              </a:rPr>
-              <a:t>it</a:t>
+              <a:t> authorized it</a:t>
             </a:r>
           </a:p>
           <a:p>
@@ -15166,19 +14847,7 @@
                 <a:ea typeface="+mn-ea"/>
                 <a:cs typeface="+mn-cs"/>
               </a:rPr>
-              <a:t>That </a:t>
-            </a:r>
-            <a:r>
-              <a:rPr lang="en-US" sz="1200" kern="1200" dirty="0" smtClean="0">
-                <a:solidFill>
-                  <a:schemeClr val="tx1"/>
-                </a:solidFill>
-                <a:effectLst/>
-                <a:latin typeface="+mn-lt"/>
-                <a:ea typeface="+mn-ea"/>
-                <a:cs typeface="+mn-cs"/>
-              </a:rPr>
-              <a:t>way, only that one authorized client would be able to use the token, and the token itself would provide</a:t>
+              <a:t>That way, only that one authorized client would be able to use the token, and the token itself would provide</a:t>
             </a:r>
             <a:r>
               <a:rPr lang="en-US" sz="1200" kern="1200" baseline="0" dirty="0" smtClean="0">
@@ -15532,6 +15201,8 @@
               </a:rPr>
               <a:t>That’s the basic concept behind OpenID Connect. </a:t>
             </a:r>
+          </a:p>
+          <a:p>
             <a:endParaRPr lang="en-US" sz="1200" kern="1200" dirty="0" smtClean="0">
               <a:solidFill>
                 <a:schemeClr val="tx1"/>
@@ -15543,17 +15214,6 @@
             </a:endParaRPr>
           </a:p>
           <a:p>
-            <a:endParaRPr lang="en-US" sz="1200" kern="1200" dirty="0" smtClean="0">
-              <a:solidFill>
-                <a:schemeClr val="tx1"/>
-              </a:solidFill>
-              <a:effectLst/>
-              <a:latin typeface="+mn-lt"/>
-              <a:ea typeface="+mn-ea"/>
-              <a:cs typeface="+mn-cs"/>
-            </a:endParaRPr>
-          </a:p>
-          <a:p>
             <a:pPr marL="171450" indent="-171450">
               <a:buFont typeface="Arial" panose="020B0604020202020204" pitchFamily="34" charset="0"/>
               <a:buChar char="•"/>
@@ -15568,19 +15228,7 @@
                 <a:ea typeface="+mn-ea"/>
                 <a:cs typeface="+mn-cs"/>
               </a:rPr>
-              <a:t>Open </a:t>
-            </a:r>
-            <a:r>
-              <a:rPr lang="en-US" sz="1200" kern="1200" dirty="0" smtClean="0">
-                <a:solidFill>
-                  <a:schemeClr val="tx1"/>
-                </a:solidFill>
-                <a:effectLst/>
-                <a:latin typeface="+mn-lt"/>
-                <a:ea typeface="+mn-ea"/>
-                <a:cs typeface="+mn-cs"/>
-              </a:rPr>
-              <a:t>standard that defines an </a:t>
+              <a:t>Open standard that defines an </a:t>
             </a:r>
             <a:r>
               <a:rPr lang="en-US" sz="1200" b="1" kern="1200" dirty="0" smtClean="0">
@@ -15630,15 +15278,6 @@
               </a:rPr>
               <a:t> OAuth 2.0. </a:t>
             </a:r>
-            <a:endParaRPr lang="en-US" sz="1200" kern="1200" dirty="0" smtClean="0">
-              <a:solidFill>
-                <a:schemeClr val="tx1"/>
-              </a:solidFill>
-              <a:effectLst/>
-              <a:latin typeface="+mn-lt"/>
-              <a:ea typeface="+mn-ea"/>
-              <a:cs typeface="+mn-cs"/>
-            </a:endParaRPr>
           </a:p>
           <a:p>
             <a:pPr marL="171450" indent="-171450">
@@ -15703,19 +15342,7 @@
                 <a:ea typeface="+mn-ea"/>
                 <a:cs typeface="+mn-cs"/>
               </a:rPr>
-              <a:t>by </a:t>
-            </a:r>
-            <a:r>
-              <a:rPr lang="en-US" sz="1200" kern="1200" dirty="0" smtClean="0">
-                <a:solidFill>
-                  <a:schemeClr val="tx1"/>
-                </a:solidFill>
-                <a:effectLst/>
-                <a:latin typeface="+mn-lt"/>
-                <a:ea typeface="+mn-ea"/>
-                <a:cs typeface="+mn-cs"/>
-              </a:rPr>
-              <a:t>closing some of the gaps we just mentioned.</a:t>
+              <a:t>by closing some of the gaps we just mentioned.</a:t>
             </a:r>
           </a:p>
           <a:p>
@@ -15814,22 +15441,37 @@
                 <a:ea typeface="+mn-ea"/>
                 <a:cs typeface="+mn-cs"/>
               </a:rPr>
-              <a:t>in </a:t>
-            </a:r>
-            <a:r>
-              <a:rPr lang="en-US" sz="1200" b="1" u="sng" kern="1200" dirty="0" smtClean="0">
-                <a:solidFill>
-                  <a:schemeClr val="tx1"/>
-                </a:solidFill>
-                <a:effectLst/>
-                <a:latin typeface="+mn-lt"/>
-                <a:ea typeface="+mn-ea"/>
-                <a:cs typeface="+mn-cs"/>
-              </a:rPr>
-              <a:t>addition to</a:t>
-            </a:r>
-            <a:r>
-              <a:rPr lang="en-US" sz="1200" kern="1200" dirty="0" smtClean="0">
+              <a:t>in addition to</a:t>
+            </a:r>
+            <a:r>
+              <a:rPr lang="en-US" sz="1200" kern="1200" dirty="0" smtClean="0">
+                <a:solidFill>
+                  <a:schemeClr val="tx1"/>
+                </a:solidFill>
+                <a:effectLst/>
+                <a:latin typeface="+mn-lt"/>
+                <a:ea typeface="+mn-ea"/>
+                <a:cs typeface="+mn-cs"/>
+              </a:rPr>
+              <a:t> regular OAuth access token. </a:t>
+            </a:r>
+          </a:p>
+          <a:p>
+            <a:pPr lvl="0"/>
+            <a:r>
+              <a:rPr lang="en-US" sz="1200" kern="1200" dirty="0" smtClean="0">
+                <a:solidFill>
+                  <a:schemeClr val="tx1"/>
+                </a:solidFill>
+                <a:effectLst/>
+                <a:latin typeface="+mn-lt"/>
+                <a:ea typeface="+mn-ea"/>
+                <a:cs typeface="+mn-cs"/>
+              </a:rPr>
+              <a:t>These</a:t>
+            </a:r>
+            <a:r>
+              <a:rPr lang="en-US" sz="1200" kern="1200" baseline="0" dirty="0" smtClean="0">
                 <a:solidFill>
                   <a:schemeClr val="tx1"/>
                 </a:solidFill>
@@ -15850,43 +15492,7 @@
                 <a:ea typeface="+mn-ea"/>
                 <a:cs typeface="+mn-cs"/>
               </a:rPr>
-              <a:t>regular </a:t>
-            </a:r>
-            <a:r>
-              <a:rPr lang="en-US" sz="1200" kern="1200" dirty="0" smtClean="0">
-                <a:solidFill>
-                  <a:schemeClr val="tx1"/>
-                </a:solidFill>
-                <a:effectLst/>
-                <a:latin typeface="+mn-lt"/>
-                <a:ea typeface="+mn-ea"/>
-                <a:cs typeface="+mn-cs"/>
-              </a:rPr>
-              <a:t>OAuth access token. </a:t>
-            </a:r>
-            <a:endParaRPr lang="en-US" sz="1200" kern="1200" dirty="0" smtClean="0">
-              <a:solidFill>
-                <a:schemeClr val="tx1"/>
-              </a:solidFill>
-              <a:effectLst/>
-              <a:latin typeface="+mn-lt"/>
-              <a:ea typeface="+mn-ea"/>
-              <a:cs typeface="+mn-cs"/>
-            </a:endParaRPr>
-          </a:p>
-          <a:p>
-            <a:pPr lvl="0"/>
-            <a:r>
-              <a:rPr lang="en-US" sz="1200" kern="1200" dirty="0" smtClean="0">
-                <a:solidFill>
-                  <a:schemeClr val="tx1"/>
-                </a:solidFill>
-                <a:effectLst/>
-                <a:latin typeface="+mn-lt"/>
-                <a:ea typeface="+mn-ea"/>
-                <a:cs typeface="+mn-cs"/>
-              </a:rPr>
-              <a:t>These</a:t>
+              <a:t>have</a:t>
             </a:r>
             <a:r>
               <a:rPr lang="en-US" sz="1200" kern="1200" baseline="0" dirty="0" smtClean="0">
@@ -15901,16 +15507,16 @@
               <a:t> </a:t>
             </a:r>
             <a:r>
-              <a:rPr lang="en-US" sz="1200" kern="1200" dirty="0" smtClean="0">
-                <a:solidFill>
-                  <a:schemeClr val="tx1"/>
-                </a:solidFill>
-                <a:effectLst/>
-                <a:latin typeface="+mn-lt"/>
-                <a:ea typeface="+mn-ea"/>
-                <a:cs typeface="+mn-cs"/>
-              </a:rPr>
-              <a:t>have</a:t>
+              <a:rPr lang="en-US" sz="1200" b="1" kern="1200" dirty="0" smtClean="0">
+                <a:solidFill>
+                  <a:schemeClr val="tx1"/>
+                </a:solidFill>
+                <a:effectLst/>
+                <a:latin typeface="+mn-lt"/>
+                <a:ea typeface="+mn-ea"/>
+                <a:cs typeface="+mn-cs"/>
+              </a:rPr>
+              <a:t>well-known format</a:t>
             </a:r>
             <a:r>
               <a:rPr lang="en-US" sz="1200" kern="1200" baseline="0" dirty="0" smtClean="0">
@@ -15922,89 +15528,8 @@
                 <a:ea typeface="+mn-ea"/>
                 <a:cs typeface="+mn-cs"/>
               </a:rPr>
-              <a:t> </a:t>
-            </a:r>
-            <a:r>
-              <a:rPr lang="en-US" sz="1200" b="1" kern="1200" dirty="0" smtClean="0">
-                <a:solidFill>
-                  <a:schemeClr val="tx1"/>
-                </a:solidFill>
-                <a:effectLst/>
-                <a:latin typeface="+mn-lt"/>
-                <a:ea typeface="+mn-ea"/>
-                <a:cs typeface="+mn-cs"/>
-              </a:rPr>
-              <a:t>well-known </a:t>
-            </a:r>
-            <a:r>
-              <a:rPr lang="en-US" sz="1200" b="1" kern="1200" dirty="0" smtClean="0">
-                <a:solidFill>
-                  <a:schemeClr val="tx1"/>
-                </a:solidFill>
-                <a:effectLst/>
-                <a:latin typeface="+mn-lt"/>
-                <a:ea typeface="+mn-ea"/>
-                <a:cs typeface="+mn-cs"/>
-              </a:rPr>
-              <a:t>format</a:t>
-            </a:r>
-            <a:r>
-              <a:rPr lang="en-US" sz="1200" kern="1200" baseline="0" dirty="0" smtClean="0">
-                <a:solidFill>
-                  <a:schemeClr val="tx1"/>
-                </a:solidFill>
-                <a:effectLst/>
-                <a:latin typeface="+mn-lt"/>
-                <a:ea typeface="+mn-ea"/>
-                <a:cs typeface="+mn-cs"/>
-              </a:rPr>
-              <a:t> so the client </a:t>
-            </a:r>
-            <a:r>
-              <a:rPr lang="en-US" sz="1200" kern="1200" baseline="0" dirty="0" smtClean="0">
-                <a:solidFill>
-                  <a:schemeClr val="tx1"/>
-                </a:solidFill>
-                <a:effectLst/>
-                <a:latin typeface="+mn-lt"/>
-                <a:ea typeface="+mn-ea"/>
-                <a:cs typeface="+mn-cs"/>
-              </a:rPr>
-              <a:t>can extract </a:t>
-            </a:r>
-            <a:r>
-              <a:rPr lang="en-US" sz="1200" kern="1200" baseline="0" dirty="0" smtClean="0">
-                <a:solidFill>
-                  <a:schemeClr val="tx1"/>
-                </a:solidFill>
-                <a:effectLst/>
-                <a:latin typeface="+mn-lt"/>
-                <a:ea typeface="+mn-ea"/>
-                <a:cs typeface="+mn-cs"/>
-              </a:rPr>
-              <a:t>identity claims </a:t>
-            </a:r>
-            <a:r>
-              <a:rPr lang="en-US" sz="1200" kern="1200" baseline="0" dirty="0" smtClean="0">
-                <a:solidFill>
-                  <a:schemeClr val="tx1"/>
-                </a:solidFill>
-                <a:effectLst/>
-                <a:latin typeface="+mn-lt"/>
-                <a:ea typeface="+mn-ea"/>
-                <a:cs typeface="+mn-cs"/>
-              </a:rPr>
-              <a:t>and audience restrictions directly from the token. </a:t>
-            </a:r>
-            <a:endParaRPr lang="en-US" sz="1200" kern="1200" baseline="0" dirty="0" smtClean="0">
-              <a:solidFill>
-                <a:schemeClr val="tx1"/>
-              </a:solidFill>
-              <a:effectLst/>
-              <a:latin typeface="+mn-lt"/>
-              <a:ea typeface="+mn-ea"/>
-              <a:cs typeface="+mn-cs"/>
-            </a:endParaRPr>
+              <a:t> so the client can extract identity claims and audience restrictions directly from the token. </a:t>
+            </a:r>
           </a:p>
           <a:p>
             <a:pPr lvl="0"/>
@@ -16068,15 +15593,6 @@
               </a:rPr>
               <a:t>.</a:t>
             </a:r>
-            <a:endParaRPr lang="en-US" sz="1200" kern="1200" baseline="0" dirty="0" smtClean="0">
-              <a:solidFill>
-                <a:schemeClr val="tx1"/>
-              </a:solidFill>
-              <a:effectLst/>
-              <a:latin typeface="+mn-lt"/>
-              <a:ea typeface="+mn-ea"/>
-              <a:cs typeface="+mn-cs"/>
-            </a:endParaRPr>
           </a:p>
           <a:p>
             <a:pPr lvl="0"/>
@@ -16478,31 +15994,7 @@
                 <a:ea typeface="+mn-ea"/>
                 <a:cs typeface="+mn-cs"/>
               </a:rPr>
-              <a:t>I </a:t>
-            </a:r>
-            <a:r>
-              <a:rPr lang="en-US" sz="1200" kern="1200" dirty="0" smtClean="0">
-                <a:solidFill>
-                  <a:schemeClr val="tx1"/>
-                </a:solidFill>
-                <a:effectLst/>
-                <a:latin typeface="+mn-lt"/>
-                <a:ea typeface="+mn-ea"/>
-                <a:cs typeface="+mn-cs"/>
-              </a:rPr>
-              <a:t>just threw a </a:t>
-            </a:r>
-            <a:r>
-              <a:rPr lang="en-US" sz="1200" kern="1200" dirty="0" smtClean="0">
-                <a:solidFill>
-                  <a:schemeClr val="tx1"/>
-                </a:solidFill>
-                <a:effectLst/>
-                <a:latin typeface="+mn-lt"/>
-                <a:ea typeface="+mn-ea"/>
-                <a:cs typeface="+mn-cs"/>
-              </a:rPr>
-              <a:t>ton of choices</a:t>
+              <a:t>I just threw a ton of choices</a:t>
             </a:r>
             <a:r>
               <a:rPr lang="en-US" sz="1200" kern="1200" baseline="0" dirty="0" smtClean="0">
@@ -17425,19 +16917,7 @@
                 <a:ea typeface="+mn-ea"/>
                 <a:cs typeface="+mn-cs"/>
               </a:rPr>
-              <a:t>This </a:t>
-            </a:r>
-            <a:r>
-              <a:rPr lang="en-US" sz="1200" kern="1200" dirty="0" smtClean="0">
-                <a:solidFill>
-                  <a:schemeClr val="tx1"/>
-                </a:solidFill>
-                <a:effectLst/>
-                <a:latin typeface="+mn-lt"/>
-                <a:ea typeface="+mn-ea"/>
-                <a:cs typeface="+mn-cs"/>
-              </a:rPr>
-              <a:t>approach is </a:t>
+              <a:t>This approach is </a:t>
             </a:r>
             <a:r>
               <a:rPr lang="en-US" sz="1200" b="1" kern="1200" dirty="0" smtClean="0">
@@ -17461,29 +16941,8 @@
                 <a:ea typeface="+mn-ea"/>
                 <a:cs typeface="+mn-cs"/>
               </a:rPr>
-              <a:t> as your use of </a:t>
-            </a:r>
-            <a:r>
-              <a:rPr lang="en-US" sz="1200" kern="1200" dirty="0" smtClean="0">
-                <a:solidFill>
-                  <a:schemeClr val="tx1"/>
-                </a:solidFill>
-                <a:effectLst/>
-                <a:latin typeface="+mn-lt"/>
-                <a:ea typeface="+mn-ea"/>
-                <a:cs typeface="+mn-cs"/>
-              </a:rPr>
-              <a:t>TLS.</a:t>
-            </a:r>
-            <a:endParaRPr lang="en-US" sz="1200" kern="1200" dirty="0" smtClean="0">
-              <a:solidFill>
-                <a:schemeClr val="tx1"/>
-              </a:solidFill>
-              <a:effectLst/>
-              <a:latin typeface="+mn-lt"/>
-              <a:ea typeface="+mn-ea"/>
-              <a:cs typeface="+mn-cs"/>
-            </a:endParaRPr>
+              <a:t> as your use of TLS.</a:t>
+            </a:r>
           </a:p>
           <a:p>
             <a:endParaRPr lang="en-US" dirty="0"/>
@@ -17597,31 +17056,7 @@
                 <a:ea typeface="+mn-ea"/>
                 <a:cs typeface="+mn-cs"/>
               </a:rPr>
-              <a:t>There’s </a:t>
-            </a:r>
-            <a:r>
-              <a:rPr lang="en-US" sz="1200" kern="1200" dirty="0" smtClean="0">
-                <a:solidFill>
-                  <a:schemeClr val="tx1"/>
-                </a:solidFill>
-                <a:effectLst/>
-                <a:latin typeface="+mn-lt"/>
-                <a:ea typeface="+mn-ea"/>
-                <a:cs typeface="+mn-cs"/>
-              </a:rPr>
-              <a:t>no </a:t>
-            </a:r>
-            <a:r>
-              <a:rPr lang="en-US" sz="1200" kern="1200" dirty="0" smtClean="0">
-                <a:solidFill>
-                  <a:schemeClr val="tx1"/>
-                </a:solidFill>
-                <a:effectLst/>
-                <a:latin typeface="+mn-lt"/>
-                <a:ea typeface="+mn-ea"/>
-                <a:cs typeface="+mn-cs"/>
-              </a:rPr>
-              <a:t>good reason to use Digest Auth. </a:t>
+              <a:t>There’s no good reason to use Digest Auth. </a:t>
             </a:r>
             <a:endParaRPr lang="en-US" dirty="0"/>
           </a:p>
@@ -17893,19 +17328,7 @@
                 <a:ea typeface="+mn-ea"/>
                 <a:cs typeface="+mn-cs"/>
               </a:rPr>
-              <a:t>Just </a:t>
-            </a:r>
-            <a:r>
-              <a:rPr lang="en-US" sz="1200" kern="1200" dirty="0" smtClean="0">
-                <a:solidFill>
-                  <a:schemeClr val="tx1"/>
-                </a:solidFill>
-                <a:effectLst/>
-                <a:latin typeface="+mn-lt"/>
-                <a:ea typeface="+mn-ea"/>
-                <a:cs typeface="+mn-cs"/>
-              </a:rPr>
-              <a:t>like Basic </a:t>
+              <a:t>Just like Basic </a:t>
             </a:r>
             <a:r>
               <a:rPr lang="en-US" sz="1200" kern="1200" dirty="0" err="1" smtClean="0">
@@ -17953,29 +17376,8 @@
                 <a:ea typeface="+mn-ea"/>
                 <a:cs typeface="+mn-cs"/>
               </a:rPr>
-              <a:t> as your use of </a:t>
-            </a:r>
-            <a:r>
-              <a:rPr lang="en-US" sz="1200" kern="1200" dirty="0" smtClean="0">
-                <a:solidFill>
-                  <a:schemeClr val="tx1"/>
-                </a:solidFill>
-                <a:effectLst/>
-                <a:latin typeface="+mn-lt"/>
-                <a:ea typeface="+mn-ea"/>
-                <a:cs typeface="+mn-cs"/>
-              </a:rPr>
-              <a:t>TLS.</a:t>
-            </a:r>
-            <a:endParaRPr lang="en-US" sz="1200" kern="1200" dirty="0" smtClean="0">
-              <a:solidFill>
-                <a:schemeClr val="tx1"/>
-              </a:solidFill>
-              <a:effectLst/>
-              <a:latin typeface="+mn-lt"/>
-              <a:ea typeface="+mn-ea"/>
-              <a:cs typeface="+mn-cs"/>
-            </a:endParaRPr>
+              <a:t> as your use of TLS.</a:t>
+            </a:r>
           </a:p>
           <a:p>
             <a:endParaRPr lang="en-US" dirty="0"/>
@@ -18607,19 +18009,7 @@
                 <a:ea typeface="+mn-ea"/>
                 <a:cs typeface="+mn-cs"/>
               </a:rPr>
-              <a:t>If </a:t>
-            </a:r>
-            <a:r>
-              <a:rPr lang="en-US" sz="1200" kern="1200" dirty="0" smtClean="0">
-                <a:solidFill>
-                  <a:schemeClr val="tx1"/>
-                </a:solidFill>
-                <a:effectLst/>
-                <a:latin typeface="+mn-lt"/>
-                <a:ea typeface="+mn-ea"/>
-                <a:cs typeface="+mn-cs"/>
-              </a:rPr>
-              <a:t>your API deals with data </a:t>
+              <a:t>If your API deals with data </a:t>
             </a:r>
             <a:r>
               <a:rPr lang="en-US" sz="1200" b="1" kern="1200" dirty="0" smtClean="0">
@@ -18643,20 +18033,10 @@
                 <a:ea typeface="+mn-ea"/>
                 <a:cs typeface="+mn-cs"/>
               </a:rPr>
-              <a:t>then </a:t>
-            </a:r>
-            <a:r>
-              <a:rPr lang="en-US" sz="1200" kern="1200" dirty="0" smtClean="0">
-                <a:solidFill>
-                  <a:schemeClr val="tx1"/>
-                </a:solidFill>
-                <a:effectLst/>
-                <a:latin typeface="+mn-lt"/>
-                <a:ea typeface="+mn-ea"/>
-                <a:cs typeface="+mn-cs"/>
-              </a:rPr>
-              <a:t>OAuth is the way to go. </a:t>
-            </a:r>
+              <a:t>then OAuth is the way to go. </a:t>
+            </a:r>
+          </a:p>
+          <a:p>
             <a:endParaRPr lang="en-US" sz="1200" kern="1200" dirty="0" smtClean="0">
               <a:solidFill>
                 <a:schemeClr val="tx1"/>
@@ -18668,52 +18048,17 @@
             </a:endParaRPr>
           </a:p>
           <a:p>
-            <a:endParaRPr lang="en-US" sz="1200" kern="1200" dirty="0" smtClean="0">
-              <a:solidFill>
-                <a:schemeClr val="tx1"/>
-              </a:solidFill>
-              <a:effectLst/>
-              <a:latin typeface="+mn-lt"/>
-              <a:ea typeface="+mn-ea"/>
-              <a:cs typeface="+mn-cs"/>
-            </a:endParaRPr>
-          </a:p>
-          <a:p>
-            <a:r>
-              <a:rPr lang="en-US" sz="1200" kern="1200" dirty="0" smtClean="0">
-                <a:solidFill>
-                  <a:schemeClr val="tx1"/>
-                </a:solidFill>
-                <a:effectLst/>
-                <a:latin typeface="+mn-lt"/>
-                <a:ea typeface="+mn-ea"/>
-                <a:cs typeface="+mn-cs"/>
-              </a:rPr>
-              <a:t>Also good </a:t>
-            </a:r>
-            <a:r>
-              <a:rPr lang="en-US" sz="1200" kern="1200" dirty="0" smtClean="0">
-                <a:solidFill>
-                  <a:schemeClr val="tx1"/>
-                </a:solidFill>
-                <a:effectLst/>
-                <a:latin typeface="+mn-lt"/>
-                <a:ea typeface="+mn-ea"/>
-                <a:cs typeface="+mn-cs"/>
-              </a:rPr>
-              <a:t>fit if you’re </a:t>
-            </a:r>
-            <a:r>
-              <a:rPr lang="en-US" sz="1200" kern="1200" dirty="0" smtClean="0">
-                <a:solidFill>
-                  <a:schemeClr val="tx1"/>
-                </a:solidFill>
-                <a:effectLst/>
-                <a:latin typeface="+mn-lt"/>
-                <a:ea typeface="+mn-ea"/>
-                <a:cs typeface="+mn-cs"/>
-              </a:rPr>
-              <a:t>supporting </a:t>
+            <a:r>
+              <a:rPr lang="en-US" sz="1200" kern="1200" dirty="0" smtClean="0">
+                <a:solidFill>
+                  <a:schemeClr val="tx1"/>
+                </a:solidFill>
+                <a:effectLst/>
+                <a:latin typeface="+mn-lt"/>
+                <a:ea typeface="+mn-ea"/>
+                <a:cs typeface="+mn-cs"/>
+              </a:rPr>
+              <a:t>Also good fit if you’re supporting </a:t>
             </a:r>
             <a:r>
               <a:rPr lang="en-US" sz="1200" b="1" kern="1200" dirty="0" smtClean="0">
@@ -18935,43 +18280,7 @@
                 <a:ea typeface="+mn-ea"/>
                 <a:cs typeface="+mn-cs"/>
               </a:rPr>
-              <a:t>You might </a:t>
-            </a:r>
-            <a:r>
-              <a:rPr lang="en-US" sz="1200" kern="1200" dirty="0" smtClean="0">
-                <a:solidFill>
-                  <a:schemeClr val="tx1"/>
-                </a:solidFill>
-                <a:effectLst/>
-                <a:latin typeface="+mn-lt"/>
-                <a:ea typeface="+mn-ea"/>
-                <a:cs typeface="+mn-cs"/>
-              </a:rPr>
-              <a:t>also consider </a:t>
-            </a:r>
-            <a:r>
-              <a:rPr lang="en-US" sz="1200" kern="1200" dirty="0" smtClean="0">
-                <a:solidFill>
-                  <a:schemeClr val="tx1"/>
-                </a:solidFill>
-                <a:effectLst/>
-                <a:latin typeface="+mn-lt"/>
-                <a:ea typeface="+mn-ea"/>
-                <a:cs typeface="+mn-cs"/>
-              </a:rPr>
-              <a:t>version 1.0a </a:t>
-            </a:r>
-            <a:r>
-              <a:rPr lang="en-US" sz="1200" kern="1200" dirty="0" smtClean="0">
-                <a:solidFill>
-                  <a:schemeClr val="tx1"/>
-                </a:solidFill>
-                <a:effectLst/>
-                <a:latin typeface="+mn-lt"/>
-                <a:ea typeface="+mn-ea"/>
-                <a:cs typeface="+mn-cs"/>
-              </a:rPr>
-              <a:t>if you want</a:t>
+              <a:t>You might also consider version 1.0a if you want</a:t>
             </a:r>
             <a:r>
               <a:rPr lang="en-US" sz="1200" kern="1200" baseline="0" dirty="0" smtClean="0">
@@ -19380,19 +18689,7 @@
                 <a:ea typeface="+mn-ea"/>
                 <a:cs typeface="+mn-cs"/>
               </a:rPr>
-              <a:t> </a:t>
-            </a:r>
-            <a:r>
-              <a:rPr lang="en-US" sz="1200" kern="1200" dirty="0" smtClean="0">
-                <a:solidFill>
-                  <a:schemeClr val="tx1"/>
-                </a:solidFill>
-                <a:effectLst/>
-                <a:latin typeface="+mn-lt"/>
-                <a:ea typeface="+mn-ea"/>
-                <a:cs typeface="+mn-cs"/>
-              </a:rPr>
-              <a:t>and </a:t>
+              <a:t> and </a:t>
             </a:r>
             <a:r>
               <a:rPr lang="en-US" sz="1200" b="1" kern="1200" dirty="0" smtClean="0">
@@ -19404,19 +18701,7 @@
                 <a:ea typeface="+mn-ea"/>
                 <a:cs typeface="+mn-cs"/>
               </a:rPr>
-              <a:t>less </a:t>
-            </a:r>
-            <a:r>
-              <a:rPr lang="en-US" sz="1200" b="1" kern="1200" dirty="0" smtClean="0">
-                <a:solidFill>
-                  <a:schemeClr val="tx1"/>
-                </a:solidFill>
-                <a:effectLst/>
-                <a:latin typeface="+mn-lt"/>
-                <a:ea typeface="+mn-ea"/>
-                <a:cs typeface="+mn-cs"/>
-              </a:rPr>
-              <a:t>interoperability</a:t>
+              <a:t>less interoperability</a:t>
             </a:r>
             <a:r>
               <a:rPr lang="en-US" sz="1200" kern="1200" dirty="0" smtClean="0">
@@ -19846,19 +19131,7 @@
                 <a:ea typeface="+mn-ea"/>
                 <a:cs typeface="+mn-cs"/>
               </a:rPr>
-              <a:t>Remember that OAuth by itself </a:t>
-            </a:r>
-            <a:r>
-              <a:rPr lang="en-US" sz="1200" kern="1200" dirty="0" smtClean="0">
-                <a:solidFill>
-                  <a:schemeClr val="tx1"/>
-                </a:solidFill>
-                <a:effectLst/>
-                <a:latin typeface="+mn-lt"/>
-                <a:ea typeface="+mn-ea"/>
-                <a:cs typeface="+mn-cs"/>
-              </a:rPr>
-              <a:t>is for </a:t>
+              <a:t>Remember that OAuth by itself is for </a:t>
             </a:r>
             <a:r>
               <a:rPr lang="en-US" sz="1200" b="1" kern="1200" dirty="0" smtClean="0">
@@ -26497,21 +25770,23 @@
           <a:p>
             <a:r>
               <a:rPr lang="en-US" sz="4000" dirty="0" smtClean="0"/>
-              <a:t>No standard format</a:t>
-            </a:r>
+              <a:t>No standard </a:t>
+            </a:r>
+            <a:r>
+              <a:rPr lang="en-US" sz="4000" dirty="0" smtClean="0"/>
+              <a:t>format – usually a GUID</a:t>
+            </a:r>
+            <a:endParaRPr lang="en-US" sz="4000" dirty="0" smtClean="0"/>
           </a:p>
           <a:p>
             <a:pPr lvl="1"/>
             <a:r>
               <a:rPr lang="en-US" sz="3600" dirty="0" smtClean="0"/>
-              <a:t>Usually GUIDs</a:t>
-            </a:r>
-          </a:p>
-          <a:p>
-            <a:pPr lvl="1"/>
+              <a:t>Designed </a:t>
+            </a:r>
             <a:r>
               <a:rPr lang="en-US" sz="3600" dirty="0" smtClean="0"/>
-              <a:t>Designed for computers, not people</a:t>
+              <a:t>for computers, not people</a:t>
             </a:r>
           </a:p>
           <a:p>
@@ -27036,11 +26311,7 @@
           <a:p>
             <a:r>
               <a:rPr lang="en-US" sz="4000" dirty="0" smtClean="0"/>
-              <a:t>Signed requests == sensitive values not </a:t>
-            </a:r>
-            <a:r>
-              <a:rPr lang="en-US" sz="4000" dirty="0" smtClean="0"/>
-              <a:t>transmitted</a:t>
+              <a:t>Signed requests == sensitive values not transmitted</a:t>
             </a:r>
           </a:p>
           <a:p>
@@ -27060,7 +26331,6 @@
               <a:rPr lang="en-US" sz="4000" b="1" dirty="0" smtClean="0"/>
               <a:t>Does not require TLS to keep secret safe</a:t>
             </a:r>
-            <a:endParaRPr lang="en-US" sz="4000" b="1" dirty="0" smtClean="0"/>
           </a:p>
           <a:p>
             <a:endParaRPr lang="en-US" sz="4000" dirty="0" smtClean="0"/>
@@ -28192,8 +27462,9 @@
           <a:p>
             <a:r>
               <a:rPr lang="en-US" sz="4000" dirty="0" smtClean="0"/>
-              <a:t>“refresh” API exchanges expiring key for new one</a:t>
-            </a:r>
+              <a:t>Deactivate key when user logs out</a:t>
+            </a:r>
+            <a:endParaRPr lang="en-US" sz="4000" dirty="0" smtClean="0"/>
           </a:p>
           <a:p>
             <a:endParaRPr lang="en-US" sz="4000" dirty="0"/>
@@ -32403,34 +31674,17 @@
           <a:p>
             <a:r>
               <a:rPr lang="en-US" sz="3600" dirty="0" smtClean="0"/>
-              <a:t>You’re </a:t>
-            </a:r>
+              <a:t>You’re using IIS + Active Directory (or equivalent) to secure a private API on trusted network, or</a:t>
+            </a:r>
+          </a:p>
+          <a:p>
+            <a:endParaRPr lang="en-US" sz="3600" dirty="0"/>
+          </a:p>
+          <a:p>
             <a:r>
               <a:rPr lang="en-US" sz="3600" dirty="0" smtClean="0"/>
-              <a:t>using IIS + Active </a:t>
-            </a:r>
-            <a:r>
-              <a:rPr lang="en-US" sz="3600" dirty="0" smtClean="0"/>
-              <a:t>Directory (or equivalent) </a:t>
-            </a:r>
-            <a:r>
-              <a:rPr lang="en-US" sz="3600" dirty="0" smtClean="0"/>
-              <a:t>to secure a private API on trusted network, or</a:t>
-            </a:r>
-          </a:p>
-          <a:p>
-            <a:endParaRPr lang="en-US" sz="3600" dirty="0"/>
-          </a:p>
-          <a:p>
-            <a:r>
-              <a:rPr lang="en-US" sz="3600" dirty="0" smtClean="0"/>
-              <a:t>You want </a:t>
-            </a:r>
-            <a:r>
-              <a:rPr lang="en-US" sz="3600" dirty="0" smtClean="0"/>
-              <a:t>server-to-server authentication w/out passwords</a:t>
-            </a:r>
-            <a:endParaRPr lang="en-US" sz="3600" dirty="0" smtClean="0"/>
+              <a:t>You want server-to-server authentication w/out passwords</a:t>
+            </a:r>
           </a:p>
           <a:p>
             <a:pPr lvl="1"/>
@@ -32603,13 +31857,8 @@
           <a:p>
             <a:r>
               <a:rPr lang="en-US" sz="3600" dirty="0" smtClean="0"/>
-              <a:t>You don’t care about the login </a:t>
-            </a:r>
-            <a:r>
-              <a:rPr lang="en-US" sz="3600" dirty="0" smtClean="0"/>
-              <a:t>UI, and</a:t>
-            </a:r>
-            <a:endParaRPr lang="en-US" sz="3600" dirty="0" smtClean="0"/>
+              <a:t>You don’t care about the login UI, and</a:t>
+            </a:r>
           </a:p>
           <a:p>
             <a:r>
@@ -32965,25 +32214,15 @@
               <a:rPr lang="en-US" sz="3600" dirty="0" smtClean="0"/>
               <a:t>You value simplicity over security, and</a:t>
             </a:r>
+          </a:p>
+          <a:p>
             <a:endParaRPr lang="en-US" sz="3600" dirty="0" smtClean="0"/>
           </a:p>
           <a:p>
-            <a:endParaRPr lang="en-US" sz="3600" dirty="0" smtClean="0"/>
-          </a:p>
-          <a:p>
             <a:r>
               <a:rPr lang="en-US" sz="3600" dirty="0" smtClean="0"/>
-              <a:t>You </a:t>
-            </a:r>
-            <a:r>
-              <a:rPr lang="en-US" sz="3600" dirty="0" smtClean="0"/>
-              <a:t>can require </a:t>
-            </a:r>
-            <a:r>
-              <a:rPr lang="en-US" sz="3600" dirty="0" smtClean="0"/>
-              <a:t>TLS</a:t>
-            </a:r>
-            <a:endParaRPr lang="en-US" sz="3600" dirty="0" smtClean="0"/>
+              <a:t>You can require TLS</a:t>
+            </a:r>
           </a:p>
           <a:p>
             <a:endParaRPr lang="en-US" sz="3600" dirty="0"/>
@@ -33162,25 +32401,16 @@
           <a:p>
             <a:r>
               <a:rPr lang="en-US" sz="3600" dirty="0" smtClean="0"/>
-              <a:t>You can’t/don’t want to rely on </a:t>
-            </a:r>
+              <a:t>You can’t/don’t want to rely on TLS</a:t>
+            </a:r>
+          </a:p>
+          <a:p>
+            <a:endParaRPr lang="en-US" sz="1600" dirty="0" smtClean="0"/>
+          </a:p>
+          <a:p>
             <a:r>
               <a:rPr lang="en-US" sz="3600" dirty="0" smtClean="0"/>
-              <a:t>TLS</a:t>
-            </a:r>
-            <a:endParaRPr lang="en-US" sz="3600" dirty="0" smtClean="0"/>
-          </a:p>
-          <a:p>
-            <a:endParaRPr lang="en-US" sz="1600" dirty="0" smtClean="0"/>
-          </a:p>
-          <a:p>
-            <a:r>
-              <a:rPr lang="en-US" sz="3600" dirty="0" smtClean="0"/>
-              <a:t>You </a:t>
-            </a:r>
-            <a:r>
-              <a:rPr lang="en-US" sz="3600" dirty="0" smtClean="0"/>
-              <a:t>are writing both client &amp; server</a:t>
+              <a:t>You are writing both client &amp; server</a:t>
             </a:r>
           </a:p>
           <a:p>
@@ -33357,34 +32587,13 @@
           <a:p>
             <a:r>
               <a:rPr lang="en-US" sz="3600" dirty="0" smtClean="0"/>
-              <a:t>Data </a:t>
-            </a:r>
+              <a:t>Data are owned by another party, and</a:t>
+            </a:r>
+          </a:p>
+          <a:p>
             <a:r>
               <a:rPr lang="en-US" sz="3600" dirty="0" smtClean="0"/>
-              <a:t>are</a:t>
-            </a:r>
-            <a:r>
-              <a:rPr lang="en-US" sz="3600" dirty="0" smtClean="0"/>
-              <a:t> </a:t>
-            </a:r>
-            <a:r>
-              <a:rPr lang="en-US" sz="3600" dirty="0" smtClean="0"/>
-              <a:t>owned by another party, </a:t>
-            </a:r>
-            <a:r>
-              <a:rPr lang="en-US" sz="3600" dirty="0" smtClean="0"/>
-              <a:t>and</a:t>
-            </a:r>
-            <a:endParaRPr lang="en-US" sz="3600" dirty="0" smtClean="0"/>
-          </a:p>
-          <a:p>
-            <a:r>
-              <a:rPr lang="en-US" sz="3600" dirty="0" smtClean="0"/>
-              <a:t>You’re </a:t>
-            </a:r>
-            <a:r>
-              <a:rPr lang="en-US" sz="3600" dirty="0" smtClean="0"/>
-              <a:t>writing a web-based app, and</a:t>
+              <a:t>You’re writing a web-based app, and</a:t>
             </a:r>
           </a:p>
           <a:p>
@@ -33561,21 +32770,13 @@
           <a:p>
             <a:r>
               <a:rPr lang="en-US" sz="3600" dirty="0" smtClean="0"/>
-              <a:t>Data are owned </a:t>
-            </a:r>
+              <a:t>Data are owned by another party, and</a:t>
+            </a:r>
+          </a:p>
+          <a:p>
             <a:r>
               <a:rPr lang="en-US" sz="3600" dirty="0" smtClean="0"/>
-              <a:t>by another party, and</a:t>
-            </a:r>
-          </a:p>
-          <a:p>
-            <a:r>
-              <a:rPr lang="en-US" sz="3600" dirty="0" smtClean="0"/>
-              <a:t>You want to avoid complexity of signed requests, </a:t>
-            </a:r>
-            <a:r>
-              <a:rPr lang="en-US" sz="3600" dirty="0" smtClean="0"/>
-              <a:t>or</a:t>
+              <a:t>You want to avoid complexity of signed requests, or</a:t>
             </a:r>
           </a:p>
           <a:p>

--- a/Securing Your API Endpoints - CodeMash 2016.pptx
+++ b/Securing Your API Endpoints - CodeMash 2016.pptx
@@ -280,7 +280,7 @@
           <a:p>
             <a:fld id="{C54A4886-B4AF-42F7-97BE-95CDF82A73E3}" type="datetimeFigureOut">
               <a:rPr lang="en-US" smtClean="0"/>
-              <a:t>1/7/2016</a:t>
+              <a:t>1/8/2016</a:t>
             </a:fld>
             <a:endParaRPr lang="en-US"/>
           </a:p>
@@ -5794,8 +5794,17 @@
                 <a:ea typeface="+mn-ea"/>
                 <a:cs typeface="+mn-cs"/>
               </a:rPr>
-              <a:t>Also in 2013, nearly 400,000 Twitter and Facebook OAuth access tokens were compromised for a social media publishing service called Buffer. Within 10 minutes, spam message ads were posted on behalf of 30,000 compromised users.</a:t>
-            </a:r>
+              <a:t>Also in 2013, nearly 400,000 Twitter and Facebook OAuth access tokens were compromised for a social media publishing service called Buffer. </a:t>
+            </a:r>
+            <a:endParaRPr lang="en-US" sz="1200" kern="1200" dirty="0" smtClean="0">
+              <a:solidFill>
+                <a:schemeClr val="tx1"/>
+              </a:solidFill>
+              <a:effectLst/>
+              <a:latin typeface="+mn-lt"/>
+              <a:ea typeface="+mn-ea"/>
+              <a:cs typeface="+mn-cs"/>
+            </a:endParaRPr>
           </a:p>
           <a:p>
             <a:pPr marL="0" marR="0" indent="0" algn="l" defTabSz="914400" rtl="0" eaLnBrk="1" fontAlgn="auto" latinLnBrk="0" hangingPunct="1">
@@ -5853,8 +5862,160 @@
                 <a:ea typeface="+mn-ea"/>
                 <a:cs typeface="+mn-cs"/>
               </a:rPr>
-              <a:t>Quickly identified, but even in 10 minutes damage could have been worse. </a:t>
-            </a:r>
+              <a:t>Within </a:t>
+            </a:r>
+            <a:r>
+              <a:rPr lang="en-US" sz="1200" kern="1200" dirty="0" smtClean="0">
+                <a:solidFill>
+                  <a:schemeClr val="tx1"/>
+                </a:solidFill>
+                <a:effectLst/>
+                <a:latin typeface="+mn-lt"/>
+                <a:ea typeface="+mn-ea"/>
+                <a:cs typeface="+mn-cs"/>
+              </a:rPr>
+              <a:t>10 minutes, spam message ads were posted on behalf of 30,000 compromised users.</a:t>
+            </a:r>
+          </a:p>
+          <a:p>
+            <a:pPr marL="0" marR="0" indent="0" algn="l" defTabSz="914400" rtl="0" eaLnBrk="1" fontAlgn="auto" latinLnBrk="0" hangingPunct="1">
+              <a:lnSpc>
+                <a:spcPct val="100000"/>
+              </a:lnSpc>
+              <a:spcBef>
+                <a:spcPts val="0"/>
+              </a:spcBef>
+              <a:spcAft>
+                <a:spcPts val="0"/>
+              </a:spcAft>
+              <a:buClrTx/>
+              <a:buSzTx/>
+              <a:buFontTx/>
+              <a:buNone/>
+              <a:tabLst/>
+              <a:defRPr/>
+            </a:pPr>
+            <a:endParaRPr lang="en-US" sz="1200" kern="1200" dirty="0" smtClean="0">
+              <a:solidFill>
+                <a:schemeClr val="tx1"/>
+              </a:solidFill>
+              <a:effectLst/>
+              <a:latin typeface="+mn-lt"/>
+              <a:ea typeface="+mn-ea"/>
+              <a:cs typeface="+mn-cs"/>
+            </a:endParaRPr>
+          </a:p>
+          <a:p>
+            <a:pPr marL="0" marR="0" indent="0" algn="l" defTabSz="914400" rtl="0" eaLnBrk="1" fontAlgn="auto" latinLnBrk="0" hangingPunct="1">
+              <a:lnSpc>
+                <a:spcPct val="100000"/>
+              </a:lnSpc>
+              <a:spcBef>
+                <a:spcPts val="0"/>
+              </a:spcBef>
+              <a:spcAft>
+                <a:spcPts val="0"/>
+              </a:spcAft>
+              <a:buClrTx/>
+              <a:buSzTx/>
+              <a:buFontTx/>
+              <a:buNone/>
+              <a:tabLst/>
+              <a:defRPr/>
+            </a:pPr>
+            <a:r>
+              <a:rPr lang="en-US" sz="1200" kern="1200" dirty="0" smtClean="0">
+                <a:solidFill>
+                  <a:schemeClr val="tx1"/>
+                </a:solidFill>
+                <a:effectLst/>
+                <a:latin typeface="+mn-lt"/>
+                <a:ea typeface="+mn-ea"/>
+                <a:cs typeface="+mn-cs"/>
+              </a:rPr>
+              <a:t>Also</a:t>
+            </a:r>
+            <a:r>
+              <a:rPr lang="en-US" sz="1200" kern="1200" baseline="0" dirty="0" smtClean="0">
+                <a:solidFill>
+                  <a:schemeClr val="tx1"/>
+                </a:solidFill>
+                <a:effectLst/>
+                <a:latin typeface="+mn-lt"/>
+                <a:ea typeface="+mn-ea"/>
+                <a:cs typeface="+mn-cs"/>
+              </a:rPr>
+              <a:t> shut down quickly</a:t>
+            </a:r>
+            <a:r>
+              <a:rPr lang="en-US" sz="1200" kern="1200" dirty="0" smtClean="0">
+                <a:solidFill>
+                  <a:schemeClr val="tx1"/>
+                </a:solidFill>
+                <a:effectLst/>
+                <a:latin typeface="+mn-lt"/>
+                <a:ea typeface="+mn-ea"/>
+                <a:cs typeface="+mn-cs"/>
+              </a:rPr>
+              <a:t>, </a:t>
+            </a:r>
+            <a:r>
+              <a:rPr lang="en-US" sz="1200" kern="1200" dirty="0" smtClean="0">
+                <a:solidFill>
+                  <a:schemeClr val="tx1"/>
+                </a:solidFill>
+                <a:effectLst/>
+                <a:latin typeface="+mn-lt"/>
+                <a:ea typeface="+mn-ea"/>
+                <a:cs typeface="+mn-cs"/>
+              </a:rPr>
+              <a:t>but </a:t>
+            </a:r>
+            <a:r>
+              <a:rPr lang="en-US" sz="1200" b="1" kern="1200" dirty="0" smtClean="0">
+                <a:solidFill>
+                  <a:schemeClr val="tx1"/>
+                </a:solidFill>
+                <a:effectLst/>
+                <a:latin typeface="+mn-lt"/>
+                <a:ea typeface="+mn-ea"/>
+                <a:cs typeface="+mn-cs"/>
+              </a:rPr>
+              <a:t>even in 10 minutes</a:t>
+            </a:r>
+            <a:r>
+              <a:rPr lang="en-US" sz="1200" kern="1200" dirty="0" smtClean="0">
+                <a:solidFill>
+                  <a:schemeClr val="tx1"/>
+                </a:solidFill>
+                <a:effectLst/>
+                <a:latin typeface="+mn-lt"/>
+                <a:ea typeface="+mn-ea"/>
+                <a:cs typeface="+mn-cs"/>
+              </a:rPr>
+              <a:t> damage could have </a:t>
+            </a:r>
+            <a:r>
+              <a:rPr lang="en-US" sz="1200" kern="1200" dirty="0" smtClean="0">
+                <a:solidFill>
+                  <a:schemeClr val="tx1"/>
+                </a:solidFill>
+                <a:effectLst/>
+                <a:latin typeface="+mn-lt"/>
+                <a:ea typeface="+mn-ea"/>
+                <a:cs typeface="+mn-cs"/>
+              </a:rPr>
+              <a:t>far exceeded spam ads. </a:t>
+            </a:r>
+            <a:endParaRPr lang="en-US" sz="1200" kern="1200" dirty="0" smtClean="0">
+              <a:solidFill>
+                <a:schemeClr val="tx1"/>
+              </a:solidFill>
+              <a:effectLst/>
+              <a:latin typeface="+mn-lt"/>
+              <a:ea typeface="+mn-ea"/>
+              <a:cs typeface="+mn-cs"/>
+            </a:endParaRPr>
           </a:p>
           <a:p>
             <a:pPr marL="171450" marR="0" indent="-171450" algn="l" defTabSz="914400" rtl="0" eaLnBrk="1" fontAlgn="auto" latinLnBrk="0" hangingPunct="1">
@@ -5896,8 +6057,17 @@
                 <a:ea typeface="+mn-ea"/>
                 <a:cs typeface="+mn-cs"/>
               </a:rPr>
-              <a:t> financial markets / panic / malware</a:t>
-            </a:r>
+              <a:t> financial markets </a:t>
+            </a:r>
+            <a:endParaRPr lang="en-US" sz="1200" kern="1200" baseline="0" dirty="0" smtClean="0">
+              <a:solidFill>
+                <a:schemeClr val="tx1"/>
+              </a:solidFill>
+              <a:effectLst/>
+              <a:latin typeface="+mn-lt"/>
+              <a:ea typeface="+mn-ea"/>
+              <a:cs typeface="+mn-cs"/>
+            </a:endParaRPr>
           </a:p>
           <a:p>
             <a:pPr marL="171450" marR="0" indent="-171450" algn="l" defTabSz="914400" rtl="0" eaLnBrk="1" fontAlgn="auto" latinLnBrk="0" hangingPunct="1">
@@ -5927,7 +6097,7 @@
                 <a:ea typeface="+mn-ea"/>
                 <a:cs typeface="+mn-cs"/>
               </a:rPr>
-              <a:t>Incite panic</a:t>
+              <a:t>Incited panic</a:t>
             </a:r>
           </a:p>
           <a:p>
@@ -5949,18 +6119,6 @@
               <a:defRPr/>
             </a:pPr>
             <a:r>
-              <a:rPr lang="en-US" sz="1200" kern="1200" dirty="0" smtClean="0">
-                <a:solidFill>
-                  <a:schemeClr val="tx1"/>
-                </a:solidFill>
-                <a:effectLst/>
-                <a:latin typeface="+mn-lt"/>
-                <a:ea typeface="+mn-ea"/>
-                <a:cs typeface="+mn-cs"/>
-              </a:rPr>
-              <a:t>Spread</a:t>
-            </a:r>
-            <a:r>
               <a:rPr lang="en-US" sz="1200" kern="1200" baseline="0" dirty="0" smtClean="0">
                 <a:solidFill>
                   <a:schemeClr val="tx1"/>
@@ -5970,8 +6128,55 @@
                 <a:ea typeface="+mn-ea"/>
                 <a:cs typeface="+mn-cs"/>
               </a:rPr>
-              <a:t> malware</a:t>
-            </a:r>
+              <a:t>Spread malware</a:t>
+            </a:r>
+          </a:p>
+          <a:p>
+            <a:pPr marL="171450" marR="0" indent="-171450" algn="l" defTabSz="914400" rtl="0" eaLnBrk="1" fontAlgn="auto" latinLnBrk="0" hangingPunct="1">
+              <a:lnSpc>
+                <a:spcPct val="100000"/>
+              </a:lnSpc>
+              <a:spcBef>
+                <a:spcPts val="0"/>
+              </a:spcBef>
+              <a:spcAft>
+                <a:spcPts val="0"/>
+              </a:spcAft>
+              <a:buClrTx/>
+              <a:buSzTx/>
+              <a:buFont typeface="Arial" panose="020B0604020202020204" pitchFamily="34" charset="0"/>
+              <a:buChar char="•"/>
+              <a:tabLst/>
+              <a:defRPr/>
+            </a:pPr>
+            <a:endParaRPr lang="en-US" sz="1200" kern="1200" baseline="0" dirty="0" smtClean="0">
+              <a:solidFill>
+                <a:schemeClr val="tx1"/>
+              </a:solidFill>
+              <a:effectLst/>
+              <a:latin typeface="+mn-lt"/>
+              <a:ea typeface="+mn-ea"/>
+              <a:cs typeface="+mn-cs"/>
+            </a:endParaRPr>
+          </a:p>
+          <a:p>
+            <a:pPr marL="0" marR="0" indent="0" algn="l" defTabSz="914400" rtl="0" eaLnBrk="1" fontAlgn="auto" latinLnBrk="0" hangingPunct="1">
+              <a:lnSpc>
+                <a:spcPct val="100000"/>
+              </a:lnSpc>
+              <a:spcBef>
+                <a:spcPts val="0"/>
+              </a:spcBef>
+              <a:spcAft>
+                <a:spcPts val="0"/>
+              </a:spcAft>
+              <a:buClrTx/>
+              <a:buSzTx/>
+              <a:buFont typeface="Arial" panose="020B0604020202020204" pitchFamily="34" charset="0"/>
+              <a:buNone/>
+              <a:tabLst/>
+              <a:defRPr/>
+            </a:pPr>
             <a:endParaRPr lang="en-US" sz="1200" kern="1200" dirty="0" smtClean="0">
               <a:solidFill>
                 <a:schemeClr val="tx1"/>
@@ -6381,69 +6586,6 @@
               <a:t> </a:t>
             </a:r>
           </a:p>
-          <a:p>
-            <a:r>
-              <a:rPr lang="en-US" sz="1200" kern="1200" dirty="0" smtClean="0">
-                <a:solidFill>
-                  <a:schemeClr val="tx1"/>
-                </a:solidFill>
-                <a:effectLst/>
-                <a:latin typeface="+mn-lt"/>
-                <a:ea typeface="+mn-ea"/>
-                <a:cs typeface="+mn-cs"/>
-              </a:rPr>
-              <a:t>Signed requests ARE</a:t>
-            </a:r>
-            <a:r>
-              <a:rPr lang="en-US" sz="1200" kern="1200" baseline="0" dirty="0" smtClean="0">
-                <a:solidFill>
-                  <a:schemeClr val="tx1"/>
-                </a:solidFill>
-                <a:effectLst/>
-                <a:latin typeface="+mn-lt"/>
-                <a:ea typeface="+mn-ea"/>
-                <a:cs typeface="+mn-cs"/>
-              </a:rPr>
-              <a:t> subject to replay attacks</a:t>
-            </a:r>
-          </a:p>
-          <a:p>
-            <a:pPr marL="171450" indent="-171450">
-              <a:buFont typeface="Arial" panose="020B0604020202020204" pitchFamily="34" charset="0"/>
-              <a:buChar char="•"/>
-            </a:pPr>
-            <a:r>
-              <a:rPr lang="en-US" sz="1200" kern="1200" baseline="0" dirty="0" smtClean="0">
-                <a:solidFill>
-                  <a:schemeClr val="tx1"/>
-                </a:solidFill>
-                <a:effectLst/>
-                <a:latin typeface="+mn-lt"/>
-                <a:ea typeface="+mn-ea"/>
-                <a:cs typeface="+mn-cs"/>
-              </a:rPr>
-              <a:t>Add timestamp</a:t>
-            </a:r>
-          </a:p>
-          <a:p>
-            <a:pPr marL="171450" indent="-171450">
-              <a:buFont typeface="Arial" panose="020B0604020202020204" pitchFamily="34" charset="0"/>
-              <a:buChar char="•"/>
-            </a:pPr>
-            <a:r>
-              <a:rPr lang="en-US" sz="1200" kern="1200" baseline="0" dirty="0" smtClean="0">
-                <a:solidFill>
-                  <a:schemeClr val="tx1"/>
-                </a:solidFill>
-                <a:effectLst/>
-                <a:latin typeface="+mn-lt"/>
-                <a:ea typeface="+mn-ea"/>
-                <a:cs typeface="+mn-cs"/>
-              </a:rPr>
-              <a:t>Or just use TLS, which has anti-relay measures built in</a:t>
-            </a:r>
-            <a:endParaRPr lang="en-US" dirty="0"/>
-          </a:p>
         </p:txBody>
       </p:sp>
       <p:sp>
@@ -6802,19 +6944,7 @@
                 <a:ea typeface="+mn-ea"/>
                 <a:cs typeface="+mn-cs"/>
               </a:rPr>
-              <a:t> created with the </a:t>
-            </a:r>
-            <a:r>
-              <a:rPr lang="en-US" sz="1200" kern="1200" dirty="0" smtClean="0">
-                <a:solidFill>
-                  <a:schemeClr val="tx1"/>
-                </a:solidFill>
-                <a:effectLst/>
-                <a:latin typeface="+mn-lt"/>
-                <a:ea typeface="+mn-ea"/>
-                <a:cs typeface="+mn-cs"/>
-              </a:rPr>
-              <a:t>secret value</a:t>
+              <a:t> created with the secret value</a:t>
             </a:r>
           </a:p>
           <a:p>
@@ -6832,19 +6962,7 @@
                 <a:ea typeface="+mn-ea"/>
                 <a:cs typeface="+mn-cs"/>
               </a:rPr>
-              <a:t>An pointer to </a:t>
-            </a:r>
-            <a:r>
-              <a:rPr lang="en-US" sz="1200" kern="1200" dirty="0" smtClean="0">
-                <a:solidFill>
-                  <a:schemeClr val="tx1"/>
-                </a:solidFill>
-                <a:effectLst/>
-                <a:latin typeface="+mn-lt"/>
-                <a:ea typeface="+mn-ea"/>
-                <a:cs typeface="+mn-cs"/>
-              </a:rPr>
-              <a:t>the </a:t>
+              <a:t>An pointer to the </a:t>
             </a:r>
             <a:r>
               <a:rPr lang="en-US" sz="1200" b="1" kern="1200" dirty="0" smtClean="0">
@@ -6946,19 +7064,7 @@
                 <a:ea typeface="+mn-ea"/>
                 <a:cs typeface="+mn-cs"/>
               </a:rPr>
-              <a:t>If </a:t>
-            </a:r>
-            <a:r>
-              <a:rPr lang="en-US" sz="1200" kern="1200" dirty="0" smtClean="0">
-                <a:solidFill>
-                  <a:schemeClr val="tx1"/>
-                </a:solidFill>
-                <a:effectLst/>
-                <a:latin typeface="+mn-lt"/>
-                <a:ea typeface="+mn-ea"/>
-                <a:cs typeface="+mn-cs"/>
-              </a:rPr>
-              <a:t>you build an HMAC system you’ll </a:t>
+              <a:t>If you build an HMAC system you’ll </a:t>
             </a:r>
             <a:r>
               <a:rPr lang="en-US" sz="1200" b="1" kern="1200" dirty="0" smtClean="0">
@@ -6982,19 +7088,7 @@
                 <a:ea typeface="+mn-ea"/>
                 <a:cs typeface="+mn-cs"/>
               </a:rPr>
-              <a:t> what to use as the identifier and what to use as the secret value</a:t>
-            </a:r>
-            <a:r>
-              <a:rPr lang="en-US" sz="1200" kern="1200" dirty="0" smtClean="0">
-                <a:solidFill>
-                  <a:schemeClr val="tx1"/>
-                </a:solidFill>
-                <a:effectLst/>
-                <a:latin typeface="+mn-lt"/>
-                <a:ea typeface="+mn-ea"/>
-                <a:cs typeface="+mn-cs"/>
-              </a:rPr>
-              <a:t>.</a:t>
+              <a:t> what to use as the identifier and what to use as the secret value.</a:t>
             </a:r>
           </a:p>
           <a:p>
@@ -7245,19 +7339,7 @@
                 <a:ea typeface="+mn-ea"/>
                 <a:cs typeface="+mn-cs"/>
               </a:rPr>
-              <a:t>Whatever </a:t>
-            </a:r>
-            <a:r>
-              <a:rPr lang="en-US" sz="1200" kern="1200" dirty="0" smtClean="0">
-                <a:solidFill>
-                  <a:schemeClr val="tx1"/>
-                </a:solidFill>
-                <a:effectLst/>
-                <a:latin typeface="+mn-lt"/>
-                <a:ea typeface="+mn-ea"/>
-                <a:cs typeface="+mn-cs"/>
-              </a:rPr>
-              <a:t>value you choose to use as the secret, it must be stored in </a:t>
+              <a:t>Whatever value you choose to use as the secret, it must be stored in </a:t>
             </a:r>
             <a:r>
               <a:rPr lang="en-US" sz="1200" b="1" kern="1200" dirty="0" smtClean="0">
@@ -7281,19 +7363,7 @@
                 <a:ea typeface="+mn-ea"/>
                 <a:cs typeface="+mn-cs"/>
               </a:rPr>
-              <a:t>. </a:t>
-            </a:r>
-            <a:r>
-              <a:rPr lang="en-US" sz="1200" kern="1200" dirty="0" smtClean="0">
-                <a:solidFill>
-                  <a:schemeClr val="tx1"/>
-                </a:solidFill>
-                <a:effectLst/>
-                <a:latin typeface="+mn-lt"/>
-                <a:ea typeface="+mn-ea"/>
-                <a:cs typeface="+mn-cs"/>
-              </a:rPr>
-              <a:t>App needs it</a:t>
+              <a:t>. App needs it</a:t>
             </a:r>
             <a:r>
               <a:rPr lang="en-US" sz="1200" kern="1200" baseline="0" dirty="0" smtClean="0">
@@ -7449,19 +7519,7 @@
                 <a:ea typeface="+mn-ea"/>
                 <a:cs typeface="+mn-cs"/>
               </a:rPr>
-              <a:t>approach </a:t>
-            </a:r>
-            <a:r>
-              <a:rPr lang="en-US" sz="1200" kern="1200" dirty="0" smtClean="0">
-                <a:solidFill>
-                  <a:schemeClr val="tx1"/>
-                </a:solidFill>
-                <a:effectLst/>
-                <a:latin typeface="+mn-lt"/>
-                <a:ea typeface="+mn-ea"/>
-                <a:cs typeface="+mn-cs"/>
-              </a:rPr>
-              <a:t>is to issue API Keys as a </a:t>
+              <a:t>approach is to issue API Keys as a </a:t>
             </a:r>
             <a:r>
               <a:rPr lang="en-US" sz="1200" b="1" kern="1200" dirty="0" smtClean="0">
@@ -7485,19 +7543,7 @@
                 <a:ea typeface="+mn-ea"/>
                 <a:cs typeface="+mn-cs"/>
               </a:rPr>
-              <a:t> of </a:t>
-            </a:r>
-            <a:r>
-              <a:rPr lang="en-US" sz="1200" kern="1200" dirty="0" smtClean="0">
-                <a:solidFill>
-                  <a:schemeClr val="tx1"/>
-                </a:solidFill>
-                <a:effectLst/>
-                <a:latin typeface="+mn-lt"/>
-                <a:ea typeface="+mn-ea"/>
-                <a:cs typeface="+mn-cs"/>
-              </a:rPr>
-              <a:t>values</a:t>
+              <a:t> of values</a:t>
             </a:r>
           </a:p>
           <a:p>
@@ -7515,29 +7561,8 @@
                 <a:ea typeface="+mn-ea"/>
                 <a:cs typeface="+mn-cs"/>
               </a:rPr>
-              <a:t>Public </a:t>
-            </a:r>
-            <a:r>
-              <a:rPr lang="en-US" sz="1200" kern="1200" dirty="0" smtClean="0">
-                <a:solidFill>
-                  <a:schemeClr val="tx1"/>
-                </a:solidFill>
-                <a:effectLst/>
-                <a:latin typeface="+mn-lt"/>
-                <a:ea typeface="+mn-ea"/>
-                <a:cs typeface="+mn-cs"/>
-              </a:rPr>
-              <a:t>API key, that is transmitted over the wire </a:t>
-            </a:r>
-            <a:endParaRPr lang="en-US" sz="1200" kern="1200" dirty="0" smtClean="0">
-              <a:solidFill>
-                <a:schemeClr val="tx1"/>
-              </a:solidFill>
-              <a:effectLst/>
-              <a:latin typeface="+mn-lt"/>
-              <a:ea typeface="+mn-ea"/>
-              <a:cs typeface="+mn-cs"/>
-            </a:endParaRPr>
+              <a:t>Public API key, that is transmitted over the wire </a:t>
+            </a:r>
           </a:p>
           <a:p>
             <a:pPr marL="171450" indent="-171450">
@@ -7554,19 +7579,7 @@
                 <a:ea typeface="+mn-ea"/>
                 <a:cs typeface="+mn-cs"/>
               </a:rPr>
-              <a:t>Private </a:t>
-            </a:r>
-            <a:r>
-              <a:rPr lang="en-US" sz="1200" kern="1200" dirty="0" smtClean="0">
-                <a:solidFill>
-                  <a:schemeClr val="tx1"/>
-                </a:solidFill>
-                <a:effectLst/>
-                <a:latin typeface="+mn-lt"/>
-                <a:ea typeface="+mn-ea"/>
-                <a:cs typeface="+mn-cs"/>
-              </a:rPr>
-              <a:t>key that is only known by the client and server. </a:t>
+              <a:t>Private key that is only known by the client and server. </a:t>
             </a:r>
           </a:p>
           <a:p>
@@ -7717,19 +7730,7 @@
                 <a:ea typeface="+mn-ea"/>
                 <a:cs typeface="+mn-cs"/>
               </a:rPr>
-              <a:t>There’s one other detail of an HMAC implementation that you need to think </a:t>
-            </a:r>
-            <a:r>
-              <a:rPr lang="en-US" sz="1200" kern="1200" dirty="0" smtClean="0">
-                <a:solidFill>
-                  <a:schemeClr val="tx1"/>
-                </a:solidFill>
-                <a:effectLst/>
-                <a:latin typeface="+mn-lt"/>
-                <a:ea typeface="+mn-ea"/>
-                <a:cs typeface="+mn-cs"/>
-              </a:rPr>
-              <a:t>about: </a:t>
+              <a:t>There’s one other detail of an HMAC implementation that you need to think about: </a:t>
             </a:r>
             <a:r>
               <a:rPr lang="en-US" sz="1200" b="1" kern="1200" dirty="0" smtClean="0">
@@ -7790,19 +7791,7 @@
                 <a:ea typeface="+mn-ea"/>
                 <a:cs typeface="+mn-cs"/>
               </a:rPr>
-              <a:t>If </a:t>
-            </a:r>
-            <a:r>
-              <a:rPr lang="en-US" sz="1200" kern="1200" dirty="0" smtClean="0">
-                <a:solidFill>
-                  <a:schemeClr val="tx1"/>
-                </a:solidFill>
-                <a:effectLst/>
-                <a:latin typeface="+mn-lt"/>
-                <a:ea typeface="+mn-ea"/>
-                <a:cs typeface="+mn-cs"/>
-              </a:rPr>
-              <a:t>you’re writing a </a:t>
+              <a:t>If you’re writing a </a:t>
             </a:r>
             <a:r>
               <a:rPr lang="en-US" sz="1200" b="1" kern="1200" dirty="0" smtClean="0">
@@ -8010,43 +7999,19 @@
                 <a:ea typeface="+mn-ea"/>
                 <a:cs typeface="+mn-cs"/>
               </a:rPr>
-              <a:t>Return </a:t>
-            </a:r>
-            <a:r>
-              <a:rPr lang="en-US" sz="1200" b="1" kern="1200" dirty="0" smtClean="0">
-                <a:solidFill>
-                  <a:schemeClr val="tx1"/>
-                </a:solidFill>
-                <a:effectLst/>
-                <a:latin typeface="+mn-lt"/>
-                <a:ea typeface="+mn-ea"/>
-                <a:cs typeface="+mn-cs"/>
-              </a:rPr>
-              <a:t>the key in response to a successful login</a:t>
-            </a:r>
-            <a:r>
-              <a:rPr lang="en-US" sz="1200" kern="1200" dirty="0" smtClean="0">
-                <a:solidFill>
-                  <a:schemeClr val="tx1"/>
-                </a:solidFill>
-                <a:effectLst/>
-                <a:latin typeface="+mn-lt"/>
-                <a:ea typeface="+mn-ea"/>
-                <a:cs typeface="+mn-cs"/>
-              </a:rPr>
-              <a:t>, as you can see here. The browser or app collects the actual user password from the user and submits it as a POST over SSL. If the login is successful, the server returns a response that includes the key. The client then saves the key in memory or local storage of some kind. Now that the client has the key, subsequent requests can be made without SSL</a:t>
-            </a:r>
-            <a:r>
-              <a:rPr lang="en-US" sz="1200" kern="1200" dirty="0" smtClean="0">
-                <a:solidFill>
-                  <a:schemeClr val="tx1"/>
-                </a:solidFill>
-                <a:effectLst/>
-                <a:latin typeface="+mn-lt"/>
-                <a:ea typeface="+mn-ea"/>
-                <a:cs typeface="+mn-cs"/>
-              </a:rPr>
-              <a:t>.</a:t>
+              <a:t>Return the key in response to a successful login</a:t>
+            </a:r>
+            <a:r>
+              <a:rPr lang="en-US" sz="1200" kern="1200" dirty="0" smtClean="0">
+                <a:solidFill>
+                  <a:schemeClr val="tx1"/>
+                </a:solidFill>
+                <a:effectLst/>
+                <a:latin typeface="+mn-lt"/>
+                <a:ea typeface="+mn-ea"/>
+                <a:cs typeface="+mn-cs"/>
+              </a:rPr>
+              <a:t>, as you can see here. The browser or app collects the actual user password from the user and submits it as a POST over SSL. If the login is successful, the server returns a response that includes the key. The client then saves the key in memory or local storage of some kind. Now that the client has the key, subsequent requests can be made without SSL.</a:t>
             </a:r>
           </a:p>
           <a:p>
@@ -8169,55 +8134,7 @@
                 <a:ea typeface="+mn-ea"/>
                 <a:cs typeface="+mn-cs"/>
               </a:rPr>
-              <a:t>Since private </a:t>
-            </a:r>
-            <a:r>
-              <a:rPr lang="en-US" sz="1200" kern="1200" dirty="0" smtClean="0">
-                <a:solidFill>
-                  <a:schemeClr val="tx1"/>
-                </a:solidFill>
-                <a:effectLst/>
-                <a:latin typeface="+mn-lt"/>
-                <a:ea typeface="+mn-ea"/>
-                <a:cs typeface="+mn-cs"/>
-              </a:rPr>
-              <a:t>keys are </a:t>
-            </a:r>
-            <a:r>
-              <a:rPr lang="en-US" sz="1200" kern="1200" dirty="0" smtClean="0">
-                <a:solidFill>
-                  <a:schemeClr val="tx1"/>
-                </a:solidFill>
-                <a:effectLst/>
-                <a:latin typeface="+mn-lt"/>
-                <a:ea typeface="+mn-ea"/>
-                <a:cs typeface="+mn-cs"/>
-              </a:rPr>
-              <a:t>important</a:t>
-            </a:r>
-            <a:r>
-              <a:rPr lang="en-US" sz="1200" kern="1200" dirty="0" smtClean="0">
-                <a:solidFill>
-                  <a:schemeClr val="tx1"/>
-                </a:solidFill>
-                <a:effectLst/>
-                <a:latin typeface="+mn-lt"/>
-                <a:ea typeface="+mn-ea"/>
-                <a:cs typeface="+mn-cs"/>
-              </a:rPr>
-              <a:t>, you need to take care when exposing them </a:t>
-            </a:r>
-            <a:r>
-              <a:rPr lang="en-US" sz="1200" kern="1200" dirty="0" smtClean="0">
-                <a:solidFill>
-                  <a:schemeClr val="tx1"/>
-                </a:solidFill>
-                <a:effectLst/>
-                <a:latin typeface="+mn-lt"/>
-                <a:ea typeface="+mn-ea"/>
-                <a:cs typeface="+mn-cs"/>
-              </a:rPr>
-              <a:t>to theft or misuse. </a:t>
+              <a:t>Since private keys are important, you need to take care when exposing them to theft or misuse. </a:t>
             </a:r>
           </a:p>
           <a:p>
@@ -8242,67 +8159,7 @@
                 <a:ea typeface="+mn-ea"/>
                 <a:cs typeface="+mn-cs"/>
               </a:rPr>
-              <a:t>The </a:t>
-            </a:r>
-            <a:r>
-              <a:rPr lang="en-US" sz="1200" kern="1200" dirty="0" smtClean="0">
-                <a:solidFill>
-                  <a:schemeClr val="tx1"/>
-                </a:solidFill>
-                <a:effectLst/>
-                <a:latin typeface="+mn-lt"/>
-                <a:ea typeface="+mn-ea"/>
-                <a:cs typeface="+mn-cs"/>
-              </a:rPr>
-              <a:t>moment you store </a:t>
-            </a:r>
-            <a:r>
-              <a:rPr lang="en-US" sz="1200" kern="1200" dirty="0" smtClean="0">
-                <a:solidFill>
-                  <a:schemeClr val="tx1"/>
-                </a:solidFill>
-                <a:effectLst/>
-                <a:latin typeface="+mn-lt"/>
-                <a:ea typeface="+mn-ea"/>
-                <a:cs typeface="+mn-cs"/>
-              </a:rPr>
-              <a:t>key </a:t>
-            </a:r>
-            <a:r>
-              <a:rPr lang="en-US" sz="1200" kern="1200" dirty="0" smtClean="0">
-                <a:solidFill>
-                  <a:schemeClr val="tx1"/>
-                </a:solidFill>
-                <a:effectLst/>
-                <a:latin typeface="+mn-lt"/>
-                <a:ea typeface="+mn-ea"/>
-                <a:cs typeface="+mn-cs"/>
-              </a:rPr>
-              <a:t>in </a:t>
-            </a:r>
-            <a:r>
-              <a:rPr lang="en-US" sz="1200" kern="1200" dirty="0" smtClean="0">
-                <a:solidFill>
-                  <a:schemeClr val="tx1"/>
-                </a:solidFill>
-                <a:effectLst/>
-                <a:latin typeface="+mn-lt"/>
-                <a:ea typeface="+mn-ea"/>
-                <a:cs typeface="+mn-cs"/>
-              </a:rPr>
-              <a:t>phone’s </a:t>
-            </a:r>
-            <a:r>
-              <a:rPr lang="en-US" sz="1200" kern="1200" dirty="0" smtClean="0">
-                <a:solidFill>
-                  <a:schemeClr val="tx1"/>
-                </a:solidFill>
-                <a:effectLst/>
-                <a:latin typeface="+mn-lt"/>
-                <a:ea typeface="+mn-ea"/>
-                <a:cs typeface="+mn-cs"/>
-              </a:rPr>
-              <a:t>memory or in the </a:t>
+              <a:t>The moment you store key in phone’s memory or in the </a:t>
             </a:r>
             <a:r>
               <a:rPr lang="en-US" sz="1200" kern="1200" dirty="0" err="1" smtClean="0">
@@ -8326,19 +8183,7 @@
                 <a:ea typeface="+mn-ea"/>
                 <a:cs typeface="+mn-cs"/>
               </a:rPr>
-              <a:t> of some </a:t>
-            </a:r>
-            <a:r>
-              <a:rPr lang="en-US" sz="1200" kern="1200" dirty="0" smtClean="0">
-                <a:solidFill>
-                  <a:schemeClr val="tx1"/>
-                </a:solidFill>
-                <a:effectLst/>
-                <a:latin typeface="+mn-lt"/>
-                <a:ea typeface="+mn-ea"/>
-                <a:cs typeface="+mn-cs"/>
-              </a:rPr>
-              <a:t>browser you </a:t>
+              <a:t> of some browser you </a:t>
             </a:r>
             <a:r>
               <a:rPr lang="en-US" sz="1200" b="1" kern="1200" dirty="0" smtClean="0">
@@ -8350,43 +8195,19 @@
                 <a:ea typeface="+mn-ea"/>
                 <a:cs typeface="+mn-cs"/>
               </a:rPr>
-              <a:t>creating </a:t>
-            </a:r>
-            <a:r>
-              <a:rPr lang="en-US" sz="1200" b="1" kern="1200" dirty="0" smtClean="0">
-                <a:solidFill>
-                  <a:schemeClr val="tx1"/>
-                </a:solidFill>
-                <a:effectLst/>
-                <a:latin typeface="+mn-lt"/>
-                <a:ea typeface="+mn-ea"/>
-                <a:cs typeface="+mn-cs"/>
-              </a:rPr>
-              <a:t>the possibility</a:t>
-            </a:r>
-            <a:r>
-              <a:rPr lang="en-US" sz="1200" kern="1200" dirty="0" smtClean="0">
-                <a:solidFill>
-                  <a:schemeClr val="tx1"/>
-                </a:solidFill>
-                <a:effectLst/>
-                <a:latin typeface="+mn-lt"/>
-                <a:ea typeface="+mn-ea"/>
-                <a:cs typeface="+mn-cs"/>
-              </a:rPr>
-              <a:t> that it might get leaked or stolen</a:t>
-            </a:r>
-            <a:r>
-              <a:rPr lang="en-US" sz="1200" kern="1200" dirty="0" smtClean="0">
-                <a:solidFill>
-                  <a:schemeClr val="tx1"/>
-                </a:solidFill>
-                <a:effectLst/>
-                <a:latin typeface="+mn-lt"/>
-                <a:ea typeface="+mn-ea"/>
-                <a:cs typeface="+mn-cs"/>
-              </a:rPr>
-              <a:t>.</a:t>
+              <a:t>creating the possibility</a:t>
+            </a:r>
+            <a:r>
+              <a:rPr lang="en-US" sz="1200" kern="1200" dirty="0" smtClean="0">
+                <a:solidFill>
+                  <a:schemeClr val="tx1"/>
+                </a:solidFill>
+                <a:effectLst/>
+                <a:latin typeface="+mn-lt"/>
+                <a:ea typeface="+mn-ea"/>
+                <a:cs typeface="+mn-cs"/>
+              </a:rPr>
+              <a:t> that it might get leaked or stolen.</a:t>
             </a:r>
           </a:p>
           <a:p>
@@ -8435,19 +8256,7 @@
                 <a:ea typeface="+mn-ea"/>
                 <a:cs typeface="+mn-cs"/>
               </a:rPr>
-              <a:t>keys for mobile app and JS clients that expire after a set period of time. This limits the window of opportunity for any attack made with compromised keys</a:t>
-            </a:r>
-            <a:r>
-              <a:rPr lang="en-US" sz="1200" kern="1200" dirty="0" smtClean="0">
-                <a:solidFill>
-                  <a:schemeClr val="tx1"/>
-                </a:solidFill>
-                <a:effectLst/>
-                <a:latin typeface="+mn-lt"/>
-                <a:ea typeface="+mn-ea"/>
-                <a:cs typeface="+mn-cs"/>
-              </a:rPr>
-              <a:t>.</a:t>
+              <a:t>keys for mobile app and JS clients that expire after a set period of time. This limits the window of opportunity for any attack made with compromised keys.</a:t>
             </a:r>
           </a:p>
           <a:p>
@@ -8508,19 +8317,7 @@
                 <a:ea typeface="+mn-ea"/>
                 <a:cs typeface="+mn-cs"/>
               </a:rPr>
-              <a:t> we used a persistent, long-lived key that was still usable after the user’s session expired. If you create a temporary key when the user logs in, make damn sure it stops </a:t>
-            </a:r>
-            <a:r>
-              <a:rPr lang="en-US" sz="1200" kern="1200" baseline="0" smtClean="0">
-                <a:solidFill>
-                  <a:schemeClr val="tx1"/>
-                </a:solidFill>
-                <a:effectLst/>
-                <a:latin typeface="+mn-lt"/>
-                <a:ea typeface="+mn-ea"/>
-                <a:cs typeface="+mn-cs"/>
-              </a:rPr>
-              <a:t>working when they log out.</a:t>
+              <a:t> we used a persistent, long-lived key that was still usable after the user’s session expired. If you create a temporary key when the user logs in, make damn sure it stops working when they log out.</a:t>
             </a:r>
             <a:endParaRPr lang="en-US" dirty="0"/>
           </a:p>
@@ -9053,7 +8850,31 @@
                 <a:ea typeface="+mn-ea"/>
                 <a:cs typeface="+mn-cs"/>
               </a:rPr>
-              <a:t>the ultimate purpose of an attack might be to string lots of small exploits into something larger. </a:t>
+              <a:t>the ultimate purpose of an attack might be to </a:t>
+            </a:r>
+            <a:r>
+              <a:rPr lang="en-US" sz="1200" b="1" kern="1200" dirty="0" smtClean="0">
+                <a:solidFill>
+                  <a:schemeClr val="tx1"/>
+                </a:solidFill>
+                <a:effectLst/>
+                <a:latin typeface="+mn-lt"/>
+                <a:ea typeface="+mn-ea"/>
+                <a:cs typeface="+mn-cs"/>
+              </a:rPr>
+              <a:t>string lots of small exploits</a:t>
+            </a:r>
+            <a:r>
+              <a:rPr lang="en-US" sz="1200" kern="1200" dirty="0" smtClean="0">
+                <a:solidFill>
+                  <a:schemeClr val="tx1"/>
+                </a:solidFill>
+                <a:effectLst/>
+                <a:latin typeface="+mn-lt"/>
+                <a:ea typeface="+mn-ea"/>
+                <a:cs typeface="+mn-cs"/>
+              </a:rPr>
+              <a:t> into something larger. </a:t>
             </a:r>
           </a:p>
           <a:p>
@@ -9080,7 +8901,247 @@
                 <a:ea typeface="+mn-ea"/>
                 <a:cs typeface="+mn-cs"/>
               </a:rPr>
-              <a:t>Here’s a scary fact: 87% of the US population are uniquely identified by these three pieces of data. If an attacker can get your birthdate from one source, your gender from another and you zip code from a third, that attacker can now de-anonymize you in other databases. It can use that data to stage social engineering attacks or to conduct identity</a:t>
+              <a:t>Here’s a scary fact: </a:t>
+            </a:r>
+            <a:r>
+              <a:rPr lang="en-US" sz="1200" b="1" kern="1200" dirty="0" smtClean="0">
+                <a:solidFill>
+                  <a:schemeClr val="tx1"/>
+                </a:solidFill>
+                <a:effectLst/>
+                <a:latin typeface="+mn-lt"/>
+                <a:ea typeface="+mn-ea"/>
+                <a:cs typeface="+mn-cs"/>
+              </a:rPr>
+              <a:t>87% of the US population</a:t>
+            </a:r>
+            <a:r>
+              <a:rPr lang="en-US" sz="1200" kern="1200" dirty="0" smtClean="0">
+                <a:solidFill>
+                  <a:schemeClr val="tx1"/>
+                </a:solidFill>
+                <a:effectLst/>
+                <a:latin typeface="+mn-lt"/>
+                <a:ea typeface="+mn-ea"/>
+                <a:cs typeface="+mn-cs"/>
+              </a:rPr>
+              <a:t> are uniquely identified by these three pieces of data. </a:t>
+            </a:r>
+            <a:endParaRPr lang="en-US" sz="1200" kern="1200" dirty="0" smtClean="0">
+              <a:solidFill>
+                <a:schemeClr val="tx1"/>
+              </a:solidFill>
+              <a:effectLst/>
+              <a:latin typeface="+mn-lt"/>
+              <a:ea typeface="+mn-ea"/>
+              <a:cs typeface="+mn-cs"/>
+            </a:endParaRPr>
+          </a:p>
+          <a:p>
+            <a:pPr lvl="0"/>
+            <a:endParaRPr lang="en-US" sz="1200" kern="1200" dirty="0" smtClean="0">
+              <a:solidFill>
+                <a:schemeClr val="tx1"/>
+              </a:solidFill>
+              <a:effectLst/>
+              <a:latin typeface="+mn-lt"/>
+              <a:ea typeface="+mn-ea"/>
+              <a:cs typeface="+mn-cs"/>
+            </a:endParaRPr>
+          </a:p>
+          <a:p>
+            <a:pPr lvl="0"/>
+            <a:r>
+              <a:rPr lang="en-US" sz="1200" kern="1200" dirty="0" smtClean="0">
+                <a:solidFill>
+                  <a:schemeClr val="tx1"/>
+                </a:solidFill>
+                <a:effectLst/>
+                <a:latin typeface="+mn-lt"/>
+                <a:ea typeface="+mn-ea"/>
+                <a:cs typeface="+mn-cs"/>
+              </a:rPr>
+              <a:t>If you use </a:t>
+            </a:r>
+            <a:r>
+              <a:rPr lang="en-US" sz="1200" kern="1200" baseline="0" dirty="0" smtClean="0">
+                <a:solidFill>
+                  <a:schemeClr val="tx1"/>
+                </a:solidFill>
+                <a:effectLst/>
+                <a:latin typeface="+mn-lt"/>
+                <a:ea typeface="+mn-ea"/>
+                <a:cs typeface="+mn-cs"/>
+              </a:rPr>
+              <a:t>same address on multiple sites, and</a:t>
+            </a:r>
+            <a:r>
+              <a:rPr lang="en-US" sz="1200" kern="1200" dirty="0" smtClean="0">
+                <a:solidFill>
+                  <a:schemeClr val="tx1"/>
+                </a:solidFill>
+                <a:effectLst/>
+                <a:latin typeface="+mn-lt"/>
+                <a:ea typeface="+mn-ea"/>
+                <a:cs typeface="+mn-cs"/>
+              </a:rPr>
+              <a:t> attacker gets birthdate</a:t>
+            </a:r>
+            <a:r>
+              <a:rPr lang="en-US" sz="1200" kern="1200" baseline="0" dirty="0" smtClean="0">
+                <a:solidFill>
+                  <a:schemeClr val="tx1"/>
+                </a:solidFill>
+                <a:effectLst/>
+                <a:latin typeface="+mn-lt"/>
+                <a:ea typeface="+mn-ea"/>
+                <a:cs typeface="+mn-cs"/>
+              </a:rPr>
+              <a:t> from one “</a:t>
+            </a:r>
+            <a:r>
+              <a:rPr lang="en-US" sz="1200" b="1" kern="1200" baseline="0" dirty="0" smtClean="0">
+                <a:solidFill>
+                  <a:schemeClr val="tx1"/>
+                </a:solidFill>
+                <a:effectLst/>
+                <a:latin typeface="+mn-lt"/>
+                <a:ea typeface="+mn-ea"/>
+                <a:cs typeface="+mn-cs"/>
+              </a:rPr>
+              <a:t>low value</a:t>
+            </a:r>
+            <a:r>
+              <a:rPr lang="en-US" sz="1200" kern="1200" baseline="0" dirty="0" smtClean="0">
+                <a:solidFill>
+                  <a:schemeClr val="tx1"/>
+                </a:solidFill>
+                <a:effectLst/>
+                <a:latin typeface="+mn-lt"/>
+                <a:ea typeface="+mn-ea"/>
+                <a:cs typeface="+mn-cs"/>
+              </a:rPr>
+              <a:t>” target, gender another &amp; zip from a 3</a:t>
+            </a:r>
+            <a:r>
+              <a:rPr lang="en-US" sz="1200" kern="1200" baseline="30000" dirty="0" smtClean="0">
+                <a:solidFill>
+                  <a:schemeClr val="tx1"/>
+                </a:solidFill>
+                <a:effectLst/>
+                <a:latin typeface="+mn-lt"/>
+                <a:ea typeface="+mn-ea"/>
+                <a:cs typeface="+mn-cs"/>
+              </a:rPr>
+              <a:t>rd</a:t>
+            </a:r>
+            <a:r>
+              <a:rPr lang="en-US" sz="1200" kern="1200" baseline="0" dirty="0" smtClean="0">
+                <a:solidFill>
+                  <a:schemeClr val="tx1"/>
+                </a:solidFill>
+                <a:effectLst/>
+                <a:latin typeface="+mn-lt"/>
+                <a:ea typeface="+mn-ea"/>
+                <a:cs typeface="+mn-cs"/>
+              </a:rPr>
+              <a:t>, </a:t>
+            </a:r>
+            <a:r>
+              <a:rPr lang="en-US" sz="1200" kern="1200" dirty="0" smtClean="0">
+                <a:solidFill>
+                  <a:schemeClr val="tx1"/>
+                </a:solidFill>
+                <a:effectLst/>
+                <a:latin typeface="+mn-lt"/>
+                <a:ea typeface="+mn-ea"/>
+                <a:cs typeface="+mn-cs"/>
+              </a:rPr>
+              <a:t>that can </a:t>
+            </a:r>
+            <a:r>
+              <a:rPr lang="en-US" sz="1200" kern="1200" dirty="0" smtClean="0">
+                <a:solidFill>
+                  <a:schemeClr val="tx1"/>
+                </a:solidFill>
+                <a:effectLst/>
+                <a:latin typeface="+mn-lt"/>
+                <a:ea typeface="+mn-ea"/>
+                <a:cs typeface="+mn-cs"/>
+              </a:rPr>
+              <a:t>now </a:t>
+            </a:r>
+            <a:r>
+              <a:rPr lang="en-US" sz="1200" b="1" kern="1200" dirty="0" smtClean="0">
+                <a:solidFill>
+                  <a:schemeClr val="tx1"/>
+                </a:solidFill>
+                <a:effectLst/>
+                <a:latin typeface="+mn-lt"/>
+                <a:ea typeface="+mn-ea"/>
+                <a:cs typeface="+mn-cs"/>
+              </a:rPr>
+              <a:t>de-anonymize</a:t>
+            </a:r>
+            <a:r>
+              <a:rPr lang="en-US" sz="1200" kern="1200" dirty="0" smtClean="0">
+                <a:solidFill>
+                  <a:schemeClr val="tx1"/>
+                </a:solidFill>
+                <a:effectLst/>
+                <a:latin typeface="+mn-lt"/>
+                <a:ea typeface="+mn-ea"/>
+                <a:cs typeface="+mn-cs"/>
+              </a:rPr>
+              <a:t> you in other databases. </a:t>
+            </a:r>
+            <a:endParaRPr lang="en-US" sz="1200" kern="1200" dirty="0" smtClean="0">
+              <a:solidFill>
+                <a:schemeClr val="tx1"/>
+              </a:solidFill>
+              <a:effectLst/>
+              <a:latin typeface="+mn-lt"/>
+              <a:ea typeface="+mn-ea"/>
+              <a:cs typeface="+mn-cs"/>
+            </a:endParaRPr>
+          </a:p>
+          <a:p>
+            <a:pPr lvl="0"/>
+            <a:endParaRPr lang="en-US" sz="1200" kern="1200" dirty="0" smtClean="0">
+              <a:solidFill>
+                <a:schemeClr val="tx1"/>
+              </a:solidFill>
+              <a:effectLst/>
+              <a:latin typeface="+mn-lt"/>
+              <a:ea typeface="+mn-ea"/>
+              <a:cs typeface="+mn-cs"/>
+            </a:endParaRPr>
+          </a:p>
+          <a:p>
+            <a:pPr lvl="0"/>
+            <a:r>
+              <a:rPr lang="en-US" sz="1200" kern="1200" dirty="0" smtClean="0">
+                <a:solidFill>
+                  <a:schemeClr val="tx1"/>
+                </a:solidFill>
+                <a:effectLst/>
+                <a:latin typeface="+mn-lt"/>
+                <a:ea typeface="+mn-ea"/>
+                <a:cs typeface="+mn-cs"/>
+              </a:rPr>
+              <a:t>It </a:t>
+            </a:r>
+            <a:r>
+              <a:rPr lang="en-US" sz="1200" kern="1200" dirty="0" smtClean="0">
+                <a:solidFill>
+                  <a:schemeClr val="tx1"/>
+                </a:solidFill>
+                <a:effectLst/>
+                <a:latin typeface="+mn-lt"/>
+                <a:ea typeface="+mn-ea"/>
+                <a:cs typeface="+mn-cs"/>
+              </a:rPr>
+              <a:t>can use that data to stage social engineering attacks or to conduct identity</a:t>
             </a:r>
             <a:r>
               <a:rPr lang="en-US" sz="1200" kern="1200" baseline="0" dirty="0" smtClean="0">
@@ -9138,7 +9199,67 @@
                 <a:ea typeface="+mn-ea"/>
                 <a:cs typeface="+mn-cs"/>
               </a:rPr>
-              <a:t>The point is that security is important, and that even “low value” targets need to take it seriously. Fortunately, I can help you with that.</a:t>
+              <a:t>Point </a:t>
+            </a:r>
+            <a:r>
+              <a:rPr lang="en-US" sz="1200" kern="1200" dirty="0" smtClean="0">
+                <a:solidFill>
+                  <a:schemeClr val="tx1"/>
+                </a:solidFill>
+                <a:effectLst/>
+                <a:latin typeface="+mn-lt"/>
+                <a:ea typeface="+mn-ea"/>
+                <a:cs typeface="+mn-cs"/>
+              </a:rPr>
+              <a:t>is </a:t>
+            </a:r>
+            <a:r>
+              <a:rPr lang="en-US" sz="1200" kern="1200" dirty="0" smtClean="0">
+                <a:solidFill>
+                  <a:schemeClr val="tx1"/>
+                </a:solidFill>
+                <a:effectLst/>
+                <a:latin typeface="+mn-lt"/>
+                <a:ea typeface="+mn-ea"/>
+                <a:cs typeface="+mn-cs"/>
+              </a:rPr>
+              <a:t>that even “low</a:t>
+            </a:r>
+            <a:r>
+              <a:rPr lang="en-US" sz="1200" kern="1200" baseline="0" dirty="0" smtClean="0">
+                <a:solidFill>
+                  <a:schemeClr val="tx1"/>
+                </a:solidFill>
+                <a:effectLst/>
+                <a:latin typeface="+mn-lt"/>
+                <a:ea typeface="+mn-ea"/>
+                <a:cs typeface="+mn-cs"/>
+              </a:rPr>
+              <a:t> value” targets need to take security seriously. One way to do that is to </a:t>
+            </a:r>
+            <a:r>
+              <a:rPr lang="en-US" sz="1200" b="1" kern="1200" baseline="0" dirty="0" smtClean="0">
+                <a:solidFill>
+                  <a:schemeClr val="tx1"/>
+                </a:solidFill>
+                <a:effectLst/>
+                <a:latin typeface="+mn-lt"/>
+                <a:ea typeface="+mn-ea"/>
+                <a:cs typeface="+mn-cs"/>
+              </a:rPr>
+              <a:t>properly authenticate</a:t>
+            </a:r>
+            <a:r>
+              <a:rPr lang="en-US" sz="1200" kern="1200" baseline="0" dirty="0" smtClean="0">
+                <a:solidFill>
+                  <a:schemeClr val="tx1"/>
+                </a:solidFill>
+                <a:effectLst/>
+                <a:latin typeface="+mn-lt"/>
+                <a:ea typeface="+mn-ea"/>
+                <a:cs typeface="+mn-cs"/>
+              </a:rPr>
+              <a:t> API calls</a:t>
             </a:r>
             <a:endParaRPr lang="en-US" sz="1200" kern="1200" dirty="0">
               <a:solidFill>
@@ -11469,6 +11590,8 @@
               </a:rPr>
               <a:t>…. Need authentication.</a:t>
             </a:r>
+          </a:p>
+          <a:p>
             <a:endParaRPr lang="en-US" sz="1200" kern="1200" dirty="0" smtClean="0">
               <a:solidFill>
                 <a:schemeClr val="tx1"/>
@@ -11480,6 +11603,183 @@
             </a:endParaRPr>
           </a:p>
           <a:p>
+            <a:r>
+              <a:rPr lang="en-US" sz="1200" kern="1200" dirty="0" smtClean="0">
+                <a:solidFill>
+                  <a:schemeClr val="tx1"/>
+                </a:solidFill>
+                <a:effectLst/>
+                <a:latin typeface="+mn-lt"/>
+                <a:ea typeface="+mn-ea"/>
+                <a:cs typeface="+mn-cs"/>
+              </a:rPr>
+              <a:t>I did a little research and found a </a:t>
+            </a:r>
+            <a:r>
+              <a:rPr lang="en-US" sz="1200" b="1" kern="1200" dirty="0" smtClean="0">
+                <a:solidFill>
+                  <a:schemeClr val="tx1"/>
+                </a:solidFill>
+                <a:effectLst/>
+                <a:latin typeface="+mn-lt"/>
+                <a:ea typeface="+mn-ea"/>
+                <a:cs typeface="+mn-cs"/>
+              </a:rPr>
+              <a:t>pretty confusing mess:</a:t>
+            </a:r>
+          </a:p>
+          <a:p>
+            <a:pPr marL="171450" indent="-171450">
+              <a:buFont typeface="Arial" panose="020B0604020202020204" pitchFamily="34" charset="0"/>
+              <a:buChar char="•"/>
+            </a:pPr>
+            <a:r>
+              <a:rPr lang="en-US" sz="1200" b="0" kern="1200" dirty="0" smtClean="0">
+                <a:solidFill>
+                  <a:schemeClr val="tx1"/>
+                </a:solidFill>
+                <a:effectLst/>
+                <a:latin typeface="+mn-lt"/>
+                <a:ea typeface="+mn-ea"/>
+                <a:cs typeface="+mn-cs"/>
+              </a:rPr>
+              <a:t>Bearer</a:t>
+            </a:r>
+            <a:r>
+              <a:rPr lang="en-US" sz="1200" b="0" kern="1200" baseline="0" dirty="0" smtClean="0">
+                <a:solidFill>
+                  <a:schemeClr val="tx1"/>
+                </a:solidFill>
+                <a:effectLst/>
+                <a:latin typeface="+mn-lt"/>
+                <a:ea typeface="+mn-ea"/>
+                <a:cs typeface="+mn-cs"/>
+              </a:rPr>
+              <a:t> tokens, </a:t>
+            </a:r>
+            <a:r>
+              <a:rPr lang="en-US" sz="1200" b="0" kern="1200" baseline="0" dirty="0" err="1" smtClean="0">
+                <a:solidFill>
+                  <a:schemeClr val="tx1"/>
+                </a:solidFill>
+                <a:effectLst/>
+                <a:latin typeface="+mn-lt"/>
+                <a:ea typeface="+mn-ea"/>
+                <a:cs typeface="+mn-cs"/>
+              </a:rPr>
+              <a:t>nonces</a:t>
+            </a:r>
+            <a:r>
+              <a:rPr lang="en-US" sz="1200" b="0" kern="1200" baseline="0" dirty="0" smtClean="0">
+                <a:solidFill>
+                  <a:schemeClr val="tx1"/>
+                </a:solidFill>
+                <a:effectLst/>
+                <a:latin typeface="+mn-lt"/>
+                <a:ea typeface="+mn-ea"/>
+                <a:cs typeface="+mn-cs"/>
+              </a:rPr>
+              <a:t>, federated identity</a:t>
+            </a:r>
+          </a:p>
+          <a:p>
+            <a:pPr marL="171450" indent="-171450">
+              <a:buFont typeface="Arial" panose="020B0604020202020204" pitchFamily="34" charset="0"/>
+              <a:buChar char="•"/>
+            </a:pPr>
+            <a:r>
+              <a:rPr lang="en-US" sz="1200" b="0" kern="1200" baseline="0" dirty="0" smtClean="0">
+                <a:solidFill>
+                  <a:schemeClr val="tx1"/>
+                </a:solidFill>
+                <a:effectLst/>
+                <a:latin typeface="+mn-lt"/>
+                <a:ea typeface="+mn-ea"/>
+                <a:cs typeface="+mn-cs"/>
+              </a:rPr>
+              <a:t>Correct cryptographic hash function when signing requests</a:t>
+            </a:r>
+          </a:p>
+          <a:p>
+            <a:pPr marL="171450" indent="-171450">
+              <a:buFont typeface="Arial" panose="020B0604020202020204" pitchFamily="34" charset="0"/>
+              <a:buChar char="•"/>
+            </a:pPr>
+            <a:r>
+              <a:rPr lang="en-US" sz="1200" b="0" kern="1200" baseline="0" dirty="0" smtClean="0">
+                <a:solidFill>
+                  <a:schemeClr val="tx1"/>
+                </a:solidFill>
+                <a:effectLst/>
+                <a:latin typeface="+mn-lt"/>
+                <a:ea typeface="+mn-ea"/>
+                <a:cs typeface="+mn-cs"/>
+              </a:rPr>
+              <a:t>Two different versions of this thing called </a:t>
+            </a:r>
+            <a:r>
+              <a:rPr lang="en-US" sz="1200" b="0" kern="1200" baseline="0" dirty="0" err="1" smtClean="0">
+                <a:solidFill>
+                  <a:schemeClr val="tx1"/>
+                </a:solidFill>
+                <a:effectLst/>
+                <a:latin typeface="+mn-lt"/>
+                <a:ea typeface="+mn-ea"/>
+                <a:cs typeface="+mn-cs"/>
+              </a:rPr>
+              <a:t>Oauth</a:t>
+            </a:r>
+            <a:endParaRPr lang="en-US" sz="1200" b="0" kern="1200" baseline="0" dirty="0" smtClean="0">
+              <a:solidFill>
+                <a:schemeClr val="tx1"/>
+              </a:solidFill>
+              <a:effectLst/>
+              <a:latin typeface="+mn-lt"/>
+              <a:ea typeface="+mn-ea"/>
+              <a:cs typeface="+mn-cs"/>
+            </a:endParaRPr>
+          </a:p>
+          <a:p>
+            <a:pPr marL="171450" indent="-171450">
+              <a:buFont typeface="Arial" panose="020B0604020202020204" pitchFamily="34" charset="0"/>
+              <a:buChar char="•"/>
+            </a:pPr>
+            <a:r>
+              <a:rPr lang="en-US" sz="1200" b="0" kern="1200" baseline="0" dirty="0" smtClean="0">
+                <a:solidFill>
+                  <a:schemeClr val="tx1"/>
+                </a:solidFill>
+                <a:effectLst/>
+                <a:latin typeface="+mn-lt"/>
+                <a:ea typeface="+mn-ea"/>
+                <a:cs typeface="+mn-cs"/>
+              </a:rPr>
+              <a:t>There was </a:t>
+            </a:r>
+            <a:r>
+              <a:rPr lang="en-US" sz="1200" b="1" kern="1200" baseline="0" dirty="0" smtClean="0">
+                <a:solidFill>
+                  <a:schemeClr val="tx1"/>
+                </a:solidFill>
+                <a:effectLst/>
+                <a:latin typeface="+mn-lt"/>
+                <a:ea typeface="+mn-ea"/>
+                <a:cs typeface="+mn-cs"/>
+              </a:rPr>
+              <a:t>no “guide to choosing the right authentication for you</a:t>
+            </a:r>
+            <a:r>
+              <a:rPr lang="en-US" sz="1200" b="0" kern="1200" baseline="0" dirty="0" smtClean="0">
+                <a:solidFill>
+                  <a:schemeClr val="tx1"/>
+                </a:solidFill>
+                <a:effectLst/>
+                <a:latin typeface="+mn-lt"/>
+                <a:ea typeface="+mn-ea"/>
+                <a:cs typeface="+mn-cs"/>
+              </a:rPr>
+              <a:t>”</a:t>
+            </a:r>
             <a:endParaRPr lang="en-US" sz="1200" kern="1200" dirty="0" smtClean="0">
               <a:solidFill>
                 <a:schemeClr val="tx1"/>
@@ -11491,195 +11791,6 @@
             </a:endParaRPr>
           </a:p>
           <a:p>
-            <a:r>
-              <a:rPr lang="en-US" sz="1200" kern="1200" dirty="0" smtClean="0">
-                <a:solidFill>
-                  <a:schemeClr val="tx1"/>
-                </a:solidFill>
-                <a:effectLst/>
-                <a:latin typeface="+mn-lt"/>
-                <a:ea typeface="+mn-ea"/>
-                <a:cs typeface="+mn-cs"/>
-              </a:rPr>
-              <a:t>I did a little research and found a </a:t>
-            </a:r>
-            <a:r>
-              <a:rPr lang="en-US" sz="1200" b="1" kern="1200" dirty="0" smtClean="0">
-                <a:solidFill>
-                  <a:schemeClr val="tx1"/>
-                </a:solidFill>
-                <a:effectLst/>
-                <a:latin typeface="+mn-lt"/>
-                <a:ea typeface="+mn-ea"/>
-                <a:cs typeface="+mn-cs"/>
-              </a:rPr>
-              <a:t>pretty confusing </a:t>
-            </a:r>
-            <a:r>
-              <a:rPr lang="en-US" sz="1200" b="1" kern="1200" dirty="0" smtClean="0">
-                <a:solidFill>
-                  <a:schemeClr val="tx1"/>
-                </a:solidFill>
-                <a:effectLst/>
-                <a:latin typeface="+mn-lt"/>
-                <a:ea typeface="+mn-ea"/>
-                <a:cs typeface="+mn-cs"/>
-              </a:rPr>
-              <a:t>mess:</a:t>
-            </a:r>
-          </a:p>
-          <a:p>
-            <a:pPr marL="171450" indent="-171450">
-              <a:buFont typeface="Arial" panose="020B0604020202020204" pitchFamily="34" charset="0"/>
-              <a:buChar char="•"/>
-            </a:pPr>
-            <a:r>
-              <a:rPr lang="en-US" sz="1200" b="0" kern="1200" dirty="0" smtClean="0">
-                <a:solidFill>
-                  <a:schemeClr val="tx1"/>
-                </a:solidFill>
-                <a:effectLst/>
-                <a:latin typeface="+mn-lt"/>
-                <a:ea typeface="+mn-ea"/>
-                <a:cs typeface="+mn-cs"/>
-              </a:rPr>
-              <a:t>Bearer</a:t>
-            </a:r>
-            <a:r>
-              <a:rPr lang="en-US" sz="1200" b="0" kern="1200" baseline="0" dirty="0" smtClean="0">
-                <a:solidFill>
-                  <a:schemeClr val="tx1"/>
-                </a:solidFill>
-                <a:effectLst/>
-                <a:latin typeface="+mn-lt"/>
-                <a:ea typeface="+mn-ea"/>
-                <a:cs typeface="+mn-cs"/>
-              </a:rPr>
-              <a:t> tokens, </a:t>
-            </a:r>
-            <a:r>
-              <a:rPr lang="en-US" sz="1200" b="0" kern="1200" baseline="0" dirty="0" err="1" smtClean="0">
-                <a:solidFill>
-                  <a:schemeClr val="tx1"/>
-                </a:solidFill>
-                <a:effectLst/>
-                <a:latin typeface="+mn-lt"/>
-                <a:ea typeface="+mn-ea"/>
-                <a:cs typeface="+mn-cs"/>
-              </a:rPr>
-              <a:t>nonces</a:t>
-            </a:r>
-            <a:r>
-              <a:rPr lang="en-US" sz="1200" b="0" kern="1200" baseline="0" dirty="0" smtClean="0">
-                <a:solidFill>
-                  <a:schemeClr val="tx1"/>
-                </a:solidFill>
-                <a:effectLst/>
-                <a:latin typeface="+mn-lt"/>
-                <a:ea typeface="+mn-ea"/>
-                <a:cs typeface="+mn-cs"/>
-              </a:rPr>
-              <a:t>, federated identity</a:t>
-            </a:r>
-          </a:p>
-          <a:p>
-            <a:pPr marL="171450" indent="-171450">
-              <a:buFont typeface="Arial" panose="020B0604020202020204" pitchFamily="34" charset="0"/>
-              <a:buChar char="•"/>
-            </a:pPr>
-            <a:r>
-              <a:rPr lang="en-US" sz="1200" b="0" kern="1200" baseline="0" dirty="0" smtClean="0">
-                <a:solidFill>
-                  <a:schemeClr val="tx1"/>
-                </a:solidFill>
-                <a:effectLst/>
-                <a:latin typeface="+mn-lt"/>
-                <a:ea typeface="+mn-ea"/>
-                <a:cs typeface="+mn-cs"/>
-              </a:rPr>
-              <a:t>Correct cryptographic hash function when signing requests</a:t>
-            </a:r>
-          </a:p>
-          <a:p>
-            <a:pPr marL="171450" indent="-171450">
-              <a:buFont typeface="Arial" panose="020B0604020202020204" pitchFamily="34" charset="0"/>
-              <a:buChar char="•"/>
-            </a:pPr>
-            <a:r>
-              <a:rPr lang="en-US" sz="1200" b="0" kern="1200" baseline="0" dirty="0" smtClean="0">
-                <a:solidFill>
-                  <a:schemeClr val="tx1"/>
-                </a:solidFill>
-                <a:effectLst/>
-                <a:latin typeface="+mn-lt"/>
-                <a:ea typeface="+mn-ea"/>
-                <a:cs typeface="+mn-cs"/>
-              </a:rPr>
-              <a:t>Two different versions of this thing called </a:t>
-            </a:r>
-            <a:r>
-              <a:rPr lang="en-US" sz="1200" b="0" kern="1200" baseline="0" dirty="0" err="1" smtClean="0">
-                <a:solidFill>
-                  <a:schemeClr val="tx1"/>
-                </a:solidFill>
-                <a:effectLst/>
-                <a:latin typeface="+mn-lt"/>
-                <a:ea typeface="+mn-ea"/>
-                <a:cs typeface="+mn-cs"/>
-              </a:rPr>
-              <a:t>Oauth</a:t>
-            </a:r>
-            <a:endParaRPr lang="en-US" sz="1200" b="0" kern="1200" baseline="0" dirty="0" smtClean="0">
-              <a:solidFill>
-                <a:schemeClr val="tx1"/>
-              </a:solidFill>
-              <a:effectLst/>
-              <a:latin typeface="+mn-lt"/>
-              <a:ea typeface="+mn-ea"/>
-              <a:cs typeface="+mn-cs"/>
-            </a:endParaRPr>
-          </a:p>
-          <a:p>
-            <a:pPr marL="171450" indent="-171450">
-              <a:buFont typeface="Arial" panose="020B0604020202020204" pitchFamily="34" charset="0"/>
-              <a:buChar char="•"/>
-            </a:pPr>
-            <a:r>
-              <a:rPr lang="en-US" sz="1200" b="0" kern="1200" baseline="0" dirty="0" smtClean="0">
-                <a:solidFill>
-                  <a:schemeClr val="tx1"/>
-                </a:solidFill>
-                <a:effectLst/>
-                <a:latin typeface="+mn-lt"/>
-                <a:ea typeface="+mn-ea"/>
-                <a:cs typeface="+mn-cs"/>
-              </a:rPr>
-              <a:t>There was </a:t>
-            </a:r>
-            <a:r>
-              <a:rPr lang="en-US" sz="1200" b="1" kern="1200" baseline="0" dirty="0" smtClean="0">
-                <a:solidFill>
-                  <a:schemeClr val="tx1"/>
-                </a:solidFill>
-                <a:effectLst/>
-                <a:latin typeface="+mn-lt"/>
-                <a:ea typeface="+mn-ea"/>
-                <a:cs typeface="+mn-cs"/>
-              </a:rPr>
-              <a:t>no “guide to choosing the right authentication for you</a:t>
-            </a:r>
-            <a:r>
-              <a:rPr lang="en-US" sz="1200" b="0" kern="1200" baseline="0" dirty="0" smtClean="0">
-                <a:solidFill>
-                  <a:schemeClr val="tx1"/>
-                </a:solidFill>
-                <a:effectLst/>
-                <a:latin typeface="+mn-lt"/>
-                <a:ea typeface="+mn-ea"/>
-                <a:cs typeface="+mn-cs"/>
-              </a:rPr>
-              <a:t>”</a:t>
-            </a:r>
             <a:endParaRPr lang="en-US" sz="1200" kern="1200" dirty="0" smtClean="0">
               <a:solidFill>
                 <a:schemeClr val="tx1"/>
@@ -11691,40 +11802,17 @@
             </a:endParaRPr>
           </a:p>
           <a:p>
-            <a:endParaRPr lang="en-US" sz="1200" kern="1200" dirty="0" smtClean="0">
-              <a:solidFill>
-                <a:schemeClr val="tx1"/>
-              </a:solidFill>
-              <a:effectLst/>
-              <a:latin typeface="+mn-lt"/>
-              <a:ea typeface="+mn-ea"/>
-              <a:cs typeface="+mn-cs"/>
-            </a:endParaRPr>
-          </a:p>
-          <a:p>
-            <a:r>
-              <a:rPr lang="en-US" sz="1200" kern="1200" dirty="0" smtClean="0">
-                <a:solidFill>
-                  <a:schemeClr val="tx1"/>
-                </a:solidFill>
-                <a:effectLst/>
-                <a:latin typeface="+mn-lt"/>
-                <a:ea typeface="+mn-ea"/>
-                <a:cs typeface="+mn-cs"/>
-              </a:rPr>
-              <a:t>So… I did a bad thing. </a:t>
-            </a:r>
-            <a:r>
-              <a:rPr lang="en-US" sz="1200" kern="1200" dirty="0" smtClean="0">
-                <a:solidFill>
-                  <a:schemeClr val="tx1"/>
-                </a:solidFill>
-                <a:effectLst/>
-                <a:latin typeface="+mn-lt"/>
-                <a:ea typeface="+mn-ea"/>
-                <a:cs typeface="+mn-cs"/>
-              </a:rPr>
-              <a:t>In a hurry, rolled my own,</a:t>
+            <a:r>
+              <a:rPr lang="en-US" sz="1200" kern="1200" dirty="0" smtClean="0">
+                <a:solidFill>
+                  <a:schemeClr val="tx1"/>
+                </a:solidFill>
+                <a:effectLst/>
+                <a:latin typeface="+mn-lt"/>
+                <a:ea typeface="+mn-ea"/>
+                <a:cs typeface="+mn-cs"/>
+              </a:rPr>
+              <a:t>So… I did a bad thing. In a hurry, rolled my own,</a:t>
             </a:r>
             <a:r>
               <a:rPr lang="en-US" sz="1200" kern="1200" baseline="0" dirty="0" smtClean="0">
@@ -17841,81 +17929,6 @@
               <a:ea typeface="+mn-ea"/>
               <a:cs typeface="+mn-cs"/>
             </a:endParaRPr>
-          </a:p>
-          <a:p>
-            <a:r>
-              <a:rPr lang="en-US" sz="1200" kern="1200" dirty="0" smtClean="0">
-                <a:solidFill>
-                  <a:schemeClr val="tx1"/>
-                </a:solidFill>
-                <a:effectLst/>
-                <a:latin typeface="+mn-lt"/>
-                <a:ea typeface="+mn-ea"/>
-                <a:cs typeface="+mn-cs"/>
-              </a:rPr>
-              <a:t>If exposing privat</a:t>
-            </a:r>
-            <a:r>
-              <a:rPr lang="en-US" sz="1200" kern="1200" baseline="0" dirty="0" smtClean="0">
-                <a:solidFill>
-                  <a:schemeClr val="tx1"/>
-                </a:solidFill>
-                <a:effectLst/>
-                <a:latin typeface="+mn-lt"/>
-                <a:ea typeface="+mn-ea"/>
-                <a:cs typeface="+mn-cs"/>
-              </a:rPr>
-              <a:t>e keys to JS clients, </a:t>
-            </a:r>
-            <a:r>
-              <a:rPr lang="en-US" sz="1200" kern="1200" dirty="0" smtClean="0">
-                <a:solidFill>
-                  <a:schemeClr val="tx1"/>
-                </a:solidFill>
-                <a:effectLst/>
-                <a:latin typeface="+mn-lt"/>
-                <a:ea typeface="+mn-ea"/>
-                <a:cs typeface="+mn-cs"/>
-              </a:rPr>
-              <a:t>consider </a:t>
-            </a:r>
-            <a:r>
-              <a:rPr lang="en-US" sz="1200" b="1" kern="1200" dirty="0" smtClean="0">
-                <a:solidFill>
-                  <a:schemeClr val="tx1"/>
-                </a:solidFill>
-                <a:effectLst/>
-                <a:latin typeface="+mn-lt"/>
-                <a:ea typeface="+mn-ea"/>
-                <a:cs typeface="+mn-cs"/>
-              </a:rPr>
-              <a:t>keys</a:t>
-            </a:r>
-            <a:r>
-              <a:rPr lang="en-US" sz="1200" b="1" kern="1200" baseline="0" dirty="0" smtClean="0">
-                <a:solidFill>
-                  <a:schemeClr val="tx1"/>
-                </a:solidFill>
-                <a:effectLst/>
-                <a:latin typeface="+mn-lt"/>
-                <a:ea typeface="+mn-ea"/>
-                <a:cs typeface="+mn-cs"/>
-              </a:rPr>
-              <a:t> that expire</a:t>
-            </a:r>
-            <a:r>
-              <a:rPr lang="en-US" sz="1200" b="0" kern="1200" baseline="0" dirty="0" smtClean="0">
-                <a:solidFill>
-                  <a:schemeClr val="tx1"/>
-                </a:solidFill>
-                <a:effectLst/>
-                <a:latin typeface="+mn-lt"/>
-                <a:ea typeface="+mn-ea"/>
-                <a:cs typeface="+mn-cs"/>
-              </a:rPr>
-              <a:t> to limit the window of opportunity if they are compromised</a:t>
-            </a:r>
-            <a:endParaRPr lang="en-US" dirty="0"/>
           </a:p>
         </p:txBody>
       </p:sp>
@@ -20527,7 +20540,7 @@
           <a:p>
             <a:fld id="{75AA6396-395E-4ADA-8EE5-F328BC863A04}" type="datetimeFigureOut">
               <a:rPr lang="en-US" smtClean="0"/>
-              <a:t>1/7/2016</a:t>
+              <a:t>1/8/2016</a:t>
             </a:fld>
             <a:endParaRPr lang="en-US"/>
           </a:p>
@@ -20704,7 +20717,7 @@
           <a:p>
             <a:fld id="{75AA6396-395E-4ADA-8EE5-F328BC863A04}" type="datetimeFigureOut">
               <a:rPr lang="en-US" smtClean="0"/>
-              <a:t>1/7/2016</a:t>
+              <a:t>1/8/2016</a:t>
             </a:fld>
             <a:endParaRPr lang="en-US"/>
           </a:p>
@@ -20884,7 +20897,7 @@
           <a:p>
             <a:fld id="{75AA6396-395E-4ADA-8EE5-F328BC863A04}" type="datetimeFigureOut">
               <a:rPr lang="en-US" smtClean="0"/>
-              <a:t>1/7/2016</a:t>
+              <a:t>1/8/2016</a:t>
             </a:fld>
             <a:endParaRPr lang="en-US"/>
           </a:p>
@@ -21104,7 +21117,7 @@
           <a:p>
             <a:fld id="{75AA6396-395E-4ADA-8EE5-F328BC863A04}" type="datetimeFigureOut">
               <a:rPr lang="en-US" smtClean="0"/>
-              <a:t>1/7/2016</a:t>
+              <a:t>1/8/2016</a:t>
             </a:fld>
             <a:endParaRPr lang="en-US"/>
           </a:p>
@@ -21357,7 +21370,7 @@
           <a:p>
             <a:fld id="{75AA6396-395E-4ADA-8EE5-F328BC863A04}" type="datetimeFigureOut">
               <a:rPr lang="en-US" smtClean="0"/>
-              <a:t>1/7/2016</a:t>
+              <a:t>1/8/2016</a:t>
             </a:fld>
             <a:endParaRPr lang="en-US"/>
           </a:p>
@@ -21596,7 +21609,7 @@
           <a:p>
             <a:fld id="{75AA6396-395E-4ADA-8EE5-F328BC863A04}" type="datetimeFigureOut">
               <a:rPr lang="en-US" smtClean="0"/>
-              <a:t>1/7/2016</a:t>
+              <a:t>1/8/2016</a:t>
             </a:fld>
             <a:endParaRPr lang="en-US"/>
           </a:p>
@@ -21970,7 +21983,7 @@
           <a:p>
             <a:fld id="{75AA6396-395E-4ADA-8EE5-F328BC863A04}" type="datetimeFigureOut">
               <a:rPr lang="en-US" smtClean="0"/>
-              <a:t>1/7/2016</a:t>
+              <a:t>1/8/2016</a:t>
             </a:fld>
             <a:endParaRPr lang="en-US"/>
           </a:p>
@@ -22088,7 +22101,7 @@
           <a:p>
             <a:fld id="{75AA6396-395E-4ADA-8EE5-F328BC863A04}" type="datetimeFigureOut">
               <a:rPr lang="en-US" smtClean="0"/>
-              <a:t>1/7/2016</a:t>
+              <a:t>1/8/2016</a:t>
             </a:fld>
             <a:endParaRPr lang="en-US"/>
           </a:p>
@@ -22183,7 +22196,7 @@
           <a:p>
             <a:fld id="{75AA6396-395E-4ADA-8EE5-F328BC863A04}" type="datetimeFigureOut">
               <a:rPr lang="en-US" smtClean="0"/>
-              <a:t>1/7/2016</a:t>
+              <a:t>1/8/2016</a:t>
             </a:fld>
             <a:endParaRPr lang="en-US"/>
           </a:p>
@@ -22460,7 +22473,7 @@
           <a:p>
             <a:fld id="{75AA6396-395E-4ADA-8EE5-F328BC863A04}" type="datetimeFigureOut">
               <a:rPr lang="en-US" smtClean="0"/>
-              <a:t>1/7/2016</a:t>
+              <a:t>1/8/2016</a:t>
             </a:fld>
             <a:endParaRPr lang="en-US"/>
           </a:p>
@@ -22713,7 +22726,7 @@
           <a:p>
             <a:fld id="{75AA6396-395E-4ADA-8EE5-F328BC863A04}" type="datetimeFigureOut">
               <a:rPr lang="en-US" smtClean="0"/>
-              <a:t>1/7/2016</a:t>
+              <a:t>1/8/2016</a:t>
             </a:fld>
             <a:endParaRPr lang="en-US"/>
           </a:p>
@@ -22926,7 +22939,7 @@
           <a:p>
             <a:fld id="{75AA6396-395E-4ADA-8EE5-F328BC863A04}" type="datetimeFigureOut">
               <a:rPr lang="en-US" smtClean="0"/>
-              <a:t>1/7/2016</a:t>
+              <a:t>1/8/2016</a:t>
             </a:fld>
             <a:endParaRPr lang="en-US"/>
           </a:p>
@@ -25770,23 +25783,14 @@
           <a:p>
             <a:r>
               <a:rPr lang="en-US" sz="4000" dirty="0" smtClean="0"/>
-              <a:t>No standard </a:t>
-            </a:r>
-            <a:r>
-              <a:rPr lang="en-US" sz="4000" dirty="0" smtClean="0"/>
-              <a:t>format – usually a GUID</a:t>
-            </a:r>
-            <a:endParaRPr lang="en-US" sz="4000" dirty="0" smtClean="0"/>
+              <a:t>No standard format – usually a GUID</a:t>
+            </a:r>
           </a:p>
           <a:p>
             <a:pPr lvl="1"/>
             <a:r>
               <a:rPr lang="en-US" sz="3600" dirty="0" smtClean="0"/>
-              <a:t>Designed </a:t>
-            </a:r>
-            <a:r>
-              <a:rPr lang="en-US" sz="3600" dirty="0" smtClean="0"/>
-              <a:t>for computers, not people</a:t>
+              <a:t>Designed for computers, not people</a:t>
             </a:r>
           </a:p>
           <a:p>
@@ -26661,22 +26665,6 @@
             </a:r>
           </a:p>
           <a:p>
-            <a:endParaRPr lang="en-US" sz="4000" dirty="0"/>
-          </a:p>
-          <a:p>
-            <a:r>
-              <a:rPr lang="en-US" sz="4000" dirty="0" smtClean="0"/>
-              <a:t>Is subject to replay attacks</a:t>
-            </a:r>
-          </a:p>
-          <a:p>
-            <a:pPr lvl="1"/>
-            <a:r>
-              <a:rPr lang="en-US" sz="3600" dirty="0" smtClean="0"/>
-              <a:t>Use timestamps or TLS to defend</a:t>
-            </a:r>
-          </a:p>
-          <a:p>
             <a:pPr lvl="1"/>
             <a:endParaRPr lang="en-US" sz="3600" dirty="0" smtClean="0"/>
           </a:p>
@@ -27464,7 +27452,6 @@
               <a:rPr lang="en-US" sz="4000" dirty="0" smtClean="0"/>
               <a:t>Deactivate key when user logs out</a:t>
             </a:r>
-            <a:endParaRPr lang="en-US" sz="4000" dirty="0" smtClean="0"/>
           </a:p>
           <a:p>
             <a:endParaRPr lang="en-US" sz="4000" dirty="0"/>
@@ -27971,7 +27958,7 @@
 </file>
 
 <file path=ppt/slides/slide40.xml><?xml version="1.0" encoding="utf-8"?>
-<p:sld xmlns:a="http://schemas.openxmlformats.org/drawingml/2006/main" xmlns:r="http://schemas.openxmlformats.org/officeDocument/2006/relationships" xmlns:p="http://schemas.openxmlformats.org/presentationml/2006/main">
+<p:sld xmlns:a="http://schemas.openxmlformats.org/drawingml/2006/main" xmlns:r="http://schemas.openxmlformats.org/officeDocument/2006/relationships" xmlns:p="http://schemas.openxmlformats.org/presentationml/2006/main" show="0">
   <p:cSld>
     <p:spTree>
       <p:nvGrpSpPr>
@@ -28095,6 +28082,14 @@
   <p:clrMapOvr>
     <a:masterClrMapping/>
   </p:clrMapOvr>
+  <mc:AlternateContent xmlns:mc="http://schemas.openxmlformats.org/markup-compatibility/2006">
+    <mc:Choice xmlns:p14="http://schemas.microsoft.com/office/powerpoint/2010/main" Requires="p14">
+      <p:transition spd="slow" p14:dur="2000"/>
+    </mc:Choice>
+    <mc:Fallback>
+      <p:transition spd="slow"/>
+    </mc:Fallback>
+  </mc:AlternateContent>
   <p:timing>
     <p:tnLst>
       <p:par>
@@ -32423,10 +32418,6 @@
             </a:r>
           </a:p>
           <a:p>
-            <a:r>
-              <a:rPr lang="en-US" sz="3600" dirty="0" smtClean="0"/>
-              <a:t>Use expiring private keys if exposed to JS</a:t>
-            </a:r>
             <a:endParaRPr lang="en-US" sz="3600" dirty="0"/>
           </a:p>
           <a:p>
@@ -33444,8 +33435,25 @@
           <a:p>
             <a:r>
               <a:rPr lang="en-US" sz="4000" dirty="0" smtClean="0"/>
-              <a:t>If you own the data, custom API Keys will be simpler than OAuth</a:t>
-            </a:r>
+              <a:t>If you are authenticating against </a:t>
+            </a:r>
+            <a:r>
+              <a:rPr lang="en-US" sz="4000" b="1" dirty="0" smtClean="0"/>
+              <a:t>your</a:t>
+            </a:r>
+            <a:r>
+              <a:rPr lang="en-US" sz="4000" dirty="0" smtClean="0"/>
+              <a:t> </a:t>
+            </a:r>
+            <a:r>
+              <a:rPr lang="en-US" sz="4000" b="1" dirty="0" smtClean="0"/>
+              <a:t>data</a:t>
+            </a:r>
+            <a:r>
+              <a:rPr lang="en-US" sz="4000" smtClean="0"/>
+              <a:t>, consider API Keys</a:t>
+            </a:r>
+            <a:endParaRPr lang="en-US" sz="4000" dirty="0" smtClean="0"/>
           </a:p>
           <a:p>
             <a:endParaRPr lang="en-US" sz="4000" dirty="0" smtClean="0"/>
